--- a/Microservices_Template.pptx
+++ b/Microservices_Template.pptx
@@ -6,37 +6,36 @@
     <p:sldMasterId id="2147483730" r:id="rId5"/>
   </p:sldMasterIdLst>
   <p:notesMasterIdLst>
-    <p:notesMasterId r:id="rId31"/>
+    <p:notesMasterId r:id="rId30"/>
   </p:notesMasterIdLst>
   <p:handoutMasterIdLst>
-    <p:handoutMasterId r:id="rId32"/>
+    <p:handoutMasterId r:id="rId31"/>
   </p:handoutMasterIdLst>
   <p:sldIdLst>
-    <p:sldId id="449" r:id="rId6"/>
-    <p:sldId id="452" r:id="rId7"/>
-    <p:sldId id="271" r:id="rId8"/>
-    <p:sldId id="400" r:id="rId9"/>
-    <p:sldId id="459" r:id="rId10"/>
-    <p:sldId id="460" r:id="rId11"/>
-    <p:sldId id="461" r:id="rId12"/>
-    <p:sldId id="462" r:id="rId13"/>
-    <p:sldId id="463" r:id="rId14"/>
-    <p:sldId id="464" r:id="rId15"/>
-    <p:sldId id="465" r:id="rId16"/>
-    <p:sldId id="466" r:id="rId17"/>
-    <p:sldId id="471" r:id="rId18"/>
-    <p:sldId id="467" r:id="rId19"/>
-    <p:sldId id="472" r:id="rId20"/>
-    <p:sldId id="468" r:id="rId21"/>
-    <p:sldId id="473" r:id="rId22"/>
-    <p:sldId id="469" r:id="rId23"/>
-    <p:sldId id="474" r:id="rId24"/>
-    <p:sldId id="470" r:id="rId25"/>
-    <p:sldId id="475" r:id="rId26"/>
-    <p:sldId id="476" r:id="rId27"/>
-    <p:sldId id="477" r:id="rId28"/>
-    <p:sldId id="478" r:id="rId29"/>
-    <p:sldId id="479" r:id="rId30"/>
+    <p:sldId id="452" r:id="rId6"/>
+    <p:sldId id="271" r:id="rId7"/>
+    <p:sldId id="400" r:id="rId8"/>
+    <p:sldId id="460" r:id="rId9"/>
+    <p:sldId id="461" r:id="rId10"/>
+    <p:sldId id="462" r:id="rId11"/>
+    <p:sldId id="459" r:id="rId12"/>
+    <p:sldId id="463" r:id="rId13"/>
+    <p:sldId id="464" r:id="rId14"/>
+    <p:sldId id="465" r:id="rId15"/>
+    <p:sldId id="466" r:id="rId16"/>
+    <p:sldId id="471" r:id="rId17"/>
+    <p:sldId id="467" r:id="rId18"/>
+    <p:sldId id="472" r:id="rId19"/>
+    <p:sldId id="468" r:id="rId20"/>
+    <p:sldId id="473" r:id="rId21"/>
+    <p:sldId id="469" r:id="rId22"/>
+    <p:sldId id="474" r:id="rId23"/>
+    <p:sldId id="470" r:id="rId24"/>
+    <p:sldId id="475" r:id="rId25"/>
+    <p:sldId id="476" r:id="rId26"/>
+    <p:sldId id="477" r:id="rId27"/>
+    <p:sldId id="478" r:id="rId28"/>
+    <p:sldId id="479" r:id="rId29"/>
   </p:sldIdLst>
   <p:sldSz cx="9144000" cy="6858000" type="screen4x3"/>
   <p:notesSz cx="6858000" cy="9144000"/>
@@ -137,7 +136,7 @@
   </p:defaultTextStyle>
   <p:extLst>
     <p:ext uri="{EFAFB233-063F-42B5-8137-9DF3F51BA10A}">
-      <p15:sldGuideLst xmlns:p15="http://schemas.microsoft.com/office/powerpoint/2012/main" xmlns="">
+      <p15:sldGuideLst xmlns="" xmlns:p15="http://schemas.microsoft.com/office/powerpoint/2012/main">
         <p15:guide id="1" orient="horz" pos="373">
           <p15:clr>
             <a:srgbClr val="A4A3A4"/>
@@ -233,8 +232,17 @@
 <p:cmAuthorLst xmlns:a="http://schemas.openxmlformats.org/drawingml/2006/main" xmlns:r="http://schemas.openxmlformats.org/officeDocument/2006/relationships" xmlns:p="http://schemas.openxmlformats.org/presentationml/2006/main">
   <p:cmAuthor id="1" name="Alex" initials="A" lastIdx="64" clrIdx="0"/>
   <p:cmAuthor id="2" name="Jillian Baum" initials="" lastIdx="0" clrIdx="1"/>
-  <p:cmAuthor id="3" name="kelt" initials="k" lastIdx="1" clrIdx="2"/>
+  <p:cmAuthor id="3" name="kelt" initials="k" lastIdx="2" clrIdx="2"/>
 </p:cmAuthorLst>
+</file>
+
+<file path=ppt/comments/comment1.xml><?xml version="1.0" encoding="utf-8"?>
+<p:cmLst xmlns:a="http://schemas.openxmlformats.org/drawingml/2006/main" xmlns:r="http://schemas.openxmlformats.org/officeDocument/2006/relationships" xmlns:p="http://schemas.openxmlformats.org/presentationml/2006/main">
+  <p:cm authorId="3" dt="2015-10-20T22:06:46.038" idx="2">
+    <p:pos x="10" y="10"/>
+    <p:text>пересмотреть разговор</p:text>
+  </p:cm>
+</p:cmLst>
 </file>
 
 <file path=ppt/handoutMasters/handoutMaster1.xml><?xml version="1.0" encoding="utf-8"?>
@@ -319,7 +327,7 @@
           <a:p>
             <a:fld id="{7F5E9BF7-95E4-A242-BA1D-05FDCF603BE6}" type="datetime1">
               <a:rPr lang="en-US" smtClean="0"/>
-              <a:t>10/18/2015</a:t>
+              <a:t>10/20/2015</a:t>
             </a:fld>
             <a:endParaRPr lang="en-US"/>
           </a:p>
@@ -485,7 +493,7 @@
           <a:p>
             <a:fld id="{165DBCB1-0306-AD41-9452-11E7C08D5C04}" type="datetime1">
               <a:rPr lang="en-US" smtClean="0"/>
-              <a:t>10/18/2015</a:t>
+              <a:t>10/20/2015</a:t>
             </a:fld>
             <a:endParaRPr lang="en-US"/>
           </a:p>
@@ -773,7 +781,7 @@
       </p:grpSpPr>
       <p:sp>
         <p:nvSpPr>
-          <p:cNvPr id="2" name="Slide Image Placeholder 1"/>
+          <p:cNvPr id="2" name="Образ слайда 1"/>
           <p:cNvSpPr>
             <a:spLocks noGrp="1" noRot="1" noChangeAspect="1"/>
           </p:cNvSpPr>
@@ -785,7 +793,7 @@
       </p:sp>
       <p:sp>
         <p:nvSpPr>
-          <p:cNvPr id="3" name="Notes Placeholder 2"/>
+          <p:cNvPr id="3" name="Заметки 2"/>
           <p:cNvSpPr>
             <a:spLocks noGrp="1"/>
           </p:cNvSpPr>
@@ -798,30 +806,31 @@
           <a:bodyPr/>
           <a:lstStyle/>
           <a:p>
-            <a:pPr marL="0" marR="0" indent="0" algn="l" defTabSz="914400" rtl="0" eaLnBrk="1" fontAlgn="auto" latinLnBrk="0" hangingPunct="1">
-              <a:lnSpc>
-                <a:spcPct val="100000"/>
-              </a:lnSpc>
-              <a:spcBef>
-                <a:spcPts val="0"/>
-              </a:spcBef>
-              <a:spcAft>
-                <a:spcPts val="0"/>
-              </a:spcAft>
-              <a:buClrTx/>
-              <a:buSzTx/>
-              <a:buFontTx/>
-              <a:buNone/>
-              <a:tabLst/>
-              <a:defRPr/>
-            </a:pPr>
-            <a:endParaRPr lang="en-US" dirty="0"/>
+            <a:r>
+              <a:rPr lang="ru-RU" dirty="0" smtClean="0"/>
+              <a:t>Добрый день.</a:t>
+            </a:r>
+          </a:p>
+          <a:p>
+            <a:r>
+              <a:rPr lang="ru-RU" dirty="0" smtClean="0"/>
+              <a:t>Меня зовут Виталий. И сегодня мы поговорим о таком</a:t>
+            </a:r>
+            <a:r>
+              <a:rPr lang="ru-RU" baseline="0" dirty="0" smtClean="0"/>
+              <a:t> подходе к построению архитектуры как </a:t>
+            </a:r>
+            <a:r>
+              <a:rPr lang="ru-RU" baseline="0" dirty="0" err="1" smtClean="0"/>
+              <a:t>микросервисы</a:t>
+            </a:r>
+            <a:endParaRPr lang="ru-RU" dirty="0" smtClean="0"/>
           </a:p>
         </p:txBody>
       </p:sp>
       <p:sp>
         <p:nvSpPr>
-          <p:cNvPr id="4" name="Slide Number Placeholder 3"/>
+          <p:cNvPr id="4" name="Номер слайда 3"/>
           <p:cNvSpPr>
             <a:spLocks noGrp="1"/>
           </p:cNvSpPr>
@@ -836,7 +845,7 @@
           <a:p>
             <a:fld id="{7AE90029-A909-AD4E-9775-A0D64990AD22}" type="slidenum">
               <a:rPr lang="en-US" smtClean="0"/>
-              <a:t>3</a:t>
+              <a:t>1</a:t>
             </a:fld>
             <a:endParaRPr lang="en-US"/>
           </a:p>
@@ -845,7 +854,7 @@
     </p:spTree>
     <p:extLst>
       <p:ext uri="{BB962C8B-B14F-4D97-AF65-F5344CB8AC3E}">
-        <p14:creationId xmlns:p14="http://schemas.microsoft.com/office/powerpoint/2010/main" val="1099663911"/>
+        <p14:creationId xmlns:p14="http://schemas.microsoft.com/office/powerpoint/2010/main" val="1573874306"/>
       </p:ext>
     </p:extLst>
   </p:cSld>
@@ -900,8 +909,116 @@
           <a:lstStyle/>
           <a:p>
             <a:r>
-              <a:rPr lang="en-US" dirty="0" smtClean="0"/>
-              <a:t>P37 – divide into 2 slides</a:t>
+              <a:rPr lang="ru-RU" dirty="0" smtClean="0"/>
+              <a:t>Для </a:t>
+            </a:r>
+            <a:r>
+              <a:rPr lang="ru-RU" dirty="0" err="1" smtClean="0"/>
+              <a:t>микросервисов</a:t>
+            </a:r>
+            <a:r>
+              <a:rPr lang="ru-RU" dirty="0" smtClean="0"/>
+              <a:t> автоматизация</a:t>
+            </a:r>
+            <a:r>
+              <a:rPr lang="ru-RU" baseline="0" dirty="0" smtClean="0"/>
+              <a:t> крайне важна  из-за общей сложности развертывания системы.</a:t>
+            </a:r>
+          </a:p>
+          <a:p>
+            <a:r>
+              <a:rPr lang="ru-RU" baseline="0" dirty="0" smtClean="0"/>
+              <a:t>Мы используем следующие практики:</a:t>
+            </a:r>
+          </a:p>
+          <a:p>
+            <a:pPr marL="171450" indent="-171450">
+              <a:buFontTx/>
+              <a:buChar char="-"/>
+            </a:pPr>
+            <a:r>
+              <a:rPr lang="ru-RU" baseline="0" dirty="0" smtClean="0"/>
+              <a:t>Управление циклом выпуска приложения (через </a:t>
+            </a:r>
+            <a:r>
+              <a:rPr lang="en-US" baseline="0" dirty="0" smtClean="0"/>
+              <a:t>CI). </a:t>
+            </a:r>
+            <a:r>
+              <a:rPr lang="ru-RU" baseline="0" dirty="0" smtClean="0"/>
+              <a:t>Приложение постоянно собирается на </a:t>
+            </a:r>
+            <a:r>
+              <a:rPr lang="ru-RU" baseline="0" dirty="0" err="1" smtClean="0"/>
+              <a:t>дженкинсе</a:t>
+            </a:r>
+            <a:r>
+              <a:rPr lang="ru-RU" baseline="0" dirty="0" smtClean="0"/>
+              <a:t> для контроля ??корректности??.  Он же помогает собрать и </a:t>
+            </a:r>
+            <a:r>
+              <a:rPr lang="ru-RU" baseline="0" dirty="0" err="1" smtClean="0"/>
+              <a:t>задеплоить</a:t>
+            </a:r>
+            <a:r>
+              <a:rPr lang="ru-RU" baseline="0" dirty="0" smtClean="0"/>
+              <a:t> финальную версию приложения на окружение разработчика для проверки интеграции сервисов друг с другом.</a:t>
+            </a:r>
+          </a:p>
+          <a:p>
+            <a:pPr marL="171450" indent="-171450">
+              <a:buFontTx/>
+              <a:buChar char="-"/>
+            </a:pPr>
+            <a:r>
+              <a:rPr lang="ru-RU" baseline="0" dirty="0" smtClean="0"/>
+              <a:t>Развертывание производится нажатием одной кнопки</a:t>
+            </a:r>
+          </a:p>
+          <a:p>
+            <a:pPr marL="171450" indent="-171450">
+              <a:buFontTx/>
+              <a:buChar char="-"/>
+            </a:pPr>
+            <a:r>
+              <a:rPr lang="ru-RU" baseline="0" dirty="0" smtClean="0"/>
+              <a:t>Структуры БД создаются и изменяются эволюционно, согласно требованиям текущего состояния приложения. Каждый раз при </a:t>
+            </a:r>
+            <a:r>
+              <a:rPr lang="ru-RU" baseline="0" dirty="0" err="1" smtClean="0"/>
+              <a:t>деплое</a:t>
+            </a:r>
+            <a:r>
+              <a:rPr lang="ru-RU" baseline="0" dirty="0" smtClean="0"/>
+              <a:t> новая порция изменений накатывается на БД, гибко изменяя ее.</a:t>
+            </a:r>
+          </a:p>
+          <a:p>
+            <a:pPr marL="171450" indent="-171450">
+              <a:buFontTx/>
+              <a:buChar char="-"/>
+            </a:pPr>
+            <a:r>
+              <a:rPr lang="ru-RU" baseline="0" dirty="0" smtClean="0"/>
+              <a:t>Уже существующие данные необходимо адаптировать под изменившуюся структуру БД выполняя автоматизированную миграцию данных</a:t>
+            </a:r>
+          </a:p>
+          <a:p>
+            <a:pPr marL="171450" indent="-171450">
+              <a:buFontTx/>
+              <a:buChar char="-"/>
+            </a:pPr>
+            <a:r>
+              <a:rPr lang="ru-RU" baseline="0" dirty="0" smtClean="0"/>
+              <a:t>Само окружение (установка </a:t>
+            </a:r>
+            <a:r>
+              <a:rPr lang="ru-RU" baseline="0" dirty="0" err="1" smtClean="0"/>
+              <a:t>ява</a:t>
+            </a:r>
+            <a:r>
+              <a:rPr lang="ru-RU" baseline="0" dirty="0" smtClean="0"/>
+              <a:t> машины, установка и настройка сервера приложений) автоматизировано с помощью шеф-скриптов</a:t>
             </a:r>
             <a:endParaRPr lang="en-US" dirty="0"/>
           </a:p>
@@ -924,7 +1041,7 @@
           <a:p>
             <a:fld id="{7AE90029-A909-AD4E-9775-A0D64990AD22}" type="slidenum">
               <a:rPr lang="en-US" smtClean="0"/>
-              <a:t>12</a:t>
+              <a:t>10</a:t>
             </a:fld>
             <a:endParaRPr lang="en-US"/>
           </a:p>
@@ -988,8 +1105,26 @@
           <a:lstStyle/>
           <a:p>
             <a:r>
-              <a:rPr lang="en-US" dirty="0" smtClean="0"/>
-              <a:t>P37 – divide into 2 slides</a:t>
+              <a:rPr lang="ru-RU" dirty="0" smtClean="0"/>
+              <a:t>Если ранее</a:t>
+            </a:r>
+            <a:r>
+              <a:rPr lang="ru-RU" baseline="0" dirty="0" smtClean="0"/>
+              <a:t> мы говорили о дизайне системы в виде набора </a:t>
+            </a:r>
+            <a:r>
+              <a:rPr lang="ru-RU" baseline="0" dirty="0" err="1" smtClean="0"/>
+              <a:t>микросервисов</a:t>
+            </a:r>
+            <a:r>
+              <a:rPr lang="ru-RU" baseline="0" dirty="0" smtClean="0"/>
+              <a:t>, то сейчас мы рассмотрим практические подходы к дизайну конкретной шестеренки этой системы, конкретного сервиса.</a:t>
+            </a:r>
+          </a:p>
+          <a:p>
+            <a:r>
+              <a:rPr lang="ru-RU" baseline="0" dirty="0" smtClean="0"/>
+              <a:t>Первый подход, который мы использовали – децентрализованное управление</a:t>
             </a:r>
             <a:endParaRPr lang="en-US" dirty="0"/>
           </a:p>
@@ -1012,7 +1147,7 @@
           <a:p>
             <a:fld id="{7AE90029-A909-AD4E-9775-A0D64990AD22}" type="slidenum">
               <a:rPr lang="en-US" smtClean="0"/>
-              <a:t>13</a:t>
+              <a:t>11</a:t>
             </a:fld>
             <a:endParaRPr lang="en-US"/>
           </a:p>
@@ -1076,10 +1211,120 @@
           <a:lstStyle/>
           <a:p>
             <a:r>
-              <a:rPr lang="en-US" dirty="0" smtClean="0"/>
-              <a:t>P37 – divide into 2 slides</a:t>
-            </a:r>
-            <a:endParaRPr lang="en-US" dirty="0"/>
+              <a:rPr lang="ru-RU" dirty="0" smtClean="0"/>
+              <a:t>Этот</a:t>
+            </a:r>
+            <a:r>
+              <a:rPr lang="ru-RU" baseline="0" dirty="0" smtClean="0"/>
+              <a:t> подход несмотря на сложное название, достаточно прост – каждая команда работающая над сервисом принимается решение о том как достигнуть цели создания своего приложения.</a:t>
+            </a:r>
+          </a:p>
+          <a:p>
+            <a:r>
+              <a:rPr lang="ru-RU" baseline="0" dirty="0" smtClean="0"/>
+              <a:t>Для разных сервисов и целей подходящими могут быть разные </a:t>
+            </a:r>
+            <a:r>
+              <a:rPr lang="ru-RU" baseline="0" dirty="0" err="1" smtClean="0"/>
+              <a:t>фреймворки</a:t>
+            </a:r>
+            <a:r>
+              <a:rPr lang="ru-RU" baseline="0" dirty="0" smtClean="0"/>
+              <a:t>, БД. Например в нашем сервисе используются </a:t>
+            </a:r>
+            <a:r>
+              <a:rPr lang="ru-RU" baseline="0" dirty="0" err="1" smtClean="0"/>
+              <a:t>постгрес</a:t>
+            </a:r>
+            <a:r>
+              <a:rPr lang="ru-RU" baseline="0" dirty="0" smtClean="0"/>
+              <a:t> и </a:t>
+            </a:r>
+            <a:r>
+              <a:rPr lang="ru-RU" baseline="0" dirty="0" err="1" smtClean="0"/>
+              <a:t>монго</a:t>
+            </a:r>
+            <a:r>
+              <a:rPr lang="ru-RU" baseline="0" dirty="0" smtClean="0"/>
+              <a:t>, в другом – </a:t>
+            </a:r>
+            <a:r>
+              <a:rPr lang="ru-RU" baseline="0" dirty="0" err="1" smtClean="0"/>
+              <a:t>хазелкаст</a:t>
+            </a:r>
+            <a:r>
+              <a:rPr lang="ru-RU" baseline="0" dirty="0" smtClean="0"/>
+              <a:t>, в третьем – </a:t>
+            </a:r>
+            <a:r>
+              <a:rPr lang="ru-RU" baseline="0" dirty="0" err="1" smtClean="0"/>
+              <a:t>амазон</a:t>
+            </a:r>
+            <a:r>
+              <a:rPr lang="ru-RU" baseline="0" dirty="0" smtClean="0"/>
+              <a:t> с3</a:t>
+            </a:r>
+          </a:p>
+          <a:p>
+            <a:r>
+              <a:rPr lang="ru-RU" baseline="0" dirty="0" smtClean="0"/>
+              <a:t>Архитектурные решений (как управлять транзакциями, ???</a:t>
+            </a:r>
+            <a:r>
+              <a:rPr lang="ru-RU" baseline="0" dirty="0" err="1" smtClean="0"/>
+              <a:t>реализовавывть</a:t>
+            </a:r>
+            <a:r>
+              <a:rPr lang="ru-RU" baseline="0" dirty="0" smtClean="0"/>
+              <a:t> </a:t>
+            </a:r>
+            <a:r>
+              <a:rPr lang="ru-RU" baseline="0" dirty="0" err="1" smtClean="0"/>
+              <a:t>взаимодействи</a:t>
+            </a:r>
+            <a:r>
+              <a:rPr lang="ru-RU" baseline="0" dirty="0" smtClean="0"/>
+              <a:t>????)</a:t>
+            </a:r>
+            <a:r>
+              <a:rPr lang="ru-RU" baseline="0" dirty="0"/>
+              <a:t> </a:t>
+            </a:r>
+            <a:r>
+              <a:rPr lang="ru-RU" baseline="0" dirty="0" smtClean="0"/>
+              <a:t>также могут варьироваться</a:t>
+            </a:r>
+          </a:p>
+          <a:p>
+            <a:r>
+              <a:rPr lang="ru-RU" baseline="0" dirty="0" smtClean="0"/>
+              <a:t>Однако при это у нас есть общая платформа – просто чтобы не плодить копи-паст и иметь экспертизу по выбранным технологиям. Общая платформа вводит единые стандарты кода, систему сборки </a:t>
+            </a:r>
+            <a:r>
+              <a:rPr lang="en-US" baseline="0" dirty="0" err="1" smtClean="0"/>
+              <a:t>Gradle</a:t>
+            </a:r>
+            <a:r>
+              <a:rPr lang="en-US" baseline="0" dirty="0" smtClean="0"/>
+              <a:t>, </a:t>
+            </a:r>
+            <a:r>
+              <a:rPr lang="ru-RU" baseline="0" dirty="0" smtClean="0"/>
+              <a:t>библиотеки </a:t>
+            </a:r>
+            <a:r>
+              <a:rPr lang="en-US" baseline="0" dirty="0" smtClean="0"/>
+              <a:t>(</a:t>
+            </a:r>
+            <a:r>
+              <a:rPr lang="ru-RU" baseline="0" dirty="0" smtClean="0"/>
+              <a:t>активно используется </a:t>
+            </a:r>
+            <a:r>
+              <a:rPr lang="en-US" baseline="0" smtClean="0"/>
+              <a:t>Guava)</a:t>
+            </a:r>
+            <a:endParaRPr lang="ru-RU" baseline="0" dirty="0" smtClean="0"/>
           </a:p>
         </p:txBody>
       </p:sp>
@@ -1100,7 +1345,7 @@
           <a:p>
             <a:fld id="{7AE90029-A909-AD4E-9775-A0D64990AD22}" type="slidenum">
               <a:rPr lang="en-US" smtClean="0"/>
-              <a:t>14</a:t>
+              <a:t>12</a:t>
             </a:fld>
             <a:endParaRPr lang="en-US"/>
           </a:p>
@@ -1188,7 +1433,7 @@
           <a:p>
             <a:fld id="{7AE90029-A909-AD4E-9775-A0D64990AD22}" type="slidenum">
               <a:rPr lang="en-US" smtClean="0"/>
-              <a:t>15</a:t>
+              <a:t>13</a:t>
             </a:fld>
             <a:endParaRPr lang="en-US"/>
           </a:p>
@@ -1276,7 +1521,7 @@
           <a:p>
             <a:fld id="{7AE90029-A909-AD4E-9775-A0D64990AD22}" type="slidenum">
               <a:rPr lang="en-US" smtClean="0"/>
-              <a:t>16</a:t>
+              <a:t>14</a:t>
             </a:fld>
             <a:endParaRPr lang="en-US"/>
           </a:p>
@@ -1364,7 +1609,7 @@
           <a:p>
             <a:fld id="{7AE90029-A909-AD4E-9775-A0D64990AD22}" type="slidenum">
               <a:rPr lang="en-US" smtClean="0"/>
-              <a:t>17</a:t>
+              <a:t>15</a:t>
             </a:fld>
             <a:endParaRPr lang="en-US"/>
           </a:p>
@@ -1452,7 +1697,7 @@
           <a:p>
             <a:fld id="{7AE90029-A909-AD4E-9775-A0D64990AD22}" type="slidenum">
               <a:rPr lang="en-US" smtClean="0"/>
-              <a:t>18</a:t>
+              <a:t>16</a:t>
             </a:fld>
             <a:endParaRPr lang="en-US"/>
           </a:p>
@@ -1540,7 +1785,7 @@
           <a:p>
             <a:fld id="{7AE90029-A909-AD4E-9775-A0D64990AD22}" type="slidenum">
               <a:rPr lang="en-US" smtClean="0"/>
-              <a:t>19</a:t>
+              <a:t>17</a:t>
             </a:fld>
             <a:endParaRPr lang="en-US"/>
           </a:p>
@@ -1628,7 +1873,7 @@
           <a:p>
             <a:fld id="{7AE90029-A909-AD4E-9775-A0D64990AD22}" type="slidenum">
               <a:rPr lang="en-US" smtClean="0"/>
-              <a:t>20</a:t>
+              <a:t>18</a:t>
             </a:fld>
             <a:endParaRPr lang="en-US"/>
           </a:p>
@@ -1716,7 +1961,7 @@
           <a:p>
             <a:fld id="{7AE90029-A909-AD4E-9775-A0D64990AD22}" type="slidenum">
               <a:rPr lang="en-US" smtClean="0"/>
-              <a:t>21</a:t>
+              <a:t>19</a:t>
             </a:fld>
             <a:endParaRPr lang="en-US"/>
           </a:p>
@@ -1779,11 +2024,208 @@
           <a:bodyPr/>
           <a:lstStyle/>
           <a:p>
-            <a:r>
-              <a:rPr lang="en-US" dirty="0" smtClean="0"/>
-              <a:t>P37 – divide into 2 slides</a:t>
-            </a:r>
-            <a:endParaRPr lang="en-US" dirty="0"/>
+            <a:pPr marL="0" marR="0" indent="0" algn="l" defTabSz="914400" rtl="0" eaLnBrk="1" fontAlgn="auto" latinLnBrk="0" hangingPunct="1">
+              <a:lnSpc>
+                <a:spcPct val="100000"/>
+              </a:lnSpc>
+              <a:spcBef>
+                <a:spcPts val="0"/>
+              </a:spcBef>
+              <a:spcAft>
+                <a:spcPts val="0"/>
+              </a:spcAft>
+              <a:buClrTx/>
+              <a:buSzTx/>
+              <a:buFontTx/>
+              <a:buNone/>
+              <a:tabLst/>
+              <a:defRPr/>
+            </a:pPr>
+            <a:r>
+              <a:rPr lang="ru-RU" dirty="0" smtClean="0"/>
+              <a:t>Эта презентация будет состоять из двух частей.</a:t>
+            </a:r>
+          </a:p>
+          <a:p>
+            <a:pPr marL="0" marR="0" indent="0" algn="l" defTabSz="914400" rtl="0" eaLnBrk="1" fontAlgn="auto" latinLnBrk="0" hangingPunct="1">
+              <a:lnSpc>
+                <a:spcPct val="100000"/>
+              </a:lnSpc>
+              <a:spcBef>
+                <a:spcPts val="0"/>
+              </a:spcBef>
+              <a:spcAft>
+                <a:spcPts val="0"/>
+              </a:spcAft>
+              <a:buClrTx/>
+              <a:buSzTx/>
+              <a:buFontTx/>
+              <a:buNone/>
+              <a:tabLst/>
+              <a:defRPr/>
+            </a:pPr>
+            <a:r>
+              <a:rPr lang="ru-RU" dirty="0" smtClean="0"/>
+              <a:t>В первой мы поговорим о том:</a:t>
+            </a:r>
+          </a:p>
+          <a:p>
+            <a:pPr marL="171450" marR="0" indent="-171450" algn="l" defTabSz="914400" rtl="0" eaLnBrk="1" fontAlgn="auto" latinLnBrk="0" hangingPunct="1">
+              <a:lnSpc>
+                <a:spcPct val="100000"/>
+              </a:lnSpc>
+              <a:spcBef>
+                <a:spcPts val="0"/>
+              </a:spcBef>
+              <a:spcAft>
+                <a:spcPts val="0"/>
+              </a:spcAft>
+              <a:buClrTx/>
+              <a:buSzTx/>
+              <a:buFontTx/>
+              <a:buChar char="-"/>
+              <a:tabLst/>
+              <a:defRPr/>
+            </a:pPr>
+            <a:r>
+              <a:rPr lang="ru-RU" dirty="0" smtClean="0"/>
+              <a:t>Что такое </a:t>
+            </a:r>
+            <a:r>
+              <a:rPr lang="ru-RU" dirty="0" err="1" smtClean="0"/>
+              <a:t>микросервисы</a:t>
+            </a:r>
+            <a:endParaRPr lang="ru-RU" dirty="0" smtClean="0"/>
+          </a:p>
+          <a:p>
+            <a:pPr marL="171450" marR="0" indent="-171450" algn="l" defTabSz="914400" rtl="0" eaLnBrk="1" fontAlgn="auto" latinLnBrk="0" hangingPunct="1">
+              <a:lnSpc>
+                <a:spcPct val="100000"/>
+              </a:lnSpc>
+              <a:spcBef>
+                <a:spcPts val="0"/>
+              </a:spcBef>
+              <a:spcAft>
+                <a:spcPts val="0"/>
+              </a:spcAft>
+              <a:buClrTx/>
+              <a:buSzTx/>
+              <a:buFontTx/>
+              <a:buChar char="-"/>
+              <a:tabLst/>
+              <a:defRPr/>
+            </a:pPr>
+            <a:r>
+              <a:rPr lang="ru-RU" dirty="0" smtClean="0"/>
+              <a:t>????</a:t>
+            </a:r>
+            <a:r>
+              <a:rPr lang="ru-RU" baseline="0" dirty="0" smtClean="0"/>
+              <a:t> </a:t>
+            </a:r>
+            <a:r>
+              <a:rPr lang="ru-RU" dirty="0" smtClean="0"/>
+              <a:t>О</a:t>
+            </a:r>
+            <a:r>
+              <a:rPr lang="ru-RU" baseline="0" dirty="0" smtClean="0"/>
+              <a:t> том, как </a:t>
+            </a:r>
+            <a:r>
+              <a:rPr lang="ru-RU" baseline="0" dirty="0" err="1" smtClean="0"/>
+              <a:t>микросервисы</a:t>
+            </a:r>
+            <a:r>
+              <a:rPr lang="ru-RU" baseline="0" dirty="0" smtClean="0"/>
+              <a:t> позволяют ориентироваться на бизнес</a:t>
+            </a:r>
+          </a:p>
+          <a:p>
+            <a:pPr marL="171450" marR="0" indent="-171450" algn="l" defTabSz="914400" rtl="0" eaLnBrk="1" fontAlgn="auto" latinLnBrk="0" hangingPunct="1">
+              <a:lnSpc>
+                <a:spcPct val="100000"/>
+              </a:lnSpc>
+              <a:spcBef>
+                <a:spcPts val="0"/>
+              </a:spcBef>
+              <a:spcAft>
+                <a:spcPts val="0"/>
+              </a:spcAft>
+              <a:buClrTx/>
+              <a:buSzTx/>
+              <a:buFontTx/>
+              <a:buChar char="-"/>
+              <a:tabLst/>
+              <a:defRPr/>
+            </a:pPr>
+            <a:r>
+              <a:rPr lang="ru-RU" dirty="0" smtClean="0"/>
+              <a:t>О</a:t>
+            </a:r>
+            <a:r>
+              <a:rPr lang="ru-RU" baseline="0" dirty="0" smtClean="0"/>
+              <a:t> подходе к построению инфраструктуры</a:t>
+            </a:r>
+          </a:p>
+          <a:p>
+            <a:pPr marL="0" marR="0" indent="0" algn="l" defTabSz="914400" rtl="0" eaLnBrk="1" fontAlgn="auto" latinLnBrk="0" hangingPunct="1">
+              <a:lnSpc>
+                <a:spcPct val="100000"/>
+              </a:lnSpc>
+              <a:spcBef>
+                <a:spcPts val="0"/>
+              </a:spcBef>
+              <a:spcAft>
+                <a:spcPts val="0"/>
+              </a:spcAft>
+              <a:buClrTx/>
+              <a:buSzTx/>
+              <a:buFontTx/>
+              <a:buNone/>
+              <a:tabLst/>
+              <a:defRPr/>
+            </a:pPr>
+            <a:r>
+              <a:rPr lang="ru-RU" baseline="0" dirty="0" smtClean="0"/>
+              <a:t>Во второй мы рассмотрим практический подход к дизайну </a:t>
+            </a:r>
+            <a:r>
+              <a:rPr lang="ru-RU" baseline="0" dirty="0" err="1" smtClean="0"/>
+              <a:t>микросервисов</a:t>
+            </a:r>
+            <a:endParaRPr lang="ru-RU" baseline="0" dirty="0" smtClean="0"/>
+          </a:p>
+          <a:p>
+            <a:pPr marL="0" marR="0" indent="0" algn="l" defTabSz="914400" rtl="0" eaLnBrk="1" fontAlgn="auto" latinLnBrk="0" hangingPunct="1">
+              <a:lnSpc>
+                <a:spcPct val="100000"/>
+              </a:lnSpc>
+              <a:spcBef>
+                <a:spcPts val="0"/>
+              </a:spcBef>
+              <a:spcAft>
+                <a:spcPts val="0"/>
+              </a:spcAft>
+              <a:buClrTx/>
+              <a:buSzTx/>
+              <a:buFontTx/>
+              <a:buNone/>
+              <a:tabLst/>
+              <a:defRPr/>
+            </a:pPr>
+            <a:r>
+              <a:rPr lang="ru-RU" baseline="0" dirty="0" smtClean="0"/>
+              <a:t>Презентация называется </a:t>
+            </a:r>
+            <a:r>
+              <a:rPr lang="ru-RU" baseline="0" dirty="0" err="1" smtClean="0"/>
+              <a:t>микросервисы</a:t>
+            </a:r>
+            <a:r>
+              <a:rPr lang="ru-RU" baseline="0" dirty="0" smtClean="0"/>
+              <a:t> на практике неспроста – со всеми нюансами описанными здесь наша команда столкнулась на ???практике ???</a:t>
+            </a:r>
+            <a:endParaRPr lang="ru-RU" dirty="0" smtClean="0"/>
           </a:p>
         </p:txBody>
       </p:sp>
@@ -1804,7 +2246,7 @@
           <a:p>
             <a:fld id="{7AE90029-A909-AD4E-9775-A0D64990AD22}" type="slidenum">
               <a:rPr lang="en-US" smtClean="0"/>
-              <a:t>4</a:t>
+              <a:t>2</a:t>
             </a:fld>
             <a:endParaRPr lang="en-US"/>
           </a:p>
@@ -1813,7 +2255,7 @@
     </p:spTree>
     <p:extLst>
       <p:ext uri="{BB962C8B-B14F-4D97-AF65-F5344CB8AC3E}">
-        <p14:creationId xmlns:p14="http://schemas.microsoft.com/office/powerpoint/2010/main" val="2860688175"/>
+        <p14:creationId xmlns:p14="http://schemas.microsoft.com/office/powerpoint/2010/main" val="1099663911"/>
       </p:ext>
     </p:extLst>
   </p:cSld>
@@ -1892,7 +2334,7 @@
           <a:p>
             <a:fld id="{7AE90029-A909-AD4E-9775-A0D64990AD22}" type="slidenum">
               <a:rPr lang="en-US" smtClean="0"/>
-              <a:t>22</a:t>
+              <a:t>20</a:t>
             </a:fld>
             <a:endParaRPr lang="en-US"/>
           </a:p>
@@ -1980,7 +2422,7 @@
           <a:p>
             <a:fld id="{7AE90029-A909-AD4E-9775-A0D64990AD22}" type="slidenum">
               <a:rPr lang="en-US" smtClean="0"/>
-              <a:t>23</a:t>
+              <a:t>21</a:t>
             </a:fld>
             <a:endParaRPr lang="en-US"/>
           </a:p>
@@ -2068,7 +2510,7 @@
           <a:p>
             <a:fld id="{7AE90029-A909-AD4E-9775-A0D64990AD22}" type="slidenum">
               <a:rPr lang="en-US" smtClean="0"/>
-              <a:t>24</a:t>
+              <a:t>22</a:t>
             </a:fld>
             <a:endParaRPr lang="en-US"/>
           </a:p>
@@ -2156,7 +2598,95 @@
           <a:p>
             <a:fld id="{7AE90029-A909-AD4E-9775-A0D64990AD22}" type="slidenum">
               <a:rPr lang="en-US" smtClean="0"/>
-              <a:t>25</a:t>
+              <a:t>23</a:t>
+            </a:fld>
+            <a:endParaRPr lang="en-US"/>
+          </a:p>
+        </p:txBody>
+      </p:sp>
+    </p:spTree>
+    <p:extLst>
+      <p:ext uri="{BB962C8B-B14F-4D97-AF65-F5344CB8AC3E}">
+        <p14:creationId xmlns:p14="http://schemas.microsoft.com/office/powerpoint/2010/main" val="2860688175"/>
+      </p:ext>
+    </p:extLst>
+  </p:cSld>
+  <p:clrMapOvr>
+    <a:masterClrMapping/>
+  </p:clrMapOvr>
+</p:notes>
+</file>
+
+<file path=ppt/notesSlides/notesSlide24.xml><?xml version="1.0" encoding="utf-8"?>
+<p:notes xmlns:a="http://schemas.openxmlformats.org/drawingml/2006/main" xmlns:r="http://schemas.openxmlformats.org/officeDocument/2006/relationships" xmlns:p="http://schemas.openxmlformats.org/presentationml/2006/main">
+  <p:cSld>
+    <p:spTree>
+      <p:nvGrpSpPr>
+        <p:cNvPr id="1" name=""/>
+        <p:cNvGrpSpPr/>
+        <p:nvPr/>
+      </p:nvGrpSpPr>
+      <p:grpSpPr>
+        <a:xfrm>
+          <a:off x="0" y="0"/>
+          <a:ext cx="0" cy="0"/>
+          <a:chOff x="0" y="0"/>
+          <a:chExt cx="0" cy="0"/>
+        </a:xfrm>
+      </p:grpSpPr>
+      <p:sp>
+        <p:nvSpPr>
+          <p:cNvPr id="2" name="Slide Image Placeholder 1"/>
+          <p:cNvSpPr>
+            <a:spLocks noGrp="1" noRot="1" noChangeAspect="1"/>
+          </p:cNvSpPr>
+          <p:nvPr>
+            <p:ph type="sldImg"/>
+          </p:nvPr>
+        </p:nvSpPr>
+        <p:spPr/>
+      </p:sp>
+      <p:sp>
+        <p:nvSpPr>
+          <p:cNvPr id="3" name="Notes Placeholder 2"/>
+          <p:cNvSpPr>
+            <a:spLocks noGrp="1"/>
+          </p:cNvSpPr>
+          <p:nvPr>
+            <p:ph type="body" idx="1"/>
+          </p:nvPr>
+        </p:nvSpPr>
+        <p:spPr/>
+        <p:txBody>
+          <a:bodyPr/>
+          <a:lstStyle/>
+          <a:p>
+            <a:r>
+              <a:rPr lang="en-US" dirty="0" smtClean="0"/>
+              <a:t>P37 – divide into 2 slides</a:t>
+            </a:r>
+            <a:endParaRPr lang="en-US" dirty="0"/>
+          </a:p>
+        </p:txBody>
+      </p:sp>
+      <p:sp>
+        <p:nvSpPr>
+          <p:cNvPr id="4" name="Slide Number Placeholder 3"/>
+          <p:cNvSpPr>
+            <a:spLocks noGrp="1"/>
+          </p:cNvSpPr>
+          <p:nvPr>
+            <p:ph type="sldNum" sz="quarter" idx="10"/>
+          </p:nvPr>
+        </p:nvSpPr>
+        <p:spPr/>
+        <p:txBody>
+          <a:bodyPr/>
+          <a:lstStyle/>
+          <a:p>
+            <a:fld id="{7AE90029-A909-AD4E-9775-A0D64990AD22}" type="slidenum">
+              <a:rPr lang="en-US" smtClean="0"/>
+              <a:t>24</a:t>
             </a:fld>
             <a:endParaRPr lang="en-US"/>
           </a:p>
@@ -2219,11 +2749,86 @@
           <a:bodyPr/>
           <a:lstStyle/>
           <a:p>
-            <a:r>
-              <a:rPr lang="en-US" dirty="0" smtClean="0"/>
-              <a:t>P37 – divide into 2 slides</a:t>
-            </a:r>
-            <a:endParaRPr lang="en-US" dirty="0"/>
+            <a:pPr marL="0" marR="0" indent="0" algn="l" defTabSz="457200" rtl="0" eaLnBrk="1" fontAlgn="auto" latinLnBrk="0" hangingPunct="1">
+              <a:lnSpc>
+                <a:spcPct val="100000"/>
+              </a:lnSpc>
+              <a:spcBef>
+                <a:spcPts val="0"/>
+              </a:spcBef>
+              <a:spcAft>
+                <a:spcPts val="0"/>
+              </a:spcAft>
+              <a:buClrTx/>
+              <a:buSzTx/>
+              <a:buFontTx/>
+              <a:buNone/>
+              <a:tabLst/>
+              <a:defRPr/>
+            </a:pPr>
+            <a:r>
+              <a:rPr lang="ru-RU" dirty="0" smtClean="0"/>
+              <a:t>Итак, что же такое </a:t>
+            </a:r>
+            <a:r>
+              <a:rPr lang="ru-RU" dirty="0" err="1" smtClean="0"/>
+              <a:t>микросервисы</a:t>
+            </a:r>
+            <a:r>
+              <a:rPr lang="ru-RU" dirty="0" smtClean="0"/>
+              <a:t>? </a:t>
+            </a:r>
+          </a:p>
+          <a:p>
+            <a:r>
+              <a:rPr lang="ru-RU" dirty="0" smtClean="0"/>
+              <a:t>Традиционно </a:t>
+            </a:r>
+            <a:r>
+              <a:rPr lang="ru-RU" baseline="0" dirty="0" smtClean="0"/>
+              <a:t>вся реализуемая система, вся логика упаковывается в одно большое приложение. Такое приложение называется монолитным приложением, потому что разрабатывается, выпускается и </a:t>
+            </a:r>
+            <a:r>
+              <a:rPr lang="ru-RU" baseline="0" dirty="0" err="1" smtClean="0"/>
+              <a:t>деплоится</a:t>
+            </a:r>
+            <a:r>
+              <a:rPr lang="ru-RU" baseline="0" dirty="0" smtClean="0"/>
+              <a:t> оно единым целым.</a:t>
+            </a:r>
+          </a:p>
+          <a:p>
+            <a:r>
+              <a:rPr lang="ru-RU" baseline="0" dirty="0" smtClean="0"/>
+              <a:t>При </a:t>
+            </a:r>
+            <a:r>
+              <a:rPr lang="ru-RU" baseline="0" dirty="0" err="1" smtClean="0"/>
+              <a:t>микросервисном</a:t>
+            </a:r>
+            <a:r>
+              <a:rPr lang="ru-RU" baseline="0" dirty="0" smtClean="0"/>
+              <a:t> подходе, напротив, вся система представляет собой набор сервисов, которые достаточно слабо связаны друг с другом и потому могут разрабатываться и </a:t>
+            </a:r>
+            <a:r>
+              <a:rPr lang="ru-RU" baseline="0" dirty="0" err="1" smtClean="0"/>
+              <a:t>деплоиться</a:t>
+            </a:r>
+            <a:r>
+              <a:rPr lang="ru-RU" baseline="0" dirty="0" smtClean="0"/>
+              <a:t> отдельно друг от друга.</a:t>
+            </a:r>
+            <a:endParaRPr lang="ru-RU" dirty="0" smtClean="0"/>
+          </a:p>
+          <a:p>
+            <a:r>
+              <a:rPr lang="ru-RU" dirty="0" smtClean="0"/>
+              <a:t>Этот подход к архитектуре формировался и</a:t>
+            </a:r>
+            <a:r>
+              <a:rPr lang="ru-RU" baseline="0" dirty="0" smtClean="0"/>
+              <a:t> применялся в том или ином виде на продолжении многих лет, но более-менее подробно был описан сравнительно недавно.</a:t>
+            </a:r>
           </a:p>
         </p:txBody>
       </p:sp>
@@ -2244,7 +2849,7 @@
           <a:p>
             <a:fld id="{7AE90029-A909-AD4E-9775-A0D64990AD22}" type="slidenum">
               <a:rPr lang="en-US" smtClean="0"/>
-              <a:t>5</a:t>
+              <a:t>3</a:t>
             </a:fld>
             <a:endParaRPr lang="en-US"/>
           </a:p>
@@ -2308,9 +2913,88 @@
           <a:lstStyle/>
           <a:p>
             <a:r>
+              <a:rPr lang="ru-RU" dirty="0" smtClean="0"/>
+              <a:t>Для заказчика </a:t>
+            </a:r>
+            <a:r>
               <a:rPr lang="en-US" dirty="0" smtClean="0"/>
-              <a:t>P37 – divide into 2 slides</a:t>
-            </a:r>
+              <a:t>Copyright</a:t>
+            </a:r>
+            <a:r>
+              <a:rPr lang="en-US" baseline="0" dirty="0" smtClean="0"/>
+              <a:t> Clearance Center </a:t>
+            </a:r>
+            <a:r>
+              <a:rPr lang="ru-RU" baseline="0" dirty="0" smtClean="0"/>
+              <a:t>наша команда разработала приложение которое называется </a:t>
+            </a:r>
+            <a:r>
+              <a:rPr lang="en-US" baseline="0" dirty="0" err="1" smtClean="0"/>
+              <a:t>Rightslink</a:t>
+            </a:r>
+            <a:r>
+              <a:rPr lang="en-US" baseline="0" dirty="0" smtClean="0"/>
+              <a:t> for Open Access (ROA</a:t>
+            </a:r>
+            <a:r>
+              <a:rPr lang="ru-RU" baseline="0" dirty="0" smtClean="0"/>
+              <a:t> сокращенно). Оно позволяет оплачивать публикацию авторами статей в журналах под открытыми лицензиями. И для корректной работы оно должно представлять достаточно широкий спектр функциональности:</a:t>
+            </a:r>
+          </a:p>
+          <a:p>
+            <a:pPr marL="171450" indent="-171450">
+              <a:buFontTx/>
+              <a:buChar char="-"/>
+            </a:pPr>
+            <a:r>
+              <a:rPr lang="ru-RU" baseline="0" dirty="0" smtClean="0"/>
+              <a:t>Управление справочниками издателей</a:t>
+            </a:r>
+          </a:p>
+          <a:p>
+            <a:pPr marL="171450" indent="-171450">
+              <a:buFontTx/>
+              <a:buChar char="-"/>
+            </a:pPr>
+            <a:r>
+              <a:rPr lang="ru-RU" baseline="0" dirty="0" smtClean="0"/>
+              <a:t>Предоставление скидок</a:t>
+            </a:r>
+          </a:p>
+          <a:p>
+            <a:pPr marL="171450" indent="-171450">
+              <a:buFontTx/>
+              <a:buChar char="-"/>
+            </a:pPr>
+            <a:r>
+              <a:rPr lang="ru-RU" baseline="0" dirty="0" smtClean="0"/>
+              <a:t>Формирование отчетов</a:t>
+            </a:r>
+          </a:p>
+          <a:p>
+            <a:pPr marL="171450" indent="-171450">
+              <a:buFontTx/>
+              <a:buChar char="-"/>
+            </a:pPr>
+            <a:r>
+              <a:rPr lang="ru-RU" baseline="0" dirty="0" smtClean="0"/>
+              <a:t>Работа с кредитками</a:t>
+            </a:r>
+          </a:p>
+          <a:p>
+            <a:pPr marL="0" indent="0">
+              <a:buFontTx/>
+              <a:buNone/>
+            </a:pPr>
+            <a:r>
+              <a:rPr lang="ru-RU" baseline="0" dirty="0" smtClean="0"/>
+              <a:t>И если бы РОА создавалось по монолитной архитектуре, то вся эта функциональность включалась бы в приложение в качестве кода или библиотек.</a:t>
+            </a:r>
+          </a:p>
+          <a:p>
+            <a:endParaRPr lang="ru-RU" baseline="0" dirty="0" smtClean="0"/>
+          </a:p>
+          <a:p>
             <a:endParaRPr lang="en-US" dirty="0"/>
           </a:p>
         </p:txBody>
@@ -2332,7 +3016,7 @@
           <a:p>
             <a:fld id="{7AE90029-A909-AD4E-9775-A0D64990AD22}" type="slidenum">
               <a:rPr lang="en-US" smtClean="0"/>
-              <a:t>6</a:t>
+              <a:t>4</a:t>
             </a:fld>
             <a:endParaRPr lang="en-US"/>
           </a:p>
@@ -2396,8 +3080,24 @@
           <a:lstStyle/>
           <a:p>
             <a:r>
-              <a:rPr lang="en-US" dirty="0" smtClean="0"/>
-              <a:t>P37 – divide into 2 slides</a:t>
+              <a:rPr lang="ru-RU" dirty="0" smtClean="0"/>
+              <a:t>И если бы весь</a:t>
+            </a:r>
+            <a:r>
+              <a:rPr lang="ru-RU" baseline="0" dirty="0" smtClean="0"/>
+              <a:t> спектр услуг </a:t>
+            </a:r>
+            <a:r>
+              <a:rPr lang="en-US" baseline="0" dirty="0" smtClean="0"/>
+              <a:t>Copyright Clearance Center </a:t>
+            </a:r>
+            <a:r>
+              <a:rPr lang="ru-RU" baseline="0" dirty="0" smtClean="0"/>
+              <a:t>создавался по монолитной архитектуре, то РОА было бы еще одним кусочком еще большего монолита, </a:t>
+            </a:r>
+            <a:r>
+              <a:rPr lang="ru-RU" baseline="0" dirty="0" err="1" smtClean="0"/>
+              <a:t>супермонолита</a:t>
             </a:r>
             <a:endParaRPr lang="en-US" dirty="0"/>
           </a:p>
@@ -2420,7 +3120,7 @@
           <a:p>
             <a:fld id="{7AE90029-A909-AD4E-9775-A0D64990AD22}" type="slidenum">
               <a:rPr lang="en-US" smtClean="0"/>
-              <a:t>7</a:t>
+              <a:t>5</a:t>
             </a:fld>
             <a:endParaRPr lang="en-US"/>
           </a:p>
@@ -2484,8 +3184,68 @@
           <a:lstStyle/>
           <a:p>
             <a:r>
-              <a:rPr lang="en-US" dirty="0" smtClean="0"/>
-              <a:t>P37 – divide into 2 slides</a:t>
+              <a:rPr lang="ru-RU" dirty="0" smtClean="0"/>
+              <a:t>Но вместо этого РОА как и другие части</a:t>
+            </a:r>
+            <a:r>
+              <a:rPr lang="ru-RU" baseline="0" dirty="0" smtClean="0"/>
+              <a:t> системы </a:t>
+            </a:r>
+            <a:r>
+              <a:rPr lang="en-US" baseline="0" dirty="0" smtClean="0"/>
+              <a:t>Copyright Clearance Center</a:t>
+            </a:r>
+            <a:r>
+              <a:rPr lang="ru-RU" baseline="0" dirty="0" smtClean="0"/>
+              <a:t> были реализованы по </a:t>
+            </a:r>
+            <a:r>
+              <a:rPr lang="ru-RU" baseline="0" dirty="0" err="1" smtClean="0"/>
+              <a:t>микросервисной</a:t>
+            </a:r>
+            <a:r>
+              <a:rPr lang="ru-RU" baseline="0" dirty="0" smtClean="0"/>
+              <a:t> архитектуре, когда многие части, которые не относятся к бизнесу приложения напрямую, выносятся в отдельные слабо связанные сервисы.</a:t>
+            </a:r>
+          </a:p>
+          <a:p>
+            <a:r>
+              <a:rPr lang="ru-RU" baseline="0" dirty="0" smtClean="0"/>
+              <a:t>Так, управление кредитными карточками (добавление, удаление) или работа со скидками были выделены в отдельные сервисы, оставив нашему приложению то что входит в его компетенцию – работу с авторами, статьями и покупкой прав.</a:t>
+            </a:r>
+          </a:p>
+          <a:p>
+            <a:r>
+              <a:rPr lang="ru-RU" dirty="0" smtClean="0"/>
+              <a:t>Ключевые особенности:</a:t>
+            </a:r>
+          </a:p>
+          <a:p>
+            <a:pPr marL="171450" indent="-171450">
+              <a:buFontTx/>
+              <a:buChar char="-"/>
+            </a:pPr>
+            <a:r>
+              <a:rPr lang="ru-RU" baseline="0" dirty="0" smtClean="0"/>
+              <a:t>Сервисы </a:t>
+            </a:r>
+            <a:r>
+              <a:rPr lang="ru-RU" baseline="0" dirty="0" err="1" smtClean="0"/>
+              <a:t>деплоятся</a:t>
+            </a:r>
+            <a:r>
+              <a:rPr lang="ru-RU" baseline="0" dirty="0" smtClean="0"/>
+              <a:t> на разные сервера</a:t>
+            </a:r>
+          </a:p>
+          <a:p>
+            <a:pPr marL="171450" indent="-171450">
+              <a:buFontTx/>
+              <a:buChar char="-"/>
+            </a:pPr>
+            <a:r>
+              <a:rPr lang="ru-RU" baseline="0" dirty="0" smtClean="0"/>
+              <a:t>И взаимодействуют друг с другом через РЕСТ</a:t>
             </a:r>
             <a:endParaRPr lang="en-US" dirty="0"/>
           </a:p>
@@ -2508,7 +3268,7 @@
           <a:p>
             <a:fld id="{7AE90029-A909-AD4E-9775-A0D64990AD22}" type="slidenum">
               <a:rPr lang="en-US" smtClean="0"/>
-              <a:t>8</a:t>
+              <a:t>6</a:t>
             </a:fld>
             <a:endParaRPr lang="en-US"/>
           </a:p>
@@ -2572,8 +3332,124 @@
           <a:lstStyle/>
           <a:p>
             <a:r>
-              <a:rPr lang="en-US" dirty="0" smtClean="0"/>
-              <a:t>P37 – divide into 2 slides</a:t>
+              <a:rPr lang="ru-RU" dirty="0" smtClean="0"/>
+              <a:t>Естественно,</a:t>
+            </a:r>
+            <a:r>
+              <a:rPr lang="ru-RU" baseline="0" dirty="0" smtClean="0"/>
+              <a:t> </a:t>
+            </a:r>
+            <a:r>
+              <a:rPr lang="ru-RU" baseline="0" dirty="0" err="1" smtClean="0"/>
+              <a:t>микросервисы</a:t>
+            </a:r>
+            <a:r>
+              <a:rPr lang="ru-RU" baseline="0" dirty="0" smtClean="0"/>
+              <a:t> не являются серебряной пулей, как и у любого подхода, у него есть плюсы и минусы.</a:t>
+            </a:r>
+          </a:p>
+          <a:p>
+            <a:r>
+              <a:rPr lang="ru-RU" baseline="0" dirty="0" smtClean="0"/>
+              <a:t>К плюсам традиционно относятся </a:t>
+            </a:r>
+          </a:p>
+          <a:p>
+            <a:pPr marL="171450" indent="-171450">
+              <a:buFontTx/>
+              <a:buChar char="-"/>
+            </a:pPr>
+            <a:r>
+              <a:rPr lang="ru-RU" baseline="0" dirty="0" smtClean="0"/>
+              <a:t>явно прописанный протокол взаимодействия</a:t>
+            </a:r>
+          </a:p>
+          <a:p>
+            <a:pPr marL="171450" indent="-171450">
+              <a:buFontTx/>
+              <a:buChar char="-"/>
+            </a:pPr>
+            <a:r>
+              <a:rPr lang="ru-RU" baseline="0" dirty="0" smtClean="0"/>
+              <a:t>Простота отдельно взятого сервиса, поскольку он концентрируется лишь на собственной бизнес-логике</a:t>
+            </a:r>
+          </a:p>
+          <a:p>
+            <a:pPr marL="171450" indent="-171450">
+              <a:buFontTx/>
+              <a:buChar char="-"/>
+            </a:pPr>
+            <a:r>
+              <a:rPr lang="ru-RU" baseline="0" dirty="0" smtClean="0"/>
+              <a:t>За счет простоты повышается скорость разработки</a:t>
+            </a:r>
+          </a:p>
+          <a:p>
+            <a:pPr marL="171450" indent="-171450">
+              <a:buFontTx/>
+              <a:buChar char="-"/>
+            </a:pPr>
+            <a:r>
+              <a:rPr lang="ru-RU" baseline="0" dirty="0" smtClean="0"/>
+              <a:t>Команды становятся слабо зависимыми друг от друга</a:t>
+            </a:r>
+          </a:p>
+          <a:p>
+            <a:pPr marL="171450" indent="-171450">
+              <a:buFontTx/>
+              <a:buChar char="-"/>
+            </a:pPr>
+            <a:r>
+              <a:rPr lang="ru-RU" baseline="0" dirty="0" smtClean="0"/>
+              <a:t>Технологии используемые в одном приложении могут отличаться от используемых в другом</a:t>
+            </a:r>
+          </a:p>
+          <a:p>
+            <a:pPr marL="0" indent="0">
+              <a:buFontTx/>
+              <a:buNone/>
+            </a:pPr>
+            <a:r>
+              <a:rPr lang="ru-RU" baseline="0" dirty="0" smtClean="0"/>
+              <a:t>Вместе с тем есть и минусы:</a:t>
+            </a:r>
+          </a:p>
+          <a:p>
+            <a:pPr marL="171450" indent="-171450">
+              <a:buFontTx/>
+              <a:buChar char="-"/>
+            </a:pPr>
+            <a:r>
+              <a:rPr lang="ru-RU" baseline="0" dirty="0" smtClean="0"/>
+              <a:t>Система, за счет </a:t>
+            </a:r>
+            <a:r>
+              <a:rPr lang="ru-RU" baseline="0" dirty="0" err="1" smtClean="0"/>
+              <a:t>распределенности</a:t>
+            </a:r>
+            <a:r>
+              <a:rPr lang="ru-RU" baseline="0" dirty="0" smtClean="0"/>
+              <a:t> и необходимости работы по сети становится сложнее и более подверженной ошибкам</a:t>
+            </a:r>
+          </a:p>
+          <a:p>
+            <a:pPr marL="171450" indent="-171450">
+              <a:buFontTx/>
+              <a:buChar char="-"/>
+            </a:pPr>
+            <a:r>
+              <a:rPr lang="ru-RU" baseline="0" dirty="0" smtClean="0"/>
+              <a:t>Как результат, сложность разработки также повышается</a:t>
+            </a:r>
+          </a:p>
+          <a:p>
+            <a:pPr marL="171450" indent="-171450">
+              <a:buFontTx/>
+              <a:buChar char="-"/>
+            </a:pPr>
+            <a:r>
+              <a:rPr lang="ru-RU" baseline="0" dirty="0" smtClean="0"/>
+              <a:t>Сложность системы приводит и к более трудоемкому развертыванию, поэтому частичная или полная автоматизация является практически обязательной</a:t>
             </a:r>
             <a:endParaRPr lang="en-US" dirty="0"/>
           </a:p>
@@ -2596,7 +3472,7 @@
           <a:p>
             <a:fld id="{7AE90029-A909-AD4E-9775-A0D64990AD22}" type="slidenum">
               <a:rPr lang="en-US" smtClean="0"/>
-              <a:t>9</a:t>
+              <a:t>7</a:t>
             </a:fld>
             <a:endParaRPr lang="en-US"/>
           </a:p>
@@ -2660,10 +3536,60 @@
           <a:lstStyle/>
           <a:p>
             <a:r>
-              <a:rPr lang="en-US" dirty="0" smtClean="0"/>
-              <a:t>P37 – divide into 2 slides</a:t>
-            </a:r>
-            <a:endParaRPr lang="en-US" dirty="0"/>
+              <a:rPr lang="ru-RU" dirty="0" smtClean="0"/>
+              <a:t>При традиционном подходе</a:t>
+            </a:r>
+            <a:r>
+              <a:rPr lang="ru-RU" baseline="0" dirty="0" smtClean="0"/>
+              <a:t> команда часто разделяется на тех кто работает на уровне базы данных, уровне доступа к данным, на уровне </a:t>
+            </a:r>
+            <a:r>
+              <a:rPr lang="ru-RU" baseline="0" dirty="0" err="1" smtClean="0"/>
+              <a:t>фронтенда</a:t>
+            </a:r>
+            <a:r>
+              <a:rPr lang="ru-RU" baseline="0" dirty="0" smtClean="0"/>
+              <a:t>.</a:t>
+            </a:r>
+          </a:p>
+          <a:p>
+            <a:r>
+              <a:rPr lang="ru-RU" baseline="0" dirty="0" smtClean="0"/>
+              <a:t>При </a:t>
+            </a:r>
+            <a:r>
+              <a:rPr lang="ru-RU" baseline="0" dirty="0" err="1" smtClean="0"/>
+              <a:t>микросервисном</a:t>
+            </a:r>
+            <a:r>
+              <a:rPr lang="ru-RU" baseline="0" dirty="0" smtClean="0"/>
+              <a:t> подходе, за счет сравнительной простоты сервиса разработчик просто вынужден работать на всех уровнях и понимать бизнес клиента.</a:t>
+            </a:r>
+          </a:p>
+          <a:p>
+            <a:r>
+              <a:rPr lang="ru-RU" baseline="0" dirty="0" smtClean="0"/>
+              <a:t>При этом создаются разные сервисы под разные нужды заказчика. Эти сервисы создаются отдельными командами. Каждая команда отвечает за свой сервис, в том числе и при поддержке на </a:t>
+            </a:r>
+            <a:r>
+              <a:rPr lang="ru-RU" baseline="0" dirty="0" err="1" smtClean="0"/>
+              <a:t>продакшене</a:t>
+            </a:r>
+            <a:r>
+              <a:rPr lang="ru-RU" baseline="0" dirty="0" smtClean="0"/>
+              <a:t>. Различные проблемы возникающие на </a:t>
+            </a:r>
+            <a:r>
+              <a:rPr lang="ru-RU" baseline="0" dirty="0" err="1" smtClean="0"/>
+              <a:t>продакшене</a:t>
+            </a:r>
+            <a:r>
+              <a:rPr lang="ru-RU" baseline="0" dirty="0" smtClean="0"/>
+              <a:t>, стимулируют к созданию вспомогательных утилит для диагностики и исправления исключительных ситуаций. В нашем случае это привело к созданию отдельного приложения, которое изначально даже не планировалось, но оказалось существенным подспорьем</a:t>
+            </a:r>
+          </a:p>
+          <a:p>
+            <a:endParaRPr lang="ru-RU" dirty="0" smtClean="0"/>
           </a:p>
         </p:txBody>
       </p:sp>
@@ -2684,7 +3610,7 @@
           <a:p>
             <a:fld id="{7AE90029-A909-AD4E-9775-A0D64990AD22}" type="slidenum">
               <a:rPr lang="en-US" smtClean="0"/>
-              <a:t>10</a:t>
+              <a:t>8</a:t>
             </a:fld>
             <a:endParaRPr lang="en-US"/>
           </a:p>
@@ -2748,10 +3674,71 @@
           <a:lstStyle/>
           <a:p>
             <a:r>
-              <a:rPr lang="en-US" dirty="0" smtClean="0"/>
-              <a:t>P37 – divide into 2 slides</a:t>
-            </a:r>
-            <a:endParaRPr lang="en-US" dirty="0"/>
+              <a:rPr lang="ru-RU" dirty="0" smtClean="0"/>
+              <a:t>Инфраструктура,</a:t>
+            </a:r>
+            <a:r>
+              <a:rPr lang="ru-RU" baseline="0" dirty="0" smtClean="0"/>
+              <a:t> в силу </a:t>
+            </a:r>
+            <a:r>
+              <a:rPr lang="ru-RU" baseline="0" dirty="0" err="1" smtClean="0"/>
+              <a:t>распределенности</a:t>
+            </a:r>
+            <a:r>
+              <a:rPr lang="ru-RU" baseline="0" dirty="0" smtClean="0"/>
+              <a:t> сервисов также играет важную роль</a:t>
+            </a:r>
+          </a:p>
+          <a:p>
+            <a:r>
+              <a:rPr lang="ru-RU" baseline="0" dirty="0" smtClean="0"/>
+              <a:t>Для </a:t>
+            </a:r>
+            <a:r>
+              <a:rPr lang="ru-RU" baseline="0" dirty="0" err="1" smtClean="0"/>
+              <a:t>микросервисной</a:t>
+            </a:r>
+            <a:r>
+              <a:rPr lang="ru-RU" baseline="0" dirty="0" smtClean="0"/>
+              <a:t> архитектуры важно уметь абстрагироваться от </a:t>
+            </a:r>
+            <a:r>
+              <a:rPr lang="ru-RU" baseline="0" dirty="0" err="1" smtClean="0"/>
+              <a:t>инфрастуктуры</a:t>
+            </a:r>
+            <a:r>
+              <a:rPr lang="ru-RU" baseline="0" dirty="0" smtClean="0"/>
+              <a:t> и предъявлять минимум требований к подготовке окружения</a:t>
+            </a:r>
+          </a:p>
+          <a:p>
+            <a:r>
+              <a:rPr lang="ru-RU" baseline="0" dirty="0" smtClean="0"/>
+              <a:t>Практической необходимостью является наличие нескольких окружений – у нас есть отдельные окружения для разработки, тестирования, </a:t>
+            </a:r>
+            <a:r>
+              <a:rPr lang="ru-RU" baseline="0" dirty="0" err="1" smtClean="0"/>
+              <a:t>продакшен</a:t>
+            </a:r>
+            <a:r>
+              <a:rPr lang="ru-RU" baseline="0" dirty="0" smtClean="0"/>
+              <a:t>. При этом инфраструктура этих окружений должна быть одинаковой (ОС, сервер приложений, версия </a:t>
+            </a:r>
+            <a:r>
+              <a:rPr lang="ru-RU" baseline="0" dirty="0" err="1" smtClean="0"/>
+              <a:t>явы</a:t>
+            </a:r>
+            <a:r>
+              <a:rPr lang="ru-RU" baseline="0" dirty="0" smtClean="0"/>
+              <a:t>), что исключит множество странных и плохо диагностируемых проблем.</a:t>
+            </a:r>
+          </a:p>
+          <a:p>
+            <a:r>
+              <a:rPr lang="ru-RU" baseline="0" dirty="0" smtClean="0"/>
+              <a:t>Развертывание инфраструктуры должно быть по возможности максимально автоматизировано. </a:t>
+            </a:r>
           </a:p>
         </p:txBody>
       </p:sp>
@@ -2772,7 +3759,7 @@
           <a:p>
             <a:fld id="{7AE90029-A909-AD4E-9775-A0D64990AD22}" type="slidenum">
               <a:rPr lang="en-US" smtClean="0"/>
-              <a:t>11</a:t>
+              <a:t>9</a:t>
             </a:fld>
             <a:endParaRPr lang="en-US"/>
           </a:p>
@@ -15404,6 +16391,24 @@
 <file path=ppt/slides/slide1.xml><?xml version="1.0" encoding="utf-8"?>
 <p:sld xmlns:a="http://schemas.openxmlformats.org/drawingml/2006/main" xmlns:r="http://schemas.openxmlformats.org/officeDocument/2006/relationships" xmlns:p="http://schemas.openxmlformats.org/presentationml/2006/main">
   <p:cSld>
+    <p:bg>
+      <p:bgPr>
+        <a:pattFill prst="pct40">
+          <a:fgClr>
+            <a:schemeClr val="accent1">
+              <a:lumMod val="50000"/>
+            </a:schemeClr>
+          </a:fgClr>
+          <a:bgClr>
+            <a:schemeClr val="accent5">
+              <a:lumMod val="60000"/>
+              <a:lumOff val="40000"/>
+            </a:schemeClr>
+          </a:bgClr>
+        </a:pattFill>
+        <a:effectLst/>
+      </p:bgPr>
+    </p:bg>
     <p:spTree>
       <p:nvGrpSpPr>
         <p:cNvPr id="1" name=""/>
@@ -15418,48 +16423,20 @@
           <a:chExt cx="0" cy="0"/>
         </a:xfrm>
       </p:grpSpPr>
-      <p:pic>
-        <p:nvPicPr>
-          <p:cNvPr id="7" name="Picture Placeholder 6"/>
-          <p:cNvPicPr>
-            <a:picLocks noGrp="1" noChangeAspect="1"/>
-          </p:cNvPicPr>
-          <p:nvPr>
-            <p:ph type="pic" sz="quarter" idx="19"/>
-          </p:nvPr>
-        </p:nvPicPr>
-        <p:blipFill rotWithShape="1">
-          <a:blip r:embed="rId2">
-            <a:extLst>
-              <a:ext uri="{28A0092B-C50C-407E-A947-70E740481C1C}">
-                <a14:useLocalDpi xmlns:a14="http://schemas.microsoft.com/office/drawing/2010/main" val="0"/>
-              </a:ext>
-            </a:extLst>
-          </a:blip>
-          <a:srcRect r="11459"/>
-          <a:stretch/>
-        </p:blipFill>
-        <p:spPr>
-          <a:xfrm flipH="1">
-            <a:off x="0" y="-1"/>
-            <a:ext cx="9144000" cy="6858002"/>
-          </a:xfrm>
-        </p:spPr>
-      </p:pic>
-      <p:sp>
-        <p:nvSpPr>
-          <p:cNvPr id="2" name="Text Placeholder 1"/>
+      <p:sp>
+        <p:nvSpPr>
+          <p:cNvPr id="13" name="Text Placeholder 12"/>
           <p:cNvSpPr>
             <a:spLocks noGrp="1"/>
           </p:cNvSpPr>
           <p:nvPr>
-            <p:ph type="body" sz="quarter" idx="15"/>
+            <p:ph type="body" sz="quarter" idx="11"/>
           </p:nvPr>
         </p:nvSpPr>
         <p:spPr>
           <a:xfrm>
-            <a:off x="631825" y="2075578"/>
-            <a:ext cx="6910388" cy="1627625"/>
+            <a:off x="5318125" y="4415409"/>
+            <a:ext cx="3517310" cy="360099"/>
           </a:xfrm>
         </p:spPr>
         <p:txBody>
@@ -15467,66 +16444,12 @@
           <a:lstStyle/>
           <a:p>
             <a:r>
-              <a:rPr lang="en-US" sz="4100" dirty="0" smtClean="0"/>
-              <a:t>LOREM IPSUM </a:t>
-            </a:r>
-          </a:p>
-          <a:p>
-            <a:r>
-              <a:rPr lang="en-US" sz="4100" dirty="0" smtClean="0"/>
-              <a:t>DOLOR AMET </a:t>
-            </a:r>
-          </a:p>
-          <a:p>
-            <a:r>
-              <a:rPr lang="en-US" sz="4100" dirty="0" smtClean="0"/>
-              <a:t>TEMPOR</a:t>
-            </a:r>
-            <a:endParaRPr lang="en-US" sz="4100" dirty="0"/>
-          </a:p>
-        </p:txBody>
-      </p:sp>
-      <p:sp>
-        <p:nvSpPr>
-          <p:cNvPr id="3" name="Text Placeholder 2"/>
-          <p:cNvSpPr>
-            <a:spLocks noGrp="1"/>
-          </p:cNvSpPr>
-          <p:nvPr>
-            <p:ph type="body" sz="quarter" idx="16"/>
-          </p:nvPr>
-        </p:nvSpPr>
-        <p:spPr/>
-        <p:txBody>
-          <a:bodyPr/>
-          <a:lstStyle/>
-          <a:p>
-            <a:r>
-              <a:rPr lang="en-US" dirty="0" smtClean="0"/>
-              <a:t>LOREM IPSUM SUBTITLE</a:t>
-            </a:r>
-            <a:endParaRPr lang="en-US" dirty="0"/>
-          </a:p>
-        </p:txBody>
-      </p:sp>
-      <p:sp>
-        <p:nvSpPr>
-          <p:cNvPr id="4" name="Text Placeholder 3"/>
-          <p:cNvSpPr>
-            <a:spLocks noGrp="1"/>
-          </p:cNvSpPr>
-          <p:nvPr>
-            <p:ph type="body" sz="quarter" idx="17"/>
-          </p:nvPr>
-        </p:nvSpPr>
-        <p:spPr/>
-        <p:txBody>
-          <a:bodyPr/>
-          <a:lstStyle/>
-          <a:p>
-            <a:r>
-              <a:rPr lang="en-US" dirty="0" smtClean="0"/>
-              <a:t>JANUARY 1, 2015</a:t>
+              <a:rPr lang="ru-RU" dirty="0" smtClean="0"/>
+              <a:t>Виталий </a:t>
+            </a:r>
+            <a:r>
+              <a:rPr lang="ru-RU" dirty="0" err="1" smtClean="0"/>
+              <a:t>квятковский</a:t>
             </a:r>
             <a:endParaRPr lang="en-US" dirty="0"/>
           </a:p>
@@ -15534,7 +16457,7 @@
       </p:sp>
       <p:pic>
         <p:nvPicPr>
-          <p:cNvPr id="8" name="Picture Placeholder 7" descr="logo_cover_5.png"/>
+          <p:cNvPr id="17" name="Picture Placeholder 16" descr="EPAM_LOGO_gray_blue.eps"/>
           <p:cNvPicPr>
             <a:picLocks noGrp="1" noChangeAspect="1"/>
           </p:cNvPicPr>
@@ -15550,17 +16473,92 @@
               </a:ext>
             </a:extLst>
           </a:blip>
-          <a:srcRect t="3538" b="3538"/>
+          <a:srcRect t="-2046" b="-2046"/>
           <a:stretch>
             <a:fillRect/>
           </a:stretch>
         </p:blipFill>
-        <p:spPr/>
+        <p:spPr>
+          <a:xfrm>
+            <a:off x="628650" y="504825"/>
+            <a:ext cx="1243013" cy="458788"/>
+          </a:xfrm>
+        </p:spPr>
       </p:pic>
+      <p:sp>
+        <p:nvSpPr>
+          <p:cNvPr id="14" name="Text Placeholder 13"/>
+          <p:cNvSpPr>
+            <a:spLocks noGrp="1"/>
+          </p:cNvSpPr>
+          <p:nvPr>
+            <p:ph type="body" sz="quarter" idx="15"/>
+          </p:nvPr>
+        </p:nvSpPr>
+        <p:spPr>
+          <a:xfrm>
+            <a:off x="1114425" y="2075578"/>
+            <a:ext cx="6910388" cy="1114151"/>
+          </a:xfrm>
+        </p:spPr>
+        <p:txBody>
+          <a:bodyPr/>
+          <a:lstStyle/>
+          <a:p>
+            <a:pPr algn="ctr"/>
+            <a:r>
+              <a:rPr lang="ru-RU" dirty="0" err="1" smtClean="0"/>
+              <a:t>Микросервисы</a:t>
+            </a:r>
+            <a:r>
+              <a:rPr lang="ru-RU" dirty="0" smtClean="0"/>
+              <a:t> </a:t>
+            </a:r>
+          </a:p>
+          <a:p>
+            <a:pPr algn="ctr"/>
+            <a:r>
+              <a:rPr lang="ru-RU" dirty="0" smtClean="0"/>
+              <a:t>на практике</a:t>
+            </a:r>
+            <a:endParaRPr lang="en-US" dirty="0"/>
+          </a:p>
+        </p:txBody>
+      </p:sp>
+      <p:sp>
+        <p:nvSpPr>
+          <p:cNvPr id="3" name="TextBox 2"/>
+          <p:cNvSpPr txBox="1"/>
+          <p:nvPr/>
+        </p:nvSpPr>
+        <p:spPr>
+          <a:xfrm>
+            <a:off x="4241800" y="6108700"/>
+            <a:ext cx="671979" cy="369332"/>
+          </a:xfrm>
+          <a:prstGeom prst="rect">
+            <a:avLst/>
+          </a:prstGeom>
+          <a:noFill/>
+        </p:spPr>
+        <p:txBody>
+          <a:bodyPr wrap="none" rtlCol="0">
+            <a:spAutoFit/>
+          </a:bodyPr>
+          <a:lstStyle/>
+          <a:p>
+            <a:r>
+              <a:rPr lang="ru-RU" dirty="0" smtClean="0"/>
+              <a:t>2015</a:t>
+            </a:r>
+            <a:endParaRPr lang="ru-RU" dirty="0"/>
+          </a:p>
+        </p:txBody>
+      </p:sp>
     </p:spTree>
     <p:extLst>
       <p:ext uri="{BB962C8B-B14F-4D97-AF65-F5344CB8AC3E}">
-        <p14:creationId xmlns:p14="http://schemas.microsoft.com/office/powerpoint/2010/main" val="1184765781"/>
+        <p14:creationId xmlns:p14="http://schemas.microsoft.com/office/powerpoint/2010/main" val="2079863264"/>
       </p:ext>
     </p:extLst>
   </p:cSld>
@@ -15611,8 +16609,8 @@
           <a:p>
             <a:pPr algn="ctr"/>
             <a:r>
-              <a:rPr lang="en-US" sz="3200" dirty="0"/>
-              <a:t>Infrastructure</a:t>
+              <a:rPr lang="en-US" sz="3200" u="sng" dirty="0"/>
+              <a:t>Infrastructure Automation</a:t>
             </a:r>
             <a:endParaRPr lang="en-US" dirty="0"/>
           </a:p>
@@ -15620,243 +16618,112 @@
       </p:sp>
       <p:sp>
         <p:nvSpPr>
-          <p:cNvPr id="5" name="Объект 2"/>
-          <p:cNvSpPr txBox="1">
-            <a:spLocks/>
+          <p:cNvPr id="6" name="Объект 2"/>
+          <p:cNvSpPr>
+            <a:spLocks noGrp="1"/>
           </p:cNvSpPr>
-          <p:nvPr/>
+          <p:nvPr>
+            <p:ph idx="1"/>
+          </p:nvPr>
         </p:nvSpPr>
         <p:spPr>
           <a:xfrm>
-            <a:off x="457200" y="1600200"/>
-            <a:ext cx="8229600" cy="4525963"/>
+            <a:off x="457200" y="1204686"/>
+            <a:ext cx="8229600" cy="4921477"/>
           </a:xfrm>
-          <a:prstGeom prst="rect">
-            <a:avLst/>
-          </a:prstGeom>
         </p:spPr>
         <p:txBody>
-          <a:bodyPr vert="horz" lIns="91440" tIns="45720" rIns="91440" bIns="45720" rtlCol="0">
-            <a:noAutofit/>
+          <a:bodyPr>
+            <a:normAutofit/>
           </a:bodyPr>
-          <a:lstStyle>
-            <a:lvl1pPr marL="173736" marR="0" indent="-173736" algn="l" defTabSz="457200" rtl="0" eaLnBrk="1" fontAlgn="auto" latinLnBrk="0" hangingPunct="1">
-              <a:lnSpc>
-                <a:spcPct val="120000"/>
-              </a:lnSpc>
-              <a:spcBef>
-                <a:spcPts val="0"/>
-              </a:spcBef>
-              <a:spcAft>
-                <a:spcPts val="1000"/>
-              </a:spcAft>
-              <a:buClr>
-                <a:schemeClr val="accent2"/>
-              </a:buClr>
-              <a:buSzTx/>
-              <a:buFont typeface="Arial"/>
-              <a:buChar char="•"/>
-              <a:tabLst/>
-              <a:defRPr sz="1600" kern="1200" baseline="0">
-                <a:solidFill>
-                  <a:schemeClr val="tx1"/>
-                </a:solidFill>
-                <a:latin typeface="Trebuchet MS"/>
-                <a:ea typeface="+mn-ea"/>
-                <a:cs typeface="Trebuchet MS"/>
-              </a:defRPr>
-            </a:lvl1pPr>
-            <a:lvl2pPr marL="742950" indent="-285750" algn="l" defTabSz="457200" rtl="0" eaLnBrk="1" latinLnBrk="0" hangingPunct="1">
-              <a:spcBef>
-                <a:spcPct val="20000"/>
-              </a:spcBef>
-              <a:buFont typeface="Arial"/>
-              <a:buChar char="–"/>
-              <a:defRPr sz="1600" kern="1200">
-                <a:solidFill>
-                  <a:schemeClr val="tx1"/>
-                </a:solidFill>
-                <a:latin typeface="Trebuchet MS"/>
-                <a:ea typeface="+mn-ea"/>
-                <a:cs typeface="Trebuchet MS"/>
-              </a:defRPr>
-            </a:lvl2pPr>
-            <a:lvl3pPr marL="1143000" indent="-228600" algn="l" defTabSz="457200" rtl="0" eaLnBrk="1" latinLnBrk="0" hangingPunct="1">
-              <a:spcBef>
-                <a:spcPct val="20000"/>
-              </a:spcBef>
-              <a:buFont typeface="Arial"/>
-              <a:buChar char="•"/>
-              <a:defRPr sz="1600" kern="1200">
-                <a:solidFill>
-                  <a:schemeClr val="tx1"/>
-                </a:solidFill>
-                <a:latin typeface="Trebuchet MS"/>
-                <a:ea typeface="+mn-ea"/>
-                <a:cs typeface="Trebuchet MS"/>
-              </a:defRPr>
-            </a:lvl3pPr>
-            <a:lvl4pPr marL="1600200" indent="-228600" algn="l" defTabSz="457200" rtl="0" eaLnBrk="1" latinLnBrk="0" hangingPunct="1">
-              <a:spcBef>
-                <a:spcPct val="20000"/>
-              </a:spcBef>
-              <a:buFont typeface="Arial"/>
-              <a:buChar char="–"/>
-              <a:defRPr sz="1600" kern="1200">
-                <a:solidFill>
-                  <a:schemeClr val="tx1"/>
-                </a:solidFill>
-                <a:latin typeface="Trebuchet MS"/>
-                <a:ea typeface="+mn-ea"/>
-                <a:cs typeface="Trebuchet MS"/>
-              </a:defRPr>
-            </a:lvl4pPr>
-            <a:lvl5pPr marL="2057400" indent="-228600" algn="l" defTabSz="457200" rtl="0" eaLnBrk="1" latinLnBrk="0" hangingPunct="1">
-              <a:spcBef>
-                <a:spcPct val="20000"/>
-              </a:spcBef>
-              <a:buFont typeface="Arial"/>
-              <a:buChar char="»"/>
-              <a:defRPr sz="1600" kern="1200">
-                <a:solidFill>
-                  <a:schemeClr val="tx1"/>
-                </a:solidFill>
-                <a:latin typeface="Trebuchet MS"/>
-                <a:ea typeface="+mn-ea"/>
-                <a:cs typeface="Trebuchet MS"/>
-              </a:defRPr>
-            </a:lvl5pPr>
-            <a:lvl6pPr marL="2514600" indent="-228600" algn="l" defTabSz="457200" rtl="0" eaLnBrk="1" latinLnBrk="0" hangingPunct="1">
-              <a:spcBef>
-                <a:spcPct val="20000"/>
-              </a:spcBef>
-              <a:buFont typeface="Arial"/>
-              <a:buChar char="•"/>
-              <a:defRPr sz="2000" kern="1200">
-                <a:solidFill>
-                  <a:schemeClr val="tx1"/>
-                </a:solidFill>
-                <a:latin typeface="+mn-lt"/>
-                <a:ea typeface="+mn-ea"/>
-                <a:cs typeface="+mn-cs"/>
-              </a:defRPr>
-            </a:lvl6pPr>
-            <a:lvl7pPr marL="2971800" indent="-228600" algn="l" defTabSz="457200" rtl="0" eaLnBrk="1" latinLnBrk="0" hangingPunct="1">
-              <a:spcBef>
-                <a:spcPct val="20000"/>
-              </a:spcBef>
-              <a:buFont typeface="Arial"/>
-              <a:buChar char="•"/>
-              <a:defRPr sz="2000" kern="1200">
-                <a:solidFill>
-                  <a:schemeClr val="tx1"/>
-                </a:solidFill>
-                <a:latin typeface="+mn-lt"/>
-                <a:ea typeface="+mn-ea"/>
-                <a:cs typeface="+mn-cs"/>
-              </a:defRPr>
-            </a:lvl7pPr>
-            <a:lvl8pPr marL="3429000" indent="-228600" algn="l" defTabSz="457200" rtl="0" eaLnBrk="1" latinLnBrk="0" hangingPunct="1">
-              <a:spcBef>
-                <a:spcPct val="20000"/>
-              </a:spcBef>
-              <a:buFont typeface="Arial"/>
-              <a:buChar char="•"/>
-              <a:defRPr sz="2000" kern="1200">
-                <a:solidFill>
-                  <a:schemeClr val="tx1"/>
-                </a:solidFill>
-                <a:latin typeface="+mn-lt"/>
-                <a:ea typeface="+mn-ea"/>
-                <a:cs typeface="+mn-cs"/>
-              </a:defRPr>
-            </a:lvl8pPr>
-            <a:lvl9pPr marL="3886200" indent="-228600" algn="l" defTabSz="457200" rtl="0" eaLnBrk="1" latinLnBrk="0" hangingPunct="1">
-              <a:spcBef>
-                <a:spcPct val="20000"/>
-              </a:spcBef>
-              <a:buFont typeface="Arial"/>
-              <a:buChar char="•"/>
-              <a:defRPr sz="2000" kern="1200">
-                <a:solidFill>
-                  <a:schemeClr val="tx1"/>
-                </a:solidFill>
-                <a:latin typeface="+mn-lt"/>
-                <a:ea typeface="+mn-ea"/>
-                <a:cs typeface="+mn-cs"/>
-              </a:defRPr>
-            </a:lvl9pPr>
-          </a:lstStyle>
-          <a:p>
-            <a:r>
-              <a:rPr lang="ru-RU" sz="2800" b="1" dirty="0" smtClean="0"/>
-              <a:t>Абстрагироваться от инфраструктуры</a:t>
-            </a:r>
-          </a:p>
-          <a:p>
-            <a:r>
-              <a:rPr lang="ru-RU" sz="2800" b="1" dirty="0" smtClean="0"/>
-              <a:t>Выровнять инфраструктуру окружений</a:t>
-            </a:r>
-            <a:endParaRPr lang="en-US" sz="2800" b="1" dirty="0" smtClean="0"/>
+          <a:lstStyle/>
+          <a:p>
+            <a:pPr marL="0" indent="0">
+              <a:buNone/>
+            </a:pPr>
+            <a:r>
+              <a:rPr lang="ru-RU" sz="2800" b="1" u="sng" dirty="0" smtClean="0"/>
+              <a:t>Автоматизация </a:t>
+            </a:r>
+            <a:r>
+              <a:rPr lang="ru-RU" sz="2800" b="1" u="sng" dirty="0"/>
+              <a:t>инфраструктуры</a:t>
+            </a:r>
+            <a:endParaRPr lang="en-US" sz="2800" b="1" u="sng" dirty="0" smtClean="0"/>
           </a:p>
           <a:p>
             <a:pPr lvl="1"/>
             <a:r>
-              <a:rPr lang="ru-RU" sz="2400" dirty="0" smtClean="0"/>
-              <a:t>Отдельные окружения (</a:t>
-            </a:r>
-            <a:r>
-              <a:rPr lang="en-US" sz="2400" dirty="0" smtClean="0"/>
-              <a:t>DEV/QA/PS/PROD)</a:t>
-            </a:r>
+              <a:rPr lang="en-US" sz="2800" b="1" dirty="0" smtClean="0"/>
+              <a:t>Continuous Integration</a:t>
+            </a:r>
+          </a:p>
+          <a:p>
+            <a:pPr lvl="2"/>
+            <a:r>
+              <a:rPr lang="en-US" sz="2000" dirty="0" smtClean="0"/>
+              <a:t>Jenkins</a:t>
+            </a:r>
+          </a:p>
+          <a:p>
+            <a:pPr lvl="2"/>
+            <a:r>
+              <a:rPr lang="ru-RU" sz="2000" dirty="0" smtClean="0"/>
+              <a:t>Выделенное окружение разработчика</a:t>
+            </a:r>
+            <a:endParaRPr lang="en-US" sz="2000" dirty="0" smtClean="0"/>
           </a:p>
           <a:p>
             <a:pPr lvl="1"/>
-            <a:endParaRPr lang="ru-RU" sz="2400" dirty="0" smtClean="0"/>
-          </a:p>
-          <a:p>
-            <a:r>
-              <a:rPr lang="ru-RU" sz="2800" b="1" dirty="0" smtClean="0"/>
-              <a:t>Автоматизация</a:t>
-            </a:r>
-            <a:endParaRPr lang="en-US" sz="2800" b="1" dirty="0" smtClean="0"/>
+            <a:r>
+              <a:rPr lang="en-US" sz="2400" b="1" dirty="0" smtClean="0"/>
+              <a:t>One-button Deployment</a:t>
+            </a:r>
           </a:p>
           <a:p>
             <a:pPr lvl="1"/>
             <a:r>
-              <a:rPr lang="en-US" sz="2400" dirty="0" smtClean="0"/>
-              <a:t>Continuous Integration</a:t>
-            </a:r>
+              <a:rPr lang="en-US" sz="2400" b="1" dirty="0" smtClean="0"/>
+              <a:t>Database Evolution</a:t>
+            </a:r>
+            <a:endParaRPr lang="ru-RU" sz="2400" b="1" dirty="0" smtClean="0"/>
+          </a:p>
+          <a:p>
+            <a:pPr lvl="2"/>
+            <a:r>
+              <a:rPr lang="ru-RU" sz="2000" dirty="0" smtClean="0"/>
+              <a:t>Создание структур БД</a:t>
+            </a:r>
+            <a:endParaRPr lang="en-US" sz="2000" dirty="0" smtClean="0"/>
+          </a:p>
+          <a:p>
+            <a:pPr lvl="2"/>
+            <a:r>
+              <a:rPr lang="ru-RU" sz="2000" dirty="0" smtClean="0"/>
+              <a:t>Миграция данных</a:t>
+            </a:r>
+          </a:p>
+          <a:p>
+            <a:pPr lvl="2"/>
+            <a:r>
+              <a:rPr lang="ru-RU" sz="2000" dirty="0" smtClean="0"/>
+              <a:t>Автоматическое выполнение</a:t>
+            </a:r>
+            <a:endParaRPr lang="en-US" sz="2000" dirty="0" smtClean="0"/>
           </a:p>
           <a:p>
             <a:pPr lvl="1"/>
             <a:r>
-              <a:rPr lang="en-US" sz="2400" dirty="0" smtClean="0"/>
-              <a:t>One-button Deployment</a:t>
-            </a:r>
-          </a:p>
-          <a:p>
-            <a:pPr lvl="1"/>
-            <a:r>
-              <a:rPr lang="en-US" sz="2400" dirty="0" smtClean="0"/>
-              <a:t>Database Evolution</a:t>
-            </a:r>
-          </a:p>
-          <a:p>
-            <a:pPr lvl="1"/>
-            <a:r>
-              <a:rPr lang="en-US" sz="2400" dirty="0" smtClean="0"/>
+              <a:rPr lang="en-US" sz="2400" b="1" dirty="0" smtClean="0"/>
               <a:t>Chef</a:t>
             </a:r>
-            <a:endParaRPr lang="en-US" sz="2400" dirty="0" smtClean="0"/>
           </a:p>
         </p:txBody>
       </p:sp>
     </p:spTree>
     <p:extLst>
       <p:ext uri="{BB962C8B-B14F-4D97-AF65-F5344CB8AC3E}">
-        <p14:creationId xmlns:p14="http://schemas.microsoft.com/office/powerpoint/2010/main" val="1575188768"/>
+        <p14:creationId xmlns:p14="http://schemas.microsoft.com/office/powerpoint/2010/main" val="847257649"/>
       </p:ext>
     </p:extLst>
   </p:cSld>
@@ -15907,8 +16774,12 @@
           <a:p>
             <a:pPr algn="ctr"/>
             <a:r>
-              <a:rPr lang="en-US" sz="3200" u="sng" dirty="0"/>
-              <a:t>Infrastructure Automation</a:t>
+              <a:rPr lang="ru-RU" sz="3200" dirty="0"/>
+              <a:t>Дизайн </a:t>
+            </a:r>
+            <a:r>
+              <a:rPr lang="ru-RU" sz="3200" dirty="0" err="1"/>
+              <a:t>микросервисов</a:t>
             </a:r>
             <a:endParaRPr lang="en-US" dirty="0"/>
           </a:p>
@@ -15916,112 +16787,237 @@
       </p:sp>
       <p:sp>
         <p:nvSpPr>
-          <p:cNvPr id="6" name="Объект 2"/>
-          <p:cNvSpPr>
-            <a:spLocks noGrp="1"/>
+          <p:cNvPr id="5" name="Объект 2"/>
+          <p:cNvSpPr txBox="1">
+            <a:spLocks/>
           </p:cNvSpPr>
-          <p:nvPr>
-            <p:ph idx="1"/>
-          </p:nvPr>
+          <p:nvPr/>
         </p:nvSpPr>
         <p:spPr>
           <a:xfrm>
-            <a:off x="457200" y="1204686"/>
-            <a:ext cx="8229600" cy="4921477"/>
+            <a:off x="457200" y="1600200"/>
+            <a:ext cx="8229600" cy="4525963"/>
           </a:xfrm>
+          <a:prstGeom prst="rect">
+            <a:avLst/>
+          </a:prstGeom>
         </p:spPr>
         <p:txBody>
-          <a:bodyPr>
+          <a:bodyPr vert="horz" lIns="91440" tIns="45720" rIns="91440" bIns="45720" rtlCol="0">
             <a:normAutofit/>
           </a:bodyPr>
-          <a:lstStyle/>
-          <a:p>
-            <a:pPr marL="0" indent="0">
-              <a:buNone/>
+          <a:lstStyle>
+            <a:lvl1pPr marL="173736" marR="0" indent="-173736" algn="l" defTabSz="457200" rtl="0" eaLnBrk="1" fontAlgn="auto" latinLnBrk="0" hangingPunct="1">
+              <a:lnSpc>
+                <a:spcPct val="120000"/>
+              </a:lnSpc>
+              <a:spcBef>
+                <a:spcPts val="0"/>
+              </a:spcBef>
+              <a:spcAft>
+                <a:spcPts val="1000"/>
+              </a:spcAft>
+              <a:buClr>
+                <a:schemeClr val="accent2"/>
+              </a:buClr>
+              <a:buSzTx/>
+              <a:buFont typeface="Arial"/>
+              <a:buChar char="•"/>
+              <a:tabLst/>
+              <a:defRPr sz="1600" kern="1200" baseline="0">
+                <a:solidFill>
+                  <a:schemeClr val="tx1"/>
+                </a:solidFill>
+                <a:latin typeface="Trebuchet MS"/>
+                <a:ea typeface="+mn-ea"/>
+                <a:cs typeface="Trebuchet MS"/>
+              </a:defRPr>
+            </a:lvl1pPr>
+            <a:lvl2pPr marL="742950" indent="-285750" algn="l" defTabSz="457200" rtl="0" eaLnBrk="1" latinLnBrk="0" hangingPunct="1">
+              <a:spcBef>
+                <a:spcPct val="20000"/>
+              </a:spcBef>
+              <a:buFont typeface="Arial"/>
+              <a:buChar char="–"/>
+              <a:defRPr sz="1600" kern="1200">
+                <a:solidFill>
+                  <a:schemeClr val="tx1"/>
+                </a:solidFill>
+                <a:latin typeface="Trebuchet MS"/>
+                <a:ea typeface="+mn-ea"/>
+                <a:cs typeface="Trebuchet MS"/>
+              </a:defRPr>
+            </a:lvl2pPr>
+            <a:lvl3pPr marL="1143000" indent="-228600" algn="l" defTabSz="457200" rtl="0" eaLnBrk="1" latinLnBrk="0" hangingPunct="1">
+              <a:spcBef>
+                <a:spcPct val="20000"/>
+              </a:spcBef>
+              <a:buFont typeface="Arial"/>
+              <a:buChar char="•"/>
+              <a:defRPr sz="1600" kern="1200">
+                <a:solidFill>
+                  <a:schemeClr val="tx1"/>
+                </a:solidFill>
+                <a:latin typeface="Trebuchet MS"/>
+                <a:ea typeface="+mn-ea"/>
+                <a:cs typeface="Trebuchet MS"/>
+              </a:defRPr>
+            </a:lvl3pPr>
+            <a:lvl4pPr marL="1600200" indent="-228600" algn="l" defTabSz="457200" rtl="0" eaLnBrk="1" latinLnBrk="0" hangingPunct="1">
+              <a:spcBef>
+                <a:spcPct val="20000"/>
+              </a:spcBef>
+              <a:buFont typeface="Arial"/>
+              <a:buChar char="–"/>
+              <a:defRPr sz="1600" kern="1200">
+                <a:solidFill>
+                  <a:schemeClr val="tx1"/>
+                </a:solidFill>
+                <a:latin typeface="Trebuchet MS"/>
+                <a:ea typeface="+mn-ea"/>
+                <a:cs typeface="Trebuchet MS"/>
+              </a:defRPr>
+            </a:lvl4pPr>
+            <a:lvl5pPr marL="2057400" indent="-228600" algn="l" defTabSz="457200" rtl="0" eaLnBrk="1" latinLnBrk="0" hangingPunct="1">
+              <a:spcBef>
+                <a:spcPct val="20000"/>
+              </a:spcBef>
+              <a:buFont typeface="Arial"/>
+              <a:buChar char="»"/>
+              <a:defRPr sz="1600" kern="1200">
+                <a:solidFill>
+                  <a:schemeClr val="tx1"/>
+                </a:solidFill>
+                <a:latin typeface="Trebuchet MS"/>
+                <a:ea typeface="+mn-ea"/>
+                <a:cs typeface="Trebuchet MS"/>
+              </a:defRPr>
+            </a:lvl5pPr>
+            <a:lvl6pPr marL="2514600" indent="-228600" algn="l" defTabSz="457200" rtl="0" eaLnBrk="1" latinLnBrk="0" hangingPunct="1">
+              <a:spcBef>
+                <a:spcPct val="20000"/>
+              </a:spcBef>
+              <a:buFont typeface="Arial"/>
+              <a:buChar char="•"/>
+              <a:defRPr sz="2000" kern="1200">
+                <a:solidFill>
+                  <a:schemeClr val="tx1"/>
+                </a:solidFill>
+                <a:latin typeface="+mn-lt"/>
+                <a:ea typeface="+mn-ea"/>
+                <a:cs typeface="+mn-cs"/>
+              </a:defRPr>
+            </a:lvl6pPr>
+            <a:lvl7pPr marL="2971800" indent="-228600" algn="l" defTabSz="457200" rtl="0" eaLnBrk="1" latinLnBrk="0" hangingPunct="1">
+              <a:spcBef>
+                <a:spcPct val="20000"/>
+              </a:spcBef>
+              <a:buFont typeface="Arial"/>
+              <a:buChar char="•"/>
+              <a:defRPr sz="2000" kern="1200">
+                <a:solidFill>
+                  <a:schemeClr val="tx1"/>
+                </a:solidFill>
+                <a:latin typeface="+mn-lt"/>
+                <a:ea typeface="+mn-ea"/>
+                <a:cs typeface="+mn-cs"/>
+              </a:defRPr>
+            </a:lvl7pPr>
+            <a:lvl8pPr marL="3429000" indent="-228600" algn="l" defTabSz="457200" rtl="0" eaLnBrk="1" latinLnBrk="0" hangingPunct="1">
+              <a:spcBef>
+                <a:spcPct val="20000"/>
+              </a:spcBef>
+              <a:buFont typeface="Arial"/>
+              <a:buChar char="•"/>
+              <a:defRPr sz="2000" kern="1200">
+                <a:solidFill>
+                  <a:schemeClr val="tx1"/>
+                </a:solidFill>
+                <a:latin typeface="+mn-lt"/>
+                <a:ea typeface="+mn-ea"/>
+                <a:cs typeface="+mn-cs"/>
+              </a:defRPr>
+            </a:lvl8pPr>
+            <a:lvl9pPr marL="3886200" indent="-228600" algn="l" defTabSz="457200" rtl="0" eaLnBrk="1" latinLnBrk="0" hangingPunct="1">
+              <a:spcBef>
+                <a:spcPct val="20000"/>
+              </a:spcBef>
+              <a:buFont typeface="Arial"/>
+              <a:buChar char="•"/>
+              <a:defRPr sz="2000" kern="1200">
+                <a:solidFill>
+                  <a:schemeClr val="tx1"/>
+                </a:solidFill>
+                <a:latin typeface="+mn-lt"/>
+                <a:ea typeface="+mn-ea"/>
+                <a:cs typeface="+mn-cs"/>
+              </a:defRPr>
+            </a:lvl9pPr>
+          </a:lstStyle>
+          <a:p>
+            <a:pPr>
+              <a:lnSpc>
+                <a:spcPct val="150000"/>
+              </a:lnSpc>
             </a:pPr>
             <a:r>
-              <a:rPr lang="ru-RU" sz="2800" b="1" u="sng" dirty="0" smtClean="0"/>
-              <a:t>Автоматизация </a:t>
-            </a:r>
-            <a:r>
-              <a:rPr lang="ru-RU" sz="2800" b="1" u="sng" dirty="0"/>
-              <a:t>инфраструктуры</a:t>
-            </a:r>
-            <a:endParaRPr lang="en-US" sz="2800" b="1" u="sng" dirty="0" smtClean="0"/>
-          </a:p>
-          <a:p>
-            <a:pPr lvl="1"/>
-            <a:r>
-              <a:rPr lang="en-US" sz="2800" b="1" dirty="0" smtClean="0"/>
-              <a:t>Continuous Integration</a:t>
-            </a:r>
-          </a:p>
-          <a:p>
-            <a:pPr lvl="2"/>
-            <a:r>
-              <a:rPr lang="en-US" sz="2000" dirty="0" smtClean="0"/>
-              <a:t>Jenkins</a:t>
-            </a:r>
-          </a:p>
-          <a:p>
-            <a:pPr lvl="2"/>
-            <a:r>
-              <a:rPr lang="ru-RU" sz="2000" dirty="0" smtClean="0"/>
-              <a:t>Выделенное окружение разработчика</a:t>
-            </a:r>
-            <a:endParaRPr lang="en-US" sz="2000" dirty="0" smtClean="0"/>
-          </a:p>
-          <a:p>
-            <a:pPr lvl="1"/>
-            <a:r>
-              <a:rPr lang="en-US" sz="2400" b="1" dirty="0" smtClean="0"/>
-              <a:t>One-button Deployment</a:t>
-            </a:r>
-          </a:p>
-          <a:p>
-            <a:pPr lvl="1"/>
-            <a:r>
-              <a:rPr lang="en-US" sz="2400" b="1" dirty="0" smtClean="0"/>
-              <a:t>Database Evolution</a:t>
-            </a:r>
-            <a:endParaRPr lang="ru-RU" sz="2400" b="1" dirty="0" smtClean="0"/>
-          </a:p>
-          <a:p>
-            <a:pPr lvl="2"/>
-            <a:r>
-              <a:rPr lang="ru-RU" sz="2000" dirty="0" smtClean="0"/>
-              <a:t>Создание структур БД</a:t>
-            </a:r>
-            <a:endParaRPr lang="en-US" sz="2000" dirty="0" smtClean="0"/>
-          </a:p>
-          <a:p>
-            <a:pPr lvl="2"/>
-            <a:r>
-              <a:rPr lang="ru-RU" sz="2000" dirty="0" smtClean="0"/>
-              <a:t>Миграция данных</a:t>
-            </a:r>
-          </a:p>
-          <a:p>
-            <a:pPr lvl="2"/>
-            <a:r>
-              <a:rPr lang="ru-RU" sz="2000" dirty="0" smtClean="0"/>
-              <a:t>Автоматическое выполнение</a:t>
-            </a:r>
-            <a:endParaRPr lang="en-US" sz="2000" dirty="0" smtClean="0"/>
-          </a:p>
-          <a:p>
-            <a:pPr lvl="1"/>
-            <a:r>
-              <a:rPr lang="en-US" sz="2400" b="1" dirty="0" smtClean="0"/>
-              <a:t>Chef</a:t>
-            </a:r>
+              <a:rPr lang="ru-RU" sz="3200" b="1" u="sng" dirty="0" smtClean="0"/>
+              <a:t>Децентрализованное управление </a:t>
+            </a:r>
+            <a:endParaRPr lang="en-US" sz="3200" b="1" u="sng" dirty="0" smtClean="0"/>
+          </a:p>
+          <a:p>
+            <a:pPr>
+              <a:lnSpc>
+                <a:spcPct val="150000"/>
+              </a:lnSpc>
+            </a:pPr>
+            <a:r>
+              <a:rPr lang="ru-RU" sz="3200" dirty="0" smtClean="0"/>
+              <a:t>Децентрализованные данные</a:t>
+            </a:r>
+          </a:p>
+          <a:p>
+            <a:pPr>
+              <a:lnSpc>
+                <a:spcPct val="150000"/>
+              </a:lnSpc>
+            </a:pPr>
+            <a:r>
+              <a:rPr lang="ru-RU" sz="3200" dirty="0" smtClean="0"/>
+              <a:t>Взаимодействие сервисов</a:t>
+            </a:r>
+            <a:endParaRPr lang="en-US" sz="3200" dirty="0" smtClean="0"/>
+          </a:p>
+          <a:p>
+            <a:pPr>
+              <a:lnSpc>
+                <a:spcPct val="150000"/>
+              </a:lnSpc>
+            </a:pPr>
+            <a:r>
+              <a:rPr lang="ru-RU" sz="3200" dirty="0" smtClean="0"/>
+              <a:t>Проектирование под отказ</a:t>
+            </a:r>
+          </a:p>
+          <a:p>
+            <a:pPr>
+              <a:lnSpc>
+                <a:spcPct val="150000"/>
+              </a:lnSpc>
+            </a:pPr>
+            <a:r>
+              <a:rPr lang="ru-RU" sz="3200" dirty="0" smtClean="0"/>
+              <a:t>Типы взаимодействия</a:t>
+            </a:r>
+            <a:endParaRPr lang="ru-RU" sz="3200" dirty="0"/>
           </a:p>
         </p:txBody>
       </p:sp>
     </p:spTree>
     <p:extLst>
       <p:ext uri="{BB962C8B-B14F-4D97-AF65-F5344CB8AC3E}">
-        <p14:creationId xmlns:p14="http://schemas.microsoft.com/office/powerpoint/2010/main" val="847257649"/>
+        <p14:creationId xmlns:p14="http://schemas.microsoft.com/office/powerpoint/2010/main" val="2445971049"/>
       </p:ext>
     </p:extLst>
   </p:cSld>
@@ -16072,12 +17068,8 @@
           <a:p>
             <a:pPr algn="ctr"/>
             <a:r>
-              <a:rPr lang="ru-RU" sz="3200" dirty="0"/>
-              <a:t>Дизайн </a:t>
-            </a:r>
-            <a:r>
-              <a:rPr lang="ru-RU" sz="3200" dirty="0" err="1"/>
-              <a:t>микросервисов</a:t>
+              <a:rPr lang="en-US" sz="3200" u="sng" dirty="0"/>
+              <a:t>Decentralized Governance</a:t>
             </a:r>
             <a:endParaRPr lang="en-US" dirty="0"/>
           </a:p>
@@ -16093,7 +17085,7 @@
         </p:nvSpPr>
         <p:spPr>
           <a:xfrm>
-            <a:off x="457200" y="1600200"/>
+            <a:off x="457200" y="1382490"/>
             <a:ext cx="8229600" cy="4525963"/>
           </a:xfrm>
           <a:prstGeom prst="rect">
@@ -16102,7 +17094,7 @@
         </p:spPr>
         <p:txBody>
           <a:bodyPr vert="horz" lIns="91440" tIns="45720" rIns="91440" bIns="45720" rtlCol="0">
-            <a:normAutofit/>
+            <a:noAutofit/>
           </a:bodyPr>
           <a:lstStyle>
             <a:lvl1pPr marL="173736" marR="0" indent="-173736" algn="l" defTabSz="457200" rtl="0" eaLnBrk="1" fontAlgn="auto" latinLnBrk="0" hangingPunct="1">
@@ -16253,69 +17245,97 @@
             </a:lvl9pPr>
           </a:lstStyle>
           <a:p>
-            <a:pPr>
-              <a:lnSpc>
-                <a:spcPct val="150000"/>
-              </a:lnSpc>
+            <a:pPr marL="0" indent="0">
+              <a:buNone/>
             </a:pPr>
             <a:r>
-              <a:rPr lang="ru-RU" sz="3200" b="1" u="sng" dirty="0" smtClean="0"/>
-              <a:t>Децентрализованное управление </a:t>
-            </a:r>
-            <a:endParaRPr lang="en-US" sz="3200" b="1" u="sng" dirty="0" smtClean="0"/>
-          </a:p>
-          <a:p>
-            <a:pPr>
-              <a:lnSpc>
-                <a:spcPct val="150000"/>
-              </a:lnSpc>
+              <a:rPr lang="ru-RU" sz="2800" b="1" u="sng" dirty="0"/>
+              <a:t>Децентрализованное управление</a:t>
+            </a:r>
+            <a:endParaRPr lang="en-US" sz="2800" b="1" u="sng" dirty="0"/>
+          </a:p>
+          <a:p>
+            <a:r>
+              <a:rPr lang="ru-RU" sz="2800" b="1" dirty="0"/>
+              <a:t>Разные технологии для разных целей</a:t>
+            </a:r>
+          </a:p>
+          <a:p>
+            <a:pPr lvl="1"/>
+            <a:r>
+              <a:rPr lang="ru-RU" sz="2400" dirty="0"/>
+              <a:t>Фреймворки</a:t>
+            </a:r>
+          </a:p>
+          <a:p>
+            <a:pPr lvl="1"/>
+            <a:r>
+              <a:rPr lang="ru-RU" sz="2400" dirty="0" smtClean="0"/>
+              <a:t>Базы Данных</a:t>
+            </a:r>
+            <a:endParaRPr lang="en-US" sz="2400" dirty="0"/>
+          </a:p>
+          <a:p>
+            <a:r>
+              <a:rPr lang="ru-RU" sz="2800" b="1" dirty="0"/>
+              <a:t>Архитектурные решения</a:t>
+            </a:r>
+          </a:p>
+          <a:p>
+            <a:r>
+              <a:rPr lang="ru-RU" sz="2800" b="1" dirty="0"/>
+              <a:t>Но единая платформа</a:t>
+            </a:r>
+          </a:p>
+          <a:p>
+            <a:pPr lvl="1">
+              <a:buFontTx/>
+              <a:buChar char="-"/>
             </a:pPr>
             <a:r>
-              <a:rPr lang="ru-RU" sz="3200" dirty="0" smtClean="0"/>
-              <a:t>Децентрализованные данные</a:t>
-            </a:r>
-          </a:p>
-          <a:p>
-            <a:pPr>
-              <a:lnSpc>
-                <a:spcPct val="150000"/>
-              </a:lnSpc>
+              <a:rPr lang="ru-RU" sz="2400" dirty="0"/>
+              <a:t>Система </a:t>
+            </a:r>
+            <a:r>
+              <a:rPr lang="ru-RU" sz="2400" dirty="0" smtClean="0"/>
+              <a:t>сборки </a:t>
+            </a:r>
+            <a:r>
+              <a:rPr lang="en-US" sz="2400" dirty="0" err="1" smtClean="0"/>
+              <a:t>Gradle</a:t>
+            </a:r>
+            <a:endParaRPr lang="ru-RU" sz="2400" dirty="0"/>
+          </a:p>
+          <a:p>
+            <a:pPr lvl="1">
+              <a:buFontTx/>
+              <a:buChar char="-"/>
             </a:pPr>
             <a:r>
-              <a:rPr lang="ru-RU" sz="3200" dirty="0" smtClean="0"/>
-              <a:t>Взаимодействие сервисов</a:t>
-            </a:r>
-            <a:endParaRPr lang="en-US" sz="3200" dirty="0" smtClean="0"/>
-          </a:p>
-          <a:p>
-            <a:pPr>
-              <a:lnSpc>
-                <a:spcPct val="150000"/>
-              </a:lnSpc>
+              <a:rPr lang="ru-RU" sz="2400" dirty="0"/>
+              <a:t>Общие библиотеки (</a:t>
+            </a:r>
+            <a:r>
+              <a:rPr lang="en-US" sz="2400" dirty="0"/>
+              <a:t>Guava)</a:t>
+            </a:r>
+          </a:p>
+          <a:p>
+            <a:pPr lvl="1">
+              <a:buFontTx/>
+              <a:buChar char="-"/>
             </a:pPr>
             <a:r>
-              <a:rPr lang="ru-RU" sz="3200" dirty="0" smtClean="0"/>
-              <a:t>Проектирование под отказ</a:t>
-            </a:r>
-          </a:p>
-          <a:p>
-            <a:pPr>
-              <a:lnSpc>
-                <a:spcPct val="150000"/>
-              </a:lnSpc>
-            </a:pPr>
-            <a:r>
-              <a:rPr lang="ru-RU" sz="3200" dirty="0" smtClean="0"/>
-              <a:t>Типы взаимодействия</a:t>
-            </a:r>
-            <a:endParaRPr lang="ru-RU" sz="3200" dirty="0"/>
+              <a:rPr lang="ru-RU" sz="2400" dirty="0"/>
+              <a:t>Стандарты кода</a:t>
+            </a:r>
           </a:p>
         </p:txBody>
       </p:sp>
     </p:spTree>
     <p:extLst>
       <p:ext uri="{BB962C8B-B14F-4D97-AF65-F5344CB8AC3E}">
-        <p14:creationId xmlns:p14="http://schemas.microsoft.com/office/powerpoint/2010/main" val="2445971049"/>
+        <p14:creationId xmlns:p14="http://schemas.microsoft.com/office/powerpoint/2010/main" val="2039527878"/>
       </p:ext>
     </p:extLst>
   </p:cSld>
@@ -16366,315 +17386,6 @@
           <a:p>
             <a:pPr algn="ctr"/>
             <a:r>
-              <a:rPr lang="en-US" sz="3200" u="sng" dirty="0"/>
-              <a:t>Decentralized Governance</a:t>
-            </a:r>
-            <a:endParaRPr lang="en-US" dirty="0"/>
-          </a:p>
-        </p:txBody>
-      </p:sp>
-      <p:sp>
-        <p:nvSpPr>
-          <p:cNvPr id="5" name="Объект 2"/>
-          <p:cNvSpPr txBox="1">
-            <a:spLocks/>
-          </p:cNvSpPr>
-          <p:nvPr/>
-        </p:nvSpPr>
-        <p:spPr>
-          <a:xfrm>
-            <a:off x="457200" y="1382490"/>
-            <a:ext cx="8229600" cy="4525963"/>
-          </a:xfrm>
-          <a:prstGeom prst="rect">
-            <a:avLst/>
-          </a:prstGeom>
-        </p:spPr>
-        <p:txBody>
-          <a:bodyPr vert="horz" lIns="91440" tIns="45720" rIns="91440" bIns="45720" rtlCol="0">
-            <a:noAutofit/>
-          </a:bodyPr>
-          <a:lstStyle>
-            <a:lvl1pPr marL="173736" marR="0" indent="-173736" algn="l" defTabSz="457200" rtl="0" eaLnBrk="1" fontAlgn="auto" latinLnBrk="0" hangingPunct="1">
-              <a:lnSpc>
-                <a:spcPct val="120000"/>
-              </a:lnSpc>
-              <a:spcBef>
-                <a:spcPts val="0"/>
-              </a:spcBef>
-              <a:spcAft>
-                <a:spcPts val="1000"/>
-              </a:spcAft>
-              <a:buClr>
-                <a:schemeClr val="accent2"/>
-              </a:buClr>
-              <a:buSzTx/>
-              <a:buFont typeface="Arial"/>
-              <a:buChar char="•"/>
-              <a:tabLst/>
-              <a:defRPr sz="1600" kern="1200" baseline="0">
-                <a:solidFill>
-                  <a:schemeClr val="tx1"/>
-                </a:solidFill>
-                <a:latin typeface="Trebuchet MS"/>
-                <a:ea typeface="+mn-ea"/>
-                <a:cs typeface="Trebuchet MS"/>
-              </a:defRPr>
-            </a:lvl1pPr>
-            <a:lvl2pPr marL="742950" indent="-285750" algn="l" defTabSz="457200" rtl="0" eaLnBrk="1" latinLnBrk="0" hangingPunct="1">
-              <a:spcBef>
-                <a:spcPct val="20000"/>
-              </a:spcBef>
-              <a:buFont typeface="Arial"/>
-              <a:buChar char="–"/>
-              <a:defRPr sz="1600" kern="1200">
-                <a:solidFill>
-                  <a:schemeClr val="tx1"/>
-                </a:solidFill>
-                <a:latin typeface="Trebuchet MS"/>
-                <a:ea typeface="+mn-ea"/>
-                <a:cs typeface="Trebuchet MS"/>
-              </a:defRPr>
-            </a:lvl2pPr>
-            <a:lvl3pPr marL="1143000" indent="-228600" algn="l" defTabSz="457200" rtl="0" eaLnBrk="1" latinLnBrk="0" hangingPunct="1">
-              <a:spcBef>
-                <a:spcPct val="20000"/>
-              </a:spcBef>
-              <a:buFont typeface="Arial"/>
-              <a:buChar char="•"/>
-              <a:defRPr sz="1600" kern="1200">
-                <a:solidFill>
-                  <a:schemeClr val="tx1"/>
-                </a:solidFill>
-                <a:latin typeface="Trebuchet MS"/>
-                <a:ea typeface="+mn-ea"/>
-                <a:cs typeface="Trebuchet MS"/>
-              </a:defRPr>
-            </a:lvl3pPr>
-            <a:lvl4pPr marL="1600200" indent="-228600" algn="l" defTabSz="457200" rtl="0" eaLnBrk="1" latinLnBrk="0" hangingPunct="1">
-              <a:spcBef>
-                <a:spcPct val="20000"/>
-              </a:spcBef>
-              <a:buFont typeface="Arial"/>
-              <a:buChar char="–"/>
-              <a:defRPr sz="1600" kern="1200">
-                <a:solidFill>
-                  <a:schemeClr val="tx1"/>
-                </a:solidFill>
-                <a:latin typeface="Trebuchet MS"/>
-                <a:ea typeface="+mn-ea"/>
-                <a:cs typeface="Trebuchet MS"/>
-              </a:defRPr>
-            </a:lvl4pPr>
-            <a:lvl5pPr marL="2057400" indent="-228600" algn="l" defTabSz="457200" rtl="0" eaLnBrk="1" latinLnBrk="0" hangingPunct="1">
-              <a:spcBef>
-                <a:spcPct val="20000"/>
-              </a:spcBef>
-              <a:buFont typeface="Arial"/>
-              <a:buChar char="»"/>
-              <a:defRPr sz="1600" kern="1200">
-                <a:solidFill>
-                  <a:schemeClr val="tx1"/>
-                </a:solidFill>
-                <a:latin typeface="Trebuchet MS"/>
-                <a:ea typeface="+mn-ea"/>
-                <a:cs typeface="Trebuchet MS"/>
-              </a:defRPr>
-            </a:lvl5pPr>
-            <a:lvl6pPr marL="2514600" indent="-228600" algn="l" defTabSz="457200" rtl="0" eaLnBrk="1" latinLnBrk="0" hangingPunct="1">
-              <a:spcBef>
-                <a:spcPct val="20000"/>
-              </a:spcBef>
-              <a:buFont typeface="Arial"/>
-              <a:buChar char="•"/>
-              <a:defRPr sz="2000" kern="1200">
-                <a:solidFill>
-                  <a:schemeClr val="tx1"/>
-                </a:solidFill>
-                <a:latin typeface="+mn-lt"/>
-                <a:ea typeface="+mn-ea"/>
-                <a:cs typeface="+mn-cs"/>
-              </a:defRPr>
-            </a:lvl6pPr>
-            <a:lvl7pPr marL="2971800" indent="-228600" algn="l" defTabSz="457200" rtl="0" eaLnBrk="1" latinLnBrk="0" hangingPunct="1">
-              <a:spcBef>
-                <a:spcPct val="20000"/>
-              </a:spcBef>
-              <a:buFont typeface="Arial"/>
-              <a:buChar char="•"/>
-              <a:defRPr sz="2000" kern="1200">
-                <a:solidFill>
-                  <a:schemeClr val="tx1"/>
-                </a:solidFill>
-                <a:latin typeface="+mn-lt"/>
-                <a:ea typeface="+mn-ea"/>
-                <a:cs typeface="+mn-cs"/>
-              </a:defRPr>
-            </a:lvl7pPr>
-            <a:lvl8pPr marL="3429000" indent="-228600" algn="l" defTabSz="457200" rtl="0" eaLnBrk="1" latinLnBrk="0" hangingPunct="1">
-              <a:spcBef>
-                <a:spcPct val="20000"/>
-              </a:spcBef>
-              <a:buFont typeface="Arial"/>
-              <a:buChar char="•"/>
-              <a:defRPr sz="2000" kern="1200">
-                <a:solidFill>
-                  <a:schemeClr val="tx1"/>
-                </a:solidFill>
-                <a:latin typeface="+mn-lt"/>
-                <a:ea typeface="+mn-ea"/>
-                <a:cs typeface="+mn-cs"/>
-              </a:defRPr>
-            </a:lvl8pPr>
-            <a:lvl9pPr marL="3886200" indent="-228600" algn="l" defTabSz="457200" rtl="0" eaLnBrk="1" latinLnBrk="0" hangingPunct="1">
-              <a:spcBef>
-                <a:spcPct val="20000"/>
-              </a:spcBef>
-              <a:buFont typeface="Arial"/>
-              <a:buChar char="•"/>
-              <a:defRPr sz="2000" kern="1200">
-                <a:solidFill>
-                  <a:schemeClr val="tx1"/>
-                </a:solidFill>
-                <a:latin typeface="+mn-lt"/>
-                <a:ea typeface="+mn-ea"/>
-                <a:cs typeface="+mn-cs"/>
-              </a:defRPr>
-            </a:lvl9pPr>
-          </a:lstStyle>
-          <a:p>
-            <a:pPr marL="0" indent="0">
-              <a:buNone/>
-            </a:pPr>
-            <a:r>
-              <a:rPr lang="ru-RU" sz="2800" b="1" u="sng" dirty="0"/>
-              <a:t>Децентрализованное управление</a:t>
-            </a:r>
-            <a:endParaRPr lang="en-US" sz="2800" b="1" u="sng" dirty="0"/>
-          </a:p>
-          <a:p>
-            <a:r>
-              <a:rPr lang="ru-RU" sz="2800" b="1" dirty="0"/>
-              <a:t>Разные технологии для разных целей</a:t>
-            </a:r>
-          </a:p>
-          <a:p>
-            <a:pPr lvl="1"/>
-            <a:r>
-              <a:rPr lang="ru-RU" sz="2400" dirty="0"/>
-              <a:t>Фреймворки</a:t>
-            </a:r>
-          </a:p>
-          <a:p>
-            <a:pPr lvl="1"/>
-            <a:r>
-              <a:rPr lang="ru-RU" sz="2400" dirty="0"/>
-              <a:t>Сервера приложений</a:t>
-            </a:r>
-            <a:endParaRPr lang="en-US" sz="2400" dirty="0"/>
-          </a:p>
-          <a:p>
-            <a:r>
-              <a:rPr lang="ru-RU" sz="2800" b="1" dirty="0"/>
-              <a:t>Архитектурные решения</a:t>
-            </a:r>
-          </a:p>
-          <a:p>
-            <a:r>
-              <a:rPr lang="ru-RU" sz="2800" b="1" dirty="0"/>
-              <a:t>Но единая платформа</a:t>
-            </a:r>
-          </a:p>
-          <a:p>
-            <a:pPr lvl="1">
-              <a:buFontTx/>
-              <a:buChar char="-"/>
-            </a:pPr>
-            <a:r>
-              <a:rPr lang="ru-RU" sz="2400" dirty="0"/>
-              <a:t>Система сборки</a:t>
-            </a:r>
-          </a:p>
-          <a:p>
-            <a:pPr lvl="1">
-              <a:buFontTx/>
-              <a:buChar char="-"/>
-            </a:pPr>
-            <a:r>
-              <a:rPr lang="ru-RU" sz="2400" dirty="0"/>
-              <a:t>Общие библиотеки (</a:t>
-            </a:r>
-            <a:r>
-              <a:rPr lang="en-US" sz="2400" dirty="0"/>
-              <a:t>Guava)</a:t>
-            </a:r>
-          </a:p>
-          <a:p>
-            <a:pPr lvl="1">
-              <a:buFontTx/>
-              <a:buChar char="-"/>
-            </a:pPr>
-            <a:r>
-              <a:rPr lang="ru-RU" sz="2400" dirty="0"/>
-              <a:t>Стандарты кода</a:t>
-            </a:r>
-          </a:p>
-        </p:txBody>
-      </p:sp>
-    </p:spTree>
-    <p:extLst>
-      <p:ext uri="{BB962C8B-B14F-4D97-AF65-F5344CB8AC3E}">
-        <p14:creationId xmlns:p14="http://schemas.microsoft.com/office/powerpoint/2010/main" val="2039527878"/>
-      </p:ext>
-    </p:extLst>
-  </p:cSld>
-  <p:clrMapOvr>
-    <a:masterClrMapping/>
-  </p:clrMapOvr>
-  <p:timing>
-    <p:tnLst>
-      <p:par>
-        <p:cTn id="1" dur="indefinite" restart="never" nodeType="tmRoot"/>
-      </p:par>
-    </p:tnLst>
-  </p:timing>
-</p:sld>
-</file>
-
-<file path=ppt/slides/slide14.xml><?xml version="1.0" encoding="utf-8"?>
-<p:sld xmlns:a="http://schemas.openxmlformats.org/drawingml/2006/main" xmlns:r="http://schemas.openxmlformats.org/officeDocument/2006/relationships" xmlns:p="http://schemas.openxmlformats.org/presentationml/2006/main">
-  <p:cSld>
-    <p:spTree>
-      <p:nvGrpSpPr>
-        <p:cNvPr id="1" name=""/>
-        <p:cNvGrpSpPr/>
-        <p:nvPr/>
-      </p:nvGrpSpPr>
-      <p:grpSpPr>
-        <a:xfrm>
-          <a:off x="0" y="0"/>
-          <a:ext cx="0" cy="0"/>
-          <a:chOff x="0" y="0"/>
-          <a:chExt cx="0" cy="0"/>
-        </a:xfrm>
-      </p:grpSpPr>
-      <p:sp>
-        <p:nvSpPr>
-          <p:cNvPr id="4" name="Text Placeholder 3"/>
-          <p:cNvSpPr>
-            <a:spLocks noGrp="1"/>
-          </p:cNvSpPr>
-          <p:nvPr>
-            <p:ph type="body" sz="quarter" idx="10"/>
-          </p:nvPr>
-        </p:nvSpPr>
-        <p:spPr/>
-        <p:txBody>
-          <a:bodyPr/>
-          <a:lstStyle/>
-          <a:p>
-            <a:pPr algn="ctr"/>
-            <a:r>
               <a:rPr lang="ru-RU" sz="3200" dirty="0"/>
               <a:t>Дизайн </a:t>
             </a:r>
@@ -16935,7 +17646,7 @@
 </p:sld>
 </file>
 
-<file path=ppt/slides/slide15.xml><?xml version="1.0" encoding="utf-8"?>
+<file path=ppt/slides/slide14.xml><?xml version="1.0" encoding="utf-8"?>
 <p:sld xmlns:a="http://schemas.openxmlformats.org/drawingml/2006/main" xmlns:r="http://schemas.openxmlformats.org/officeDocument/2006/relationships" xmlns:p="http://schemas.openxmlformats.org/presentationml/2006/main">
   <p:cSld>
     <p:spTree>
@@ -17617,7 +18328,7 @@
 </p:sld>
 </file>
 
-<file path=ppt/slides/slide16.xml><?xml version="1.0" encoding="utf-8"?>
+<file path=ppt/slides/slide15.xml><?xml version="1.0" encoding="utf-8"?>
 <p:sld xmlns:a="http://schemas.openxmlformats.org/drawingml/2006/main" xmlns:r="http://schemas.openxmlformats.org/officeDocument/2006/relationships" xmlns:p="http://schemas.openxmlformats.org/presentationml/2006/main">
   <p:cSld>
     <p:spTree>
@@ -17895,6 +18606,298 @@
     <p:extLst>
       <p:ext uri="{BB962C8B-B14F-4D97-AF65-F5344CB8AC3E}">
         <p14:creationId xmlns:p14="http://schemas.microsoft.com/office/powerpoint/2010/main" val="1601526911"/>
+      </p:ext>
+    </p:extLst>
+  </p:cSld>
+  <p:clrMapOvr>
+    <a:masterClrMapping/>
+  </p:clrMapOvr>
+  <p:timing>
+    <p:tnLst>
+      <p:par>
+        <p:cTn id="1" dur="indefinite" restart="never" nodeType="tmRoot"/>
+      </p:par>
+    </p:tnLst>
+  </p:timing>
+</p:sld>
+</file>
+
+<file path=ppt/slides/slide16.xml><?xml version="1.0" encoding="utf-8"?>
+<p:sld xmlns:a="http://schemas.openxmlformats.org/drawingml/2006/main" xmlns:r="http://schemas.openxmlformats.org/officeDocument/2006/relationships" xmlns:p="http://schemas.openxmlformats.org/presentationml/2006/main">
+  <p:cSld>
+    <p:spTree>
+      <p:nvGrpSpPr>
+        <p:cNvPr id="1" name=""/>
+        <p:cNvGrpSpPr/>
+        <p:nvPr/>
+      </p:nvGrpSpPr>
+      <p:grpSpPr>
+        <a:xfrm>
+          <a:off x="0" y="0"/>
+          <a:ext cx="0" cy="0"/>
+          <a:chOff x="0" y="0"/>
+          <a:chExt cx="0" cy="0"/>
+        </a:xfrm>
+      </p:grpSpPr>
+      <p:sp>
+        <p:nvSpPr>
+          <p:cNvPr id="4" name="Text Placeholder 3"/>
+          <p:cNvSpPr>
+            <a:spLocks noGrp="1"/>
+          </p:cNvSpPr>
+          <p:nvPr>
+            <p:ph type="body" sz="quarter" idx="10"/>
+          </p:nvPr>
+        </p:nvSpPr>
+        <p:spPr/>
+        <p:txBody>
+          <a:bodyPr/>
+          <a:lstStyle/>
+          <a:p>
+            <a:pPr algn="ctr"/>
+            <a:r>
+              <a:rPr lang="ru-RU" sz="3200" dirty="0"/>
+              <a:t>Взаимодействие сервисов</a:t>
+            </a:r>
+            <a:endParaRPr lang="en-US" dirty="0"/>
+          </a:p>
+        </p:txBody>
+      </p:sp>
+      <p:sp>
+        <p:nvSpPr>
+          <p:cNvPr id="5" name="Объект 2"/>
+          <p:cNvSpPr txBox="1">
+            <a:spLocks/>
+          </p:cNvSpPr>
+          <p:nvPr/>
+        </p:nvSpPr>
+        <p:spPr>
+          <a:xfrm>
+            <a:off x="457200" y="1190172"/>
+            <a:ext cx="8229600" cy="4935992"/>
+          </a:xfrm>
+          <a:prstGeom prst="rect">
+            <a:avLst/>
+          </a:prstGeom>
+        </p:spPr>
+        <p:txBody>
+          <a:bodyPr vert="horz" lIns="91440" tIns="45720" rIns="91440" bIns="45720" rtlCol="0">
+            <a:normAutofit/>
+          </a:bodyPr>
+          <a:lstStyle>
+            <a:lvl1pPr marL="173736" marR="0" indent="-173736" algn="l" defTabSz="457200" rtl="0" eaLnBrk="1" fontAlgn="auto" latinLnBrk="0" hangingPunct="1">
+              <a:lnSpc>
+                <a:spcPct val="120000"/>
+              </a:lnSpc>
+              <a:spcBef>
+                <a:spcPts val="0"/>
+              </a:spcBef>
+              <a:spcAft>
+                <a:spcPts val="1000"/>
+              </a:spcAft>
+              <a:buClr>
+                <a:schemeClr val="accent2"/>
+              </a:buClr>
+              <a:buSzTx/>
+              <a:buFont typeface="Arial"/>
+              <a:buChar char="•"/>
+              <a:tabLst/>
+              <a:defRPr sz="1600" kern="1200" baseline="0">
+                <a:solidFill>
+                  <a:schemeClr val="tx1"/>
+                </a:solidFill>
+                <a:latin typeface="Trebuchet MS"/>
+                <a:ea typeface="+mn-ea"/>
+                <a:cs typeface="Trebuchet MS"/>
+              </a:defRPr>
+            </a:lvl1pPr>
+            <a:lvl2pPr marL="742950" indent="-285750" algn="l" defTabSz="457200" rtl="0" eaLnBrk="1" latinLnBrk="0" hangingPunct="1">
+              <a:spcBef>
+                <a:spcPct val="20000"/>
+              </a:spcBef>
+              <a:buFont typeface="Arial"/>
+              <a:buChar char="–"/>
+              <a:defRPr sz="1600" kern="1200">
+                <a:solidFill>
+                  <a:schemeClr val="tx1"/>
+                </a:solidFill>
+                <a:latin typeface="Trebuchet MS"/>
+                <a:ea typeface="+mn-ea"/>
+                <a:cs typeface="Trebuchet MS"/>
+              </a:defRPr>
+            </a:lvl2pPr>
+            <a:lvl3pPr marL="1143000" indent="-228600" algn="l" defTabSz="457200" rtl="0" eaLnBrk="1" latinLnBrk="0" hangingPunct="1">
+              <a:spcBef>
+                <a:spcPct val="20000"/>
+              </a:spcBef>
+              <a:buFont typeface="Arial"/>
+              <a:buChar char="•"/>
+              <a:defRPr sz="1600" kern="1200">
+                <a:solidFill>
+                  <a:schemeClr val="tx1"/>
+                </a:solidFill>
+                <a:latin typeface="Trebuchet MS"/>
+                <a:ea typeface="+mn-ea"/>
+                <a:cs typeface="Trebuchet MS"/>
+              </a:defRPr>
+            </a:lvl3pPr>
+            <a:lvl4pPr marL="1600200" indent="-228600" algn="l" defTabSz="457200" rtl="0" eaLnBrk="1" latinLnBrk="0" hangingPunct="1">
+              <a:spcBef>
+                <a:spcPct val="20000"/>
+              </a:spcBef>
+              <a:buFont typeface="Arial"/>
+              <a:buChar char="–"/>
+              <a:defRPr sz="1600" kern="1200">
+                <a:solidFill>
+                  <a:schemeClr val="tx1"/>
+                </a:solidFill>
+                <a:latin typeface="Trebuchet MS"/>
+                <a:ea typeface="+mn-ea"/>
+                <a:cs typeface="Trebuchet MS"/>
+              </a:defRPr>
+            </a:lvl4pPr>
+            <a:lvl5pPr marL="2057400" indent="-228600" algn="l" defTabSz="457200" rtl="0" eaLnBrk="1" latinLnBrk="0" hangingPunct="1">
+              <a:spcBef>
+                <a:spcPct val="20000"/>
+              </a:spcBef>
+              <a:buFont typeface="Arial"/>
+              <a:buChar char="»"/>
+              <a:defRPr sz="1600" kern="1200">
+                <a:solidFill>
+                  <a:schemeClr val="tx1"/>
+                </a:solidFill>
+                <a:latin typeface="Trebuchet MS"/>
+                <a:ea typeface="+mn-ea"/>
+                <a:cs typeface="Trebuchet MS"/>
+              </a:defRPr>
+            </a:lvl5pPr>
+            <a:lvl6pPr marL="2514600" indent="-228600" algn="l" defTabSz="457200" rtl="0" eaLnBrk="1" latinLnBrk="0" hangingPunct="1">
+              <a:spcBef>
+                <a:spcPct val="20000"/>
+              </a:spcBef>
+              <a:buFont typeface="Arial"/>
+              <a:buChar char="•"/>
+              <a:defRPr sz="2000" kern="1200">
+                <a:solidFill>
+                  <a:schemeClr val="tx1"/>
+                </a:solidFill>
+                <a:latin typeface="+mn-lt"/>
+                <a:ea typeface="+mn-ea"/>
+                <a:cs typeface="+mn-cs"/>
+              </a:defRPr>
+            </a:lvl6pPr>
+            <a:lvl7pPr marL="2971800" indent="-228600" algn="l" defTabSz="457200" rtl="0" eaLnBrk="1" latinLnBrk="0" hangingPunct="1">
+              <a:spcBef>
+                <a:spcPct val="20000"/>
+              </a:spcBef>
+              <a:buFont typeface="Arial"/>
+              <a:buChar char="•"/>
+              <a:defRPr sz="2000" kern="1200">
+                <a:solidFill>
+                  <a:schemeClr val="tx1"/>
+                </a:solidFill>
+                <a:latin typeface="+mn-lt"/>
+                <a:ea typeface="+mn-ea"/>
+                <a:cs typeface="+mn-cs"/>
+              </a:defRPr>
+            </a:lvl7pPr>
+            <a:lvl8pPr marL="3429000" indent="-228600" algn="l" defTabSz="457200" rtl="0" eaLnBrk="1" latinLnBrk="0" hangingPunct="1">
+              <a:spcBef>
+                <a:spcPct val="20000"/>
+              </a:spcBef>
+              <a:buFont typeface="Arial"/>
+              <a:buChar char="•"/>
+              <a:defRPr sz="2000" kern="1200">
+                <a:solidFill>
+                  <a:schemeClr val="tx1"/>
+                </a:solidFill>
+                <a:latin typeface="+mn-lt"/>
+                <a:ea typeface="+mn-ea"/>
+                <a:cs typeface="+mn-cs"/>
+              </a:defRPr>
+            </a:lvl8pPr>
+            <a:lvl9pPr marL="3886200" indent="-228600" algn="l" defTabSz="457200" rtl="0" eaLnBrk="1" latinLnBrk="0" hangingPunct="1">
+              <a:spcBef>
+                <a:spcPct val="20000"/>
+              </a:spcBef>
+              <a:buFont typeface="Arial"/>
+              <a:buChar char="•"/>
+              <a:defRPr sz="2000" kern="1200">
+                <a:solidFill>
+                  <a:schemeClr val="tx1"/>
+                </a:solidFill>
+                <a:latin typeface="+mn-lt"/>
+                <a:ea typeface="+mn-ea"/>
+                <a:cs typeface="+mn-cs"/>
+              </a:defRPr>
+            </a:lvl9pPr>
+          </a:lstStyle>
+          <a:p>
+            <a:r>
+              <a:rPr lang="ru-RU" sz="2800" b="1" dirty="0"/>
+              <a:t>Протокол взаимодействия</a:t>
+            </a:r>
+            <a:endParaRPr lang="en-US" sz="2800" b="1" dirty="0"/>
+          </a:p>
+          <a:p>
+            <a:pPr lvl="1"/>
+            <a:r>
+              <a:rPr lang="en-US" sz="2400" dirty="0"/>
+              <a:t>REST</a:t>
+            </a:r>
+          </a:p>
+          <a:p>
+            <a:pPr lvl="1"/>
+            <a:r>
+              <a:rPr lang="en-US" sz="2400" dirty="0"/>
+              <a:t>Messaging </a:t>
+            </a:r>
+          </a:p>
+          <a:p>
+            <a:pPr lvl="2"/>
+            <a:r>
+              <a:rPr lang="en-US" sz="2400" dirty="0"/>
+              <a:t>JMS</a:t>
+            </a:r>
+          </a:p>
+          <a:p>
+            <a:r>
+              <a:rPr lang="ru-RU" sz="2800" b="1" dirty="0" err="1"/>
+              <a:t>Версионирование</a:t>
+            </a:r>
+            <a:r>
+              <a:rPr lang="ru-RU" sz="2800" b="1" dirty="0"/>
+              <a:t> (</a:t>
+            </a:r>
+            <a:r>
+              <a:rPr lang="en-US" sz="2800" b="1" dirty="0"/>
+              <a:t>X.Y.Z)</a:t>
+            </a:r>
+          </a:p>
+          <a:p>
+            <a:r>
+              <a:rPr lang="ru-RU" sz="2800" b="1" dirty="0"/>
+              <a:t>Без состояния / </a:t>
+            </a:r>
+            <a:r>
+              <a:rPr lang="en-US" sz="2800" b="1" dirty="0"/>
+              <a:t>Stateless</a:t>
+            </a:r>
+            <a:endParaRPr lang="ru-RU" sz="2800" b="1" dirty="0"/>
+          </a:p>
+          <a:p>
+            <a:pPr lvl="1"/>
+            <a:r>
+              <a:rPr lang="ru-RU" sz="2400" dirty="0"/>
+              <a:t>Позволяет масштабироваться</a:t>
+            </a:r>
+          </a:p>
+        </p:txBody>
+      </p:sp>
+    </p:spTree>
+    <p:extLst>
+      <p:ext uri="{BB962C8B-B14F-4D97-AF65-F5344CB8AC3E}">
+        <p14:creationId xmlns:p14="http://schemas.microsoft.com/office/powerpoint/2010/main" val="98124298"/>
       </p:ext>
     </p:extLst>
   </p:cSld>
@@ -17946,299 +18949,6 @@
             <a:pPr algn="ctr"/>
             <a:r>
               <a:rPr lang="ru-RU" sz="3200" dirty="0"/>
-              <a:t>Взаимодействие сервисов</a:t>
-            </a:r>
-            <a:endParaRPr lang="en-US" dirty="0"/>
-          </a:p>
-        </p:txBody>
-      </p:sp>
-      <p:sp>
-        <p:nvSpPr>
-          <p:cNvPr id="5" name="Объект 2"/>
-          <p:cNvSpPr txBox="1">
-            <a:spLocks/>
-          </p:cNvSpPr>
-          <p:nvPr/>
-        </p:nvSpPr>
-        <p:spPr>
-          <a:xfrm>
-            <a:off x="457200" y="1190172"/>
-            <a:ext cx="8229600" cy="4935992"/>
-          </a:xfrm>
-          <a:prstGeom prst="rect">
-            <a:avLst/>
-          </a:prstGeom>
-        </p:spPr>
-        <p:txBody>
-          <a:bodyPr vert="horz" lIns="91440" tIns="45720" rIns="91440" bIns="45720" rtlCol="0">
-            <a:normAutofit/>
-          </a:bodyPr>
-          <a:lstStyle>
-            <a:lvl1pPr marL="173736" marR="0" indent="-173736" algn="l" defTabSz="457200" rtl="0" eaLnBrk="1" fontAlgn="auto" latinLnBrk="0" hangingPunct="1">
-              <a:lnSpc>
-                <a:spcPct val="120000"/>
-              </a:lnSpc>
-              <a:spcBef>
-                <a:spcPts val="0"/>
-              </a:spcBef>
-              <a:spcAft>
-                <a:spcPts val="1000"/>
-              </a:spcAft>
-              <a:buClr>
-                <a:schemeClr val="accent2"/>
-              </a:buClr>
-              <a:buSzTx/>
-              <a:buFont typeface="Arial"/>
-              <a:buChar char="•"/>
-              <a:tabLst/>
-              <a:defRPr sz="1600" kern="1200" baseline="0">
-                <a:solidFill>
-                  <a:schemeClr val="tx1"/>
-                </a:solidFill>
-                <a:latin typeface="Trebuchet MS"/>
-                <a:ea typeface="+mn-ea"/>
-                <a:cs typeface="Trebuchet MS"/>
-              </a:defRPr>
-            </a:lvl1pPr>
-            <a:lvl2pPr marL="742950" indent="-285750" algn="l" defTabSz="457200" rtl="0" eaLnBrk="1" latinLnBrk="0" hangingPunct="1">
-              <a:spcBef>
-                <a:spcPct val="20000"/>
-              </a:spcBef>
-              <a:buFont typeface="Arial"/>
-              <a:buChar char="–"/>
-              <a:defRPr sz="1600" kern="1200">
-                <a:solidFill>
-                  <a:schemeClr val="tx1"/>
-                </a:solidFill>
-                <a:latin typeface="Trebuchet MS"/>
-                <a:ea typeface="+mn-ea"/>
-                <a:cs typeface="Trebuchet MS"/>
-              </a:defRPr>
-            </a:lvl2pPr>
-            <a:lvl3pPr marL="1143000" indent="-228600" algn="l" defTabSz="457200" rtl="0" eaLnBrk="1" latinLnBrk="0" hangingPunct="1">
-              <a:spcBef>
-                <a:spcPct val="20000"/>
-              </a:spcBef>
-              <a:buFont typeface="Arial"/>
-              <a:buChar char="•"/>
-              <a:defRPr sz="1600" kern="1200">
-                <a:solidFill>
-                  <a:schemeClr val="tx1"/>
-                </a:solidFill>
-                <a:latin typeface="Trebuchet MS"/>
-                <a:ea typeface="+mn-ea"/>
-                <a:cs typeface="Trebuchet MS"/>
-              </a:defRPr>
-            </a:lvl3pPr>
-            <a:lvl4pPr marL="1600200" indent="-228600" algn="l" defTabSz="457200" rtl="0" eaLnBrk="1" latinLnBrk="0" hangingPunct="1">
-              <a:spcBef>
-                <a:spcPct val="20000"/>
-              </a:spcBef>
-              <a:buFont typeface="Arial"/>
-              <a:buChar char="–"/>
-              <a:defRPr sz="1600" kern="1200">
-                <a:solidFill>
-                  <a:schemeClr val="tx1"/>
-                </a:solidFill>
-                <a:latin typeface="Trebuchet MS"/>
-                <a:ea typeface="+mn-ea"/>
-                <a:cs typeface="Trebuchet MS"/>
-              </a:defRPr>
-            </a:lvl4pPr>
-            <a:lvl5pPr marL="2057400" indent="-228600" algn="l" defTabSz="457200" rtl="0" eaLnBrk="1" latinLnBrk="0" hangingPunct="1">
-              <a:spcBef>
-                <a:spcPct val="20000"/>
-              </a:spcBef>
-              <a:buFont typeface="Arial"/>
-              <a:buChar char="»"/>
-              <a:defRPr sz="1600" kern="1200">
-                <a:solidFill>
-                  <a:schemeClr val="tx1"/>
-                </a:solidFill>
-                <a:latin typeface="Trebuchet MS"/>
-                <a:ea typeface="+mn-ea"/>
-                <a:cs typeface="Trebuchet MS"/>
-              </a:defRPr>
-            </a:lvl5pPr>
-            <a:lvl6pPr marL="2514600" indent="-228600" algn="l" defTabSz="457200" rtl="0" eaLnBrk="1" latinLnBrk="0" hangingPunct="1">
-              <a:spcBef>
-                <a:spcPct val="20000"/>
-              </a:spcBef>
-              <a:buFont typeface="Arial"/>
-              <a:buChar char="•"/>
-              <a:defRPr sz="2000" kern="1200">
-                <a:solidFill>
-                  <a:schemeClr val="tx1"/>
-                </a:solidFill>
-                <a:latin typeface="+mn-lt"/>
-                <a:ea typeface="+mn-ea"/>
-                <a:cs typeface="+mn-cs"/>
-              </a:defRPr>
-            </a:lvl6pPr>
-            <a:lvl7pPr marL="2971800" indent="-228600" algn="l" defTabSz="457200" rtl="0" eaLnBrk="1" latinLnBrk="0" hangingPunct="1">
-              <a:spcBef>
-                <a:spcPct val="20000"/>
-              </a:spcBef>
-              <a:buFont typeface="Arial"/>
-              <a:buChar char="•"/>
-              <a:defRPr sz="2000" kern="1200">
-                <a:solidFill>
-                  <a:schemeClr val="tx1"/>
-                </a:solidFill>
-                <a:latin typeface="+mn-lt"/>
-                <a:ea typeface="+mn-ea"/>
-                <a:cs typeface="+mn-cs"/>
-              </a:defRPr>
-            </a:lvl7pPr>
-            <a:lvl8pPr marL="3429000" indent="-228600" algn="l" defTabSz="457200" rtl="0" eaLnBrk="1" latinLnBrk="0" hangingPunct="1">
-              <a:spcBef>
-                <a:spcPct val="20000"/>
-              </a:spcBef>
-              <a:buFont typeface="Arial"/>
-              <a:buChar char="•"/>
-              <a:defRPr sz="2000" kern="1200">
-                <a:solidFill>
-                  <a:schemeClr val="tx1"/>
-                </a:solidFill>
-                <a:latin typeface="+mn-lt"/>
-                <a:ea typeface="+mn-ea"/>
-                <a:cs typeface="+mn-cs"/>
-              </a:defRPr>
-            </a:lvl8pPr>
-            <a:lvl9pPr marL="3886200" indent="-228600" algn="l" defTabSz="457200" rtl="0" eaLnBrk="1" latinLnBrk="0" hangingPunct="1">
-              <a:spcBef>
-                <a:spcPct val="20000"/>
-              </a:spcBef>
-              <a:buFont typeface="Arial"/>
-              <a:buChar char="•"/>
-              <a:defRPr sz="2000" kern="1200">
-                <a:solidFill>
-                  <a:schemeClr val="tx1"/>
-                </a:solidFill>
-                <a:latin typeface="+mn-lt"/>
-                <a:ea typeface="+mn-ea"/>
-                <a:cs typeface="+mn-cs"/>
-              </a:defRPr>
-            </a:lvl9pPr>
-          </a:lstStyle>
-          <a:p>
-            <a:r>
-              <a:rPr lang="ru-RU" sz="2800" b="1" dirty="0"/>
-              <a:t>Протокол взаимодействия</a:t>
-            </a:r>
-            <a:endParaRPr lang="en-US" sz="2800" b="1" dirty="0"/>
-          </a:p>
-          <a:p>
-            <a:pPr lvl="1"/>
-            <a:r>
-              <a:rPr lang="en-US" sz="2400" dirty="0"/>
-              <a:t>REST</a:t>
-            </a:r>
-          </a:p>
-          <a:p>
-            <a:pPr lvl="1"/>
-            <a:r>
-              <a:rPr lang="en-US" sz="2400" dirty="0"/>
-              <a:t>Messaging </a:t>
-            </a:r>
-          </a:p>
-          <a:p>
-            <a:pPr lvl="2"/>
-            <a:r>
-              <a:rPr lang="en-US" sz="2400" dirty="0"/>
-              <a:t>JMS</a:t>
-            </a:r>
-          </a:p>
-          <a:p>
-            <a:r>
-              <a:rPr lang="ru-RU" sz="2800" b="1" dirty="0" err="1"/>
-              <a:t>Версионирование</a:t>
-            </a:r>
-            <a:r>
-              <a:rPr lang="ru-RU" sz="2800" b="1" dirty="0"/>
-              <a:t> (</a:t>
-            </a:r>
-            <a:r>
-              <a:rPr lang="en-US" sz="2800" b="1" dirty="0"/>
-              <a:t>X.Y.Z)</a:t>
-            </a:r>
-          </a:p>
-          <a:p>
-            <a:r>
-              <a:rPr lang="ru-RU" sz="2800" b="1" dirty="0"/>
-              <a:t>Без состояния / </a:t>
-            </a:r>
-            <a:r>
-              <a:rPr lang="en-US" sz="2800" b="1" dirty="0"/>
-              <a:t>Stateless</a:t>
-            </a:r>
-            <a:endParaRPr lang="ru-RU" sz="2800" b="1" dirty="0"/>
-          </a:p>
-          <a:p>
-            <a:pPr lvl="1"/>
-            <a:r>
-              <a:rPr lang="ru-RU" sz="2400" dirty="0"/>
-              <a:t>Позволяет масштабироваться</a:t>
-            </a:r>
-            <a:endParaRPr lang="ru-RU" sz="2400" dirty="0"/>
-          </a:p>
-        </p:txBody>
-      </p:sp>
-    </p:spTree>
-    <p:extLst>
-      <p:ext uri="{BB962C8B-B14F-4D97-AF65-F5344CB8AC3E}">
-        <p14:creationId xmlns:p14="http://schemas.microsoft.com/office/powerpoint/2010/main" val="98124298"/>
-      </p:ext>
-    </p:extLst>
-  </p:cSld>
-  <p:clrMapOvr>
-    <a:masterClrMapping/>
-  </p:clrMapOvr>
-  <p:timing>
-    <p:tnLst>
-      <p:par>
-        <p:cTn id="1" dur="indefinite" restart="never" nodeType="tmRoot"/>
-      </p:par>
-    </p:tnLst>
-  </p:timing>
-</p:sld>
-</file>
-
-<file path=ppt/slides/slide18.xml><?xml version="1.0" encoding="utf-8"?>
-<p:sld xmlns:a="http://schemas.openxmlformats.org/drawingml/2006/main" xmlns:r="http://schemas.openxmlformats.org/officeDocument/2006/relationships" xmlns:p="http://schemas.openxmlformats.org/presentationml/2006/main">
-  <p:cSld>
-    <p:spTree>
-      <p:nvGrpSpPr>
-        <p:cNvPr id="1" name=""/>
-        <p:cNvGrpSpPr/>
-        <p:nvPr/>
-      </p:nvGrpSpPr>
-      <p:grpSpPr>
-        <a:xfrm>
-          <a:off x="0" y="0"/>
-          <a:ext cx="0" cy="0"/>
-          <a:chOff x="0" y="0"/>
-          <a:chExt cx="0" cy="0"/>
-        </a:xfrm>
-      </p:grpSpPr>
-      <p:sp>
-        <p:nvSpPr>
-          <p:cNvPr id="4" name="Text Placeholder 3"/>
-          <p:cNvSpPr>
-            <a:spLocks noGrp="1"/>
-          </p:cNvSpPr>
-          <p:nvPr>
-            <p:ph type="body" sz="quarter" idx="10"/>
-          </p:nvPr>
-        </p:nvSpPr>
-        <p:spPr/>
-        <p:txBody>
-          <a:bodyPr/>
-          <a:lstStyle/>
-          <a:p>
-            <a:pPr algn="ctr"/>
-            <a:r>
-              <a:rPr lang="ru-RU" sz="3200" dirty="0"/>
               <a:t>Дизайн </a:t>
             </a:r>
             <a:r>
@@ -18498,7 +19208,7 @@
 </p:sld>
 </file>
 
-<file path=ppt/slides/slide19.xml><?xml version="1.0" encoding="utf-8"?>
+<file path=ppt/slides/slide18.xml><?xml version="1.0" encoding="utf-8"?>
 <p:sld xmlns:a="http://schemas.openxmlformats.org/drawingml/2006/main" xmlns:r="http://schemas.openxmlformats.org/officeDocument/2006/relationships" xmlns:p="http://schemas.openxmlformats.org/presentationml/2006/main">
   <p:cSld>
     <p:spTree>
@@ -18889,180 +19599,7 @@
 </p:sld>
 </file>
 
-<file path=ppt/slides/slide2.xml><?xml version="1.0" encoding="utf-8"?>
-<p:sld xmlns:a="http://schemas.openxmlformats.org/drawingml/2006/main" xmlns:r="http://schemas.openxmlformats.org/officeDocument/2006/relationships" xmlns:p="http://schemas.openxmlformats.org/presentationml/2006/main">
-  <p:cSld>
-    <p:spTree>
-      <p:nvGrpSpPr>
-        <p:cNvPr id="1" name=""/>
-        <p:cNvGrpSpPr/>
-        <p:nvPr/>
-      </p:nvGrpSpPr>
-      <p:grpSpPr>
-        <a:xfrm>
-          <a:off x="0" y="0"/>
-          <a:ext cx="0" cy="0"/>
-          <a:chOff x="0" y="0"/>
-          <a:chExt cx="0" cy="0"/>
-        </a:xfrm>
-      </p:grpSpPr>
-      <p:sp>
-        <p:nvSpPr>
-          <p:cNvPr id="12" name="Subtitle 11"/>
-          <p:cNvSpPr>
-            <a:spLocks noGrp="1"/>
-          </p:cNvSpPr>
-          <p:nvPr>
-            <p:ph type="subTitle" idx="1"/>
-          </p:nvPr>
-        </p:nvSpPr>
-        <p:spPr/>
-        <p:txBody>
-          <a:bodyPr/>
-          <a:lstStyle/>
-          <a:p>
-            <a:r>
-              <a:rPr lang="en-US" dirty="0" smtClean="0"/>
-              <a:t>January 1, 2015</a:t>
-            </a:r>
-          </a:p>
-          <a:p>
-            <a:endParaRPr lang="en-US" dirty="0"/>
-          </a:p>
-        </p:txBody>
-      </p:sp>
-      <p:sp>
-        <p:nvSpPr>
-          <p:cNvPr id="13" name="Text Placeholder 12"/>
-          <p:cNvSpPr>
-            <a:spLocks noGrp="1"/>
-          </p:cNvSpPr>
-          <p:nvPr>
-            <p:ph type="body" sz="quarter" idx="11"/>
-          </p:nvPr>
-        </p:nvSpPr>
-        <p:spPr>
-          <a:xfrm>
-            <a:off x="631825" y="4466209"/>
-            <a:ext cx="3360866" cy="360099"/>
-          </a:xfrm>
-        </p:spPr>
-        <p:txBody>
-          <a:bodyPr/>
-          <a:lstStyle/>
-          <a:p>
-            <a:r>
-              <a:rPr lang="en-US" dirty="0" smtClean="0"/>
-              <a:t>LOREM IPSUM SUBTITLE</a:t>
-            </a:r>
-            <a:endParaRPr lang="en-US" dirty="0"/>
-          </a:p>
-        </p:txBody>
-      </p:sp>
-      <p:pic>
-        <p:nvPicPr>
-          <p:cNvPr id="17" name="Picture Placeholder 16" descr="EPAM_LOGO_gray_blue.eps"/>
-          <p:cNvPicPr>
-            <a:picLocks noGrp="1" noChangeAspect="1"/>
-          </p:cNvPicPr>
-          <p:nvPr>
-            <p:ph type="pic" sz="quarter" idx="18"/>
-          </p:nvPr>
-        </p:nvPicPr>
-        <p:blipFill>
-          <a:blip r:embed="rId2">
-            <a:extLst>
-              <a:ext uri="{28A0092B-C50C-407E-A947-70E740481C1C}">
-                <a14:useLocalDpi xmlns:a14="http://schemas.microsoft.com/office/drawing/2010/main" val="0"/>
-              </a:ext>
-            </a:extLst>
-          </a:blip>
-          <a:srcRect t="-2046" b="-2046"/>
-          <a:stretch>
-            <a:fillRect/>
-          </a:stretch>
-        </p:blipFill>
-        <p:spPr>
-          <a:xfrm>
-            <a:off x="628650" y="504825"/>
-            <a:ext cx="1243013" cy="458788"/>
-          </a:xfrm>
-        </p:spPr>
-      </p:pic>
-      <p:pic>
-        <p:nvPicPr>
-          <p:cNvPr id="18" name="Picture Placeholder 17" descr="Sportcheck.png"/>
-          <p:cNvPicPr>
-            <a:picLocks noGrp="1" noChangeAspect="1"/>
-          </p:cNvPicPr>
-          <p:nvPr>
-            <p:ph type="pic" sz="quarter" idx="19"/>
-          </p:nvPr>
-        </p:nvPicPr>
-        <p:blipFill>
-          <a:blip r:embed="rId3">
-            <a:extLst>
-              <a:ext uri="{28A0092B-C50C-407E-A947-70E740481C1C}">
-                <a14:useLocalDpi xmlns:a14="http://schemas.microsoft.com/office/drawing/2010/main" val="0"/>
-              </a:ext>
-            </a:extLst>
-          </a:blip>
-          <a:srcRect t="1026" b="1026"/>
-          <a:stretch>
-            <a:fillRect/>
-          </a:stretch>
-        </p:blipFill>
-        <p:spPr/>
-      </p:pic>
-      <p:sp>
-        <p:nvSpPr>
-          <p:cNvPr id="14" name="Text Placeholder 13"/>
-          <p:cNvSpPr>
-            <a:spLocks noGrp="1"/>
-          </p:cNvSpPr>
-          <p:nvPr>
-            <p:ph type="body" sz="quarter" idx="15"/>
-          </p:nvPr>
-        </p:nvSpPr>
-        <p:spPr>
-          <a:xfrm>
-            <a:off x="631825" y="2075578"/>
-            <a:ext cx="6910388" cy="1122871"/>
-          </a:xfrm>
-        </p:spPr>
-        <p:txBody>
-          <a:bodyPr/>
-          <a:lstStyle/>
-          <a:p>
-            <a:r>
-              <a:rPr lang="en-US" dirty="0" smtClean="0"/>
-              <a:t>LOREM IPSUM DOLOR SIT AMET TEMPOR</a:t>
-            </a:r>
-            <a:endParaRPr lang="en-US" dirty="0"/>
-          </a:p>
-        </p:txBody>
-      </p:sp>
-    </p:spTree>
-    <p:extLst>
-      <p:ext uri="{BB962C8B-B14F-4D97-AF65-F5344CB8AC3E}">
-        <p14:creationId xmlns:p14="http://schemas.microsoft.com/office/powerpoint/2010/main" val="2079863264"/>
-      </p:ext>
-    </p:extLst>
-  </p:cSld>
-  <p:clrMapOvr>
-    <a:masterClrMapping/>
-  </p:clrMapOvr>
-  <p:timing>
-    <p:tnLst>
-      <p:par>
-        <p:cTn id="1" dur="indefinite" restart="never" nodeType="tmRoot"/>
-      </p:par>
-    </p:tnLst>
-  </p:timing>
-</p:sld>
-</file>
-
-<file path=ppt/slides/slide20.xml><?xml version="1.0" encoding="utf-8"?>
+<file path=ppt/slides/slide19.xml><?xml version="1.0" encoding="utf-8"?>
 <p:sld xmlns:a="http://schemas.openxmlformats.org/drawingml/2006/main" xmlns:r="http://schemas.openxmlformats.org/officeDocument/2006/relationships" xmlns:p="http://schemas.openxmlformats.org/presentationml/2006/main">
   <p:cSld>
     <p:spTree>
@@ -19356,7 +19893,157 @@
 </p:sld>
 </file>
 
-<file path=ppt/slides/slide21.xml><?xml version="1.0" encoding="utf-8"?>
+<file path=ppt/slides/slide2.xml><?xml version="1.0" encoding="utf-8"?>
+<p:sld xmlns:a="http://schemas.openxmlformats.org/drawingml/2006/main" xmlns:r="http://schemas.openxmlformats.org/officeDocument/2006/relationships" xmlns:p="http://schemas.openxmlformats.org/presentationml/2006/main">
+  <p:cSld>
+    <p:spTree>
+      <p:nvGrpSpPr>
+        <p:cNvPr id="1" name=""/>
+        <p:cNvGrpSpPr/>
+        <p:nvPr/>
+      </p:nvGrpSpPr>
+      <p:grpSpPr>
+        <a:xfrm>
+          <a:off x="0" y="0"/>
+          <a:ext cx="0" cy="0"/>
+          <a:chOff x="0" y="0"/>
+          <a:chExt cx="0" cy="0"/>
+        </a:xfrm>
+      </p:grpSpPr>
+      <p:sp>
+        <p:nvSpPr>
+          <p:cNvPr id="6" name="Text Placeholder 5"/>
+          <p:cNvSpPr>
+            <a:spLocks noGrp="1"/>
+          </p:cNvSpPr>
+          <p:nvPr>
+            <p:ph type="body" sz="quarter" idx="10"/>
+          </p:nvPr>
+        </p:nvSpPr>
+        <p:spPr>
+          <a:xfrm>
+            <a:off x="0" y="0"/>
+            <a:ext cx="9144000" cy="932688"/>
+          </a:xfrm>
+        </p:spPr>
+        <p:txBody>
+          <a:bodyPr>
+            <a:normAutofit/>
+          </a:bodyPr>
+          <a:lstStyle/>
+          <a:p>
+            <a:pPr algn="ctr"/>
+            <a:r>
+              <a:rPr lang="en-US" sz="3200" dirty="0"/>
+              <a:t>Agenda</a:t>
+            </a:r>
+          </a:p>
+        </p:txBody>
+      </p:sp>
+      <p:sp>
+        <p:nvSpPr>
+          <p:cNvPr id="8" name="Content Placeholder 7"/>
+          <p:cNvSpPr>
+            <a:spLocks noGrp="1"/>
+          </p:cNvSpPr>
+          <p:nvPr>
+            <p:ph idx="1"/>
+          </p:nvPr>
+        </p:nvSpPr>
+        <p:spPr/>
+        <p:txBody>
+          <a:bodyPr>
+            <a:normAutofit/>
+          </a:bodyPr>
+          <a:lstStyle/>
+          <a:p>
+            <a:pPr marL="285750" indent="-285750">
+              <a:lnSpc>
+                <a:spcPct val="150000"/>
+              </a:lnSpc>
+              <a:buFont typeface="Arial" pitchFamily="34" charset="0"/>
+              <a:buChar char="•"/>
+            </a:pPr>
+            <a:r>
+              <a:rPr lang="ru-RU" sz="3600" dirty="0"/>
+              <a:t>Что такое </a:t>
+            </a:r>
+            <a:r>
+              <a:rPr lang="ru-RU" sz="3600" dirty="0" err="1"/>
+              <a:t>микросервисы</a:t>
+            </a:r>
+            <a:r>
+              <a:rPr lang="ru-RU" sz="3600" dirty="0"/>
+              <a:t>?</a:t>
+            </a:r>
+          </a:p>
+          <a:p>
+            <a:pPr marL="285750" indent="-285750">
+              <a:lnSpc>
+                <a:spcPct val="150000"/>
+              </a:lnSpc>
+              <a:buFont typeface="Arial" pitchFamily="34" charset="0"/>
+              <a:buChar char="•"/>
+            </a:pPr>
+            <a:r>
+              <a:rPr lang="ru-RU" sz="3600" dirty="0"/>
+              <a:t>Ориентация на бизнес</a:t>
+            </a:r>
+          </a:p>
+          <a:p>
+            <a:pPr marL="285750" indent="-285750">
+              <a:lnSpc>
+                <a:spcPct val="150000"/>
+              </a:lnSpc>
+              <a:buFont typeface="Arial" pitchFamily="34" charset="0"/>
+              <a:buChar char="•"/>
+            </a:pPr>
+            <a:r>
+              <a:rPr lang="ru-RU" sz="3600" dirty="0"/>
+              <a:t>Инфраструктура</a:t>
+            </a:r>
+          </a:p>
+          <a:p>
+            <a:pPr marL="285750" indent="-285750">
+              <a:lnSpc>
+                <a:spcPct val="150000"/>
+              </a:lnSpc>
+              <a:buFont typeface="Arial" pitchFamily="34" charset="0"/>
+              <a:buChar char="•"/>
+            </a:pPr>
+            <a:r>
+              <a:rPr lang="ru-RU" sz="3600" b="1" dirty="0"/>
+              <a:t>Дизайн </a:t>
+            </a:r>
+            <a:r>
+              <a:rPr lang="ru-RU" sz="3600" b="1" dirty="0" err="1" smtClean="0"/>
+              <a:t>микросервисов</a:t>
+            </a:r>
+            <a:endParaRPr lang="ru-RU" sz="3600" dirty="0"/>
+          </a:p>
+        </p:txBody>
+      </p:sp>
+    </p:spTree>
+    <p:extLst>
+      <p:ext uri="{BB962C8B-B14F-4D97-AF65-F5344CB8AC3E}">
+        <p14:creationId xmlns:p14="http://schemas.microsoft.com/office/powerpoint/2010/main" val="4035246169"/>
+      </p:ext>
+    </p:extLst>
+  </p:cSld>
+  <p:clrMapOvr>
+    <a:masterClrMapping/>
+  </p:clrMapOvr>
+  <p:timing>
+    <p:tnLst>
+      <p:par>
+        <p:cTn id="1" dur="indefinite" restart="never" nodeType="tmRoot"/>
+      </p:par>
+    </p:tnLst>
+  </p:timing>
+</p:sld>
+</file>
+
+<file path=ppt/slides/slide20.xml><?xml version="1.0" encoding="utf-8"?>
 <p:sld xmlns:a="http://schemas.openxmlformats.org/drawingml/2006/main" xmlns:r="http://schemas.openxmlformats.org/officeDocument/2006/relationships" xmlns:p="http://schemas.openxmlformats.org/presentationml/2006/main">
   <p:cSld>
     <p:spTree>
@@ -19892,7 +20579,7 @@
 </p:sld>
 </file>
 
-<file path=ppt/slides/slide22.xml><?xml version="1.0" encoding="utf-8"?>
+<file path=ppt/slides/slide21.xml><?xml version="1.0" encoding="utf-8"?>
 <p:sld xmlns:a="http://schemas.openxmlformats.org/drawingml/2006/main" xmlns:r="http://schemas.openxmlformats.org/officeDocument/2006/relationships" xmlns:p="http://schemas.openxmlformats.org/presentationml/2006/main">
   <p:cSld>
     <p:spTree>
@@ -20697,7 +21384,7 @@
 </p:sld>
 </file>
 
-<file path=ppt/slides/slide23.xml><?xml version="1.0" encoding="utf-8"?>
+<file path=ppt/slides/slide22.xml><?xml version="1.0" encoding="utf-8"?>
 <p:sld xmlns:a="http://schemas.openxmlformats.org/drawingml/2006/main" xmlns:r="http://schemas.openxmlformats.org/officeDocument/2006/relationships" xmlns:p="http://schemas.openxmlformats.org/presentationml/2006/main">
   <p:cSld>
     <p:spTree>
@@ -20912,7 +21599,7 @@
 </p:sld>
 </file>
 
-<file path=ppt/slides/slide24.xml><?xml version="1.0" encoding="utf-8"?>
+<file path=ppt/slides/slide23.xml><?xml version="1.0" encoding="utf-8"?>
 <p:sld xmlns:a="http://schemas.openxmlformats.org/drawingml/2006/main" xmlns:r="http://schemas.openxmlformats.org/officeDocument/2006/relationships" xmlns:p="http://schemas.openxmlformats.org/presentationml/2006/main">
   <p:cSld>
     <p:spTree>
@@ -21218,7 +21905,7 @@
 </p:sld>
 </file>
 
-<file path=ppt/slides/slide25.xml><?xml version="1.0" encoding="utf-8"?>
+<file path=ppt/slides/slide24.xml><?xml version="1.0" encoding="utf-8"?>
 <p:sld xmlns:a="http://schemas.openxmlformats.org/drawingml/2006/main" xmlns:r="http://schemas.openxmlformats.org/officeDocument/2006/relationships" xmlns:p="http://schemas.openxmlformats.org/presentationml/2006/main">
   <p:cSld>
     <p:spTree>
@@ -22585,157 +23272,6 @@
       </p:grpSpPr>
       <p:sp>
         <p:nvSpPr>
-          <p:cNvPr id="6" name="Text Placeholder 5"/>
-          <p:cNvSpPr>
-            <a:spLocks noGrp="1"/>
-          </p:cNvSpPr>
-          <p:nvPr>
-            <p:ph type="body" sz="quarter" idx="10"/>
-          </p:nvPr>
-        </p:nvSpPr>
-        <p:spPr>
-          <a:xfrm>
-            <a:off x="0" y="0"/>
-            <a:ext cx="9144000" cy="932688"/>
-          </a:xfrm>
-        </p:spPr>
-        <p:txBody>
-          <a:bodyPr>
-            <a:normAutofit/>
-          </a:bodyPr>
-          <a:lstStyle/>
-          <a:p>
-            <a:pPr algn="ctr"/>
-            <a:r>
-              <a:rPr lang="en-US" sz="3200" dirty="0"/>
-              <a:t>Agenda</a:t>
-            </a:r>
-            <a:endParaRPr lang="en-US" sz="3200" dirty="0"/>
-          </a:p>
-        </p:txBody>
-      </p:sp>
-      <p:sp>
-        <p:nvSpPr>
-          <p:cNvPr id="8" name="Content Placeholder 7"/>
-          <p:cNvSpPr>
-            <a:spLocks noGrp="1"/>
-          </p:cNvSpPr>
-          <p:nvPr>
-            <p:ph idx="1"/>
-          </p:nvPr>
-        </p:nvSpPr>
-        <p:spPr/>
-        <p:txBody>
-          <a:bodyPr>
-            <a:normAutofit/>
-          </a:bodyPr>
-          <a:lstStyle/>
-          <a:p>
-            <a:pPr marL="285750" indent="-285750">
-              <a:lnSpc>
-                <a:spcPct val="150000"/>
-              </a:lnSpc>
-              <a:buFont typeface="Arial" pitchFamily="34" charset="0"/>
-              <a:buChar char="•"/>
-            </a:pPr>
-            <a:r>
-              <a:rPr lang="ru-RU" sz="3600" dirty="0"/>
-              <a:t>Что такое </a:t>
-            </a:r>
-            <a:r>
-              <a:rPr lang="ru-RU" sz="3600" dirty="0" err="1"/>
-              <a:t>микросервисы</a:t>
-            </a:r>
-            <a:r>
-              <a:rPr lang="ru-RU" sz="3600" dirty="0"/>
-              <a:t>?</a:t>
-            </a:r>
-          </a:p>
-          <a:p>
-            <a:pPr marL="285750" indent="-285750">
-              <a:lnSpc>
-                <a:spcPct val="150000"/>
-              </a:lnSpc>
-              <a:buFont typeface="Arial" pitchFamily="34" charset="0"/>
-              <a:buChar char="•"/>
-            </a:pPr>
-            <a:r>
-              <a:rPr lang="ru-RU" sz="3600" dirty="0"/>
-              <a:t>Ориентация на бизнес</a:t>
-            </a:r>
-          </a:p>
-          <a:p>
-            <a:pPr marL="285750" indent="-285750">
-              <a:lnSpc>
-                <a:spcPct val="150000"/>
-              </a:lnSpc>
-              <a:buFont typeface="Arial" pitchFamily="34" charset="0"/>
-              <a:buChar char="•"/>
-            </a:pPr>
-            <a:r>
-              <a:rPr lang="ru-RU" sz="3600" dirty="0"/>
-              <a:t>Инфраструктура</a:t>
-            </a:r>
-          </a:p>
-          <a:p>
-            <a:pPr marL="285750" indent="-285750">
-              <a:lnSpc>
-                <a:spcPct val="150000"/>
-              </a:lnSpc>
-              <a:buFont typeface="Arial" pitchFamily="34" charset="0"/>
-              <a:buChar char="•"/>
-            </a:pPr>
-            <a:r>
-              <a:rPr lang="ru-RU" sz="3600" b="1" dirty="0"/>
-              <a:t>Дизайн </a:t>
-            </a:r>
-            <a:r>
-              <a:rPr lang="ru-RU" sz="3600" b="1" dirty="0" err="1" smtClean="0"/>
-              <a:t>микросервисов</a:t>
-            </a:r>
-            <a:endParaRPr lang="ru-RU" sz="3600" dirty="0"/>
-          </a:p>
-        </p:txBody>
-      </p:sp>
-    </p:spTree>
-    <p:extLst>
-      <p:ext uri="{BB962C8B-B14F-4D97-AF65-F5344CB8AC3E}">
-        <p14:creationId xmlns:p14="http://schemas.microsoft.com/office/powerpoint/2010/main" val="4035246169"/>
-      </p:ext>
-    </p:extLst>
-  </p:cSld>
-  <p:clrMapOvr>
-    <a:masterClrMapping/>
-  </p:clrMapOvr>
-  <p:timing>
-    <p:tnLst>
-      <p:par>
-        <p:cTn id="1" dur="indefinite" restart="never" nodeType="tmRoot"/>
-      </p:par>
-    </p:tnLst>
-  </p:timing>
-</p:sld>
-</file>
-
-<file path=ppt/slides/slide4.xml><?xml version="1.0" encoding="utf-8"?>
-<p:sld xmlns:a="http://schemas.openxmlformats.org/drawingml/2006/main" xmlns:r="http://schemas.openxmlformats.org/officeDocument/2006/relationships" xmlns:p="http://schemas.openxmlformats.org/presentationml/2006/main">
-  <p:cSld>
-    <p:spTree>
-      <p:nvGrpSpPr>
-        <p:cNvPr id="1" name=""/>
-        <p:cNvGrpSpPr/>
-        <p:nvPr/>
-      </p:nvGrpSpPr>
-      <p:grpSpPr>
-        <a:xfrm>
-          <a:off x="0" y="0"/>
-          <a:ext cx="0" cy="0"/>
-          <a:chOff x="0" y="0"/>
-          <a:chExt cx="0" cy="0"/>
-        </a:xfrm>
-      </p:grpSpPr>
-      <p:sp>
-        <p:nvSpPr>
           <p:cNvPr id="4" name="Text Placeholder 3"/>
           <p:cNvSpPr>
             <a:spLocks noGrp="1"/>
@@ -23109,309 +23645,7 @@
 </p:sld>
 </file>
 
-<file path=ppt/slides/slide5.xml><?xml version="1.0" encoding="utf-8"?>
-<p:sld xmlns:a="http://schemas.openxmlformats.org/drawingml/2006/main" xmlns:r="http://schemas.openxmlformats.org/officeDocument/2006/relationships" xmlns:p="http://schemas.openxmlformats.org/presentationml/2006/main">
-  <p:cSld>
-    <p:spTree>
-      <p:nvGrpSpPr>
-        <p:cNvPr id="1" name=""/>
-        <p:cNvGrpSpPr/>
-        <p:nvPr/>
-      </p:nvGrpSpPr>
-      <p:grpSpPr>
-        <a:xfrm>
-          <a:off x="0" y="0"/>
-          <a:ext cx="0" cy="0"/>
-          <a:chOff x="0" y="0"/>
-          <a:chExt cx="0" cy="0"/>
-        </a:xfrm>
-      </p:grpSpPr>
-      <p:sp>
-        <p:nvSpPr>
-          <p:cNvPr id="4" name="Text Placeholder 3"/>
-          <p:cNvSpPr>
-            <a:spLocks noGrp="1"/>
-          </p:cNvSpPr>
-          <p:nvPr>
-            <p:ph type="body" sz="quarter" idx="10"/>
-          </p:nvPr>
-        </p:nvSpPr>
-        <p:spPr/>
-        <p:txBody>
-          <a:bodyPr>
-            <a:normAutofit/>
-          </a:bodyPr>
-          <a:lstStyle/>
-          <a:p>
-            <a:pPr algn="ctr"/>
-            <a:r>
-              <a:rPr lang="ru-RU" sz="2800" dirty="0"/>
-              <a:t>За и Против</a:t>
-            </a:r>
-            <a:endParaRPr lang="en-US" sz="2800" dirty="0"/>
-          </a:p>
-        </p:txBody>
-      </p:sp>
-      <p:sp>
-        <p:nvSpPr>
-          <p:cNvPr id="14" name="TextBox 13"/>
-          <p:cNvSpPr txBox="1"/>
-          <p:nvPr/>
-        </p:nvSpPr>
-        <p:spPr>
-          <a:xfrm>
-            <a:off x="395535" y="1271042"/>
-            <a:ext cx="4033589" cy="4616648"/>
-          </a:xfrm>
-          <a:prstGeom prst="rect">
-            <a:avLst/>
-          </a:prstGeom>
-          <a:noFill/>
-        </p:spPr>
-        <p:txBody>
-          <a:bodyPr wrap="square" rtlCol="0">
-            <a:spAutoFit/>
-          </a:bodyPr>
-          <a:lstStyle/>
-          <a:p>
-            <a:pPr>
-              <a:lnSpc>
-                <a:spcPct val="150000"/>
-              </a:lnSpc>
-            </a:pPr>
-            <a:r>
-              <a:rPr lang="ru-RU" sz="2800" dirty="0" smtClean="0">
-                <a:solidFill>
-                  <a:srgbClr val="FF0000"/>
-                </a:solidFill>
-              </a:rPr>
-              <a:t>+</a:t>
-            </a:r>
-            <a:r>
-              <a:rPr lang="ru-RU" sz="2800" dirty="0" smtClean="0"/>
-              <a:t> Протокол</a:t>
-            </a:r>
-          </a:p>
-          <a:p>
-            <a:pPr>
-              <a:lnSpc>
-                <a:spcPct val="150000"/>
-              </a:lnSpc>
-            </a:pPr>
-            <a:r>
-              <a:rPr lang="ru-RU" sz="2800" dirty="0" smtClean="0">
-                <a:solidFill>
-                  <a:srgbClr val="FF0000"/>
-                </a:solidFill>
-              </a:rPr>
-              <a:t>+</a:t>
-            </a:r>
-            <a:r>
-              <a:rPr lang="ru-RU" sz="2800" dirty="0" smtClean="0"/>
-              <a:t> Простота модуля</a:t>
-            </a:r>
-          </a:p>
-          <a:p>
-            <a:pPr>
-              <a:lnSpc>
-                <a:spcPct val="150000"/>
-              </a:lnSpc>
-            </a:pPr>
-            <a:r>
-              <a:rPr lang="ru-RU" sz="2800" dirty="0" smtClean="0">
-                <a:solidFill>
-                  <a:srgbClr val="FF0000"/>
-                </a:solidFill>
-              </a:rPr>
-              <a:t>+</a:t>
-            </a:r>
-            <a:r>
-              <a:rPr lang="ru-RU" sz="2800" dirty="0" smtClean="0"/>
-              <a:t> Скорость разработки</a:t>
-            </a:r>
-          </a:p>
-          <a:p>
-            <a:pPr>
-              <a:lnSpc>
-                <a:spcPct val="150000"/>
-              </a:lnSpc>
-            </a:pPr>
-            <a:r>
-              <a:rPr lang="ru-RU" sz="2800" dirty="0" smtClean="0">
-                <a:solidFill>
-                  <a:srgbClr val="FF0000"/>
-                </a:solidFill>
-              </a:rPr>
-              <a:t>+</a:t>
-            </a:r>
-            <a:r>
-              <a:rPr lang="ru-RU" sz="2800" dirty="0" smtClean="0"/>
-              <a:t> Независимость</a:t>
-            </a:r>
-          </a:p>
-          <a:p>
-            <a:pPr>
-              <a:lnSpc>
-                <a:spcPct val="150000"/>
-              </a:lnSpc>
-            </a:pPr>
-            <a:r>
-              <a:rPr lang="ru-RU" sz="2800" dirty="0"/>
-              <a:t> </a:t>
-            </a:r>
-            <a:r>
-              <a:rPr lang="ru-RU" sz="2800" dirty="0" smtClean="0"/>
-              <a:t>      команд</a:t>
-            </a:r>
-          </a:p>
-          <a:p>
-            <a:pPr>
-              <a:lnSpc>
-                <a:spcPct val="150000"/>
-              </a:lnSpc>
-            </a:pPr>
-            <a:r>
-              <a:rPr lang="ru-RU" sz="2800" dirty="0" smtClean="0"/>
-              <a:t>       технологий</a:t>
-            </a:r>
-          </a:p>
-          <a:p>
-            <a:pPr>
-              <a:lnSpc>
-                <a:spcPct val="150000"/>
-              </a:lnSpc>
-            </a:pPr>
-            <a:endParaRPr lang="ru-RU" sz="2800" dirty="0"/>
-          </a:p>
-        </p:txBody>
-      </p:sp>
-      <p:sp>
-        <p:nvSpPr>
-          <p:cNvPr id="15" name="TextBox 14"/>
-          <p:cNvSpPr txBox="1"/>
-          <p:nvPr/>
-        </p:nvSpPr>
-        <p:spPr>
-          <a:xfrm>
-            <a:off x="4371975" y="1271042"/>
-            <a:ext cx="5038725" cy="2677656"/>
-          </a:xfrm>
-          <a:prstGeom prst="rect">
-            <a:avLst/>
-          </a:prstGeom>
-          <a:noFill/>
-        </p:spPr>
-        <p:txBody>
-          <a:bodyPr wrap="square" rtlCol="0">
-            <a:spAutoFit/>
-          </a:bodyPr>
-          <a:lstStyle/>
-          <a:p>
-            <a:pPr>
-              <a:lnSpc>
-                <a:spcPct val="150000"/>
-              </a:lnSpc>
-            </a:pPr>
-            <a:r>
-              <a:rPr lang="ru-RU" sz="2800" b="1" dirty="0" smtClean="0">
-                <a:solidFill>
-                  <a:srgbClr val="FF0000"/>
-                </a:solidFill>
-              </a:rPr>
-              <a:t>-</a:t>
-            </a:r>
-            <a:r>
-              <a:rPr lang="ru-RU" sz="2800" dirty="0" smtClean="0"/>
-              <a:t> Подверженность ошибкам</a:t>
-            </a:r>
-          </a:p>
-          <a:p>
-            <a:pPr>
-              <a:lnSpc>
-                <a:spcPct val="150000"/>
-              </a:lnSpc>
-            </a:pPr>
-            <a:r>
-              <a:rPr lang="ru-RU" sz="2800" b="1" dirty="0" smtClean="0">
-                <a:solidFill>
-                  <a:srgbClr val="FF0000"/>
-                </a:solidFill>
-              </a:rPr>
-              <a:t>-</a:t>
-            </a:r>
-            <a:r>
-              <a:rPr lang="ru-RU" sz="2800" dirty="0" smtClean="0"/>
-              <a:t> Практики </a:t>
-            </a:r>
-            <a:r>
-              <a:rPr lang="en-US" sz="2800" dirty="0" err="1" smtClean="0"/>
-              <a:t>DevOps</a:t>
-            </a:r>
-            <a:endParaRPr lang="en-US" sz="2800" dirty="0" smtClean="0"/>
-          </a:p>
-          <a:p>
-            <a:pPr>
-              <a:lnSpc>
-                <a:spcPct val="150000"/>
-              </a:lnSpc>
-            </a:pPr>
-            <a:r>
-              <a:rPr lang="ru-RU" sz="2800" b="1" dirty="0" smtClean="0">
-                <a:solidFill>
-                  <a:srgbClr val="FF0000"/>
-                </a:solidFill>
-              </a:rPr>
-              <a:t>-</a:t>
-            </a:r>
-            <a:r>
-              <a:rPr lang="ru-RU" sz="2800" dirty="0" smtClean="0"/>
-              <a:t> Сложность </a:t>
-            </a:r>
-            <a:r>
-              <a:rPr lang="ru-RU" sz="2800" dirty="0" smtClean="0"/>
-              <a:t>разработки</a:t>
-            </a:r>
-            <a:endParaRPr lang="ru-RU" sz="2800" dirty="0" smtClean="0"/>
-          </a:p>
-          <a:p>
-            <a:pPr lvl="1">
-              <a:lnSpc>
-                <a:spcPct val="150000"/>
-              </a:lnSpc>
-            </a:pPr>
-            <a:r>
-              <a:rPr lang="ru-RU" sz="2800" dirty="0"/>
-              <a:t>	</a:t>
-            </a:r>
-            <a:r>
-              <a:rPr lang="ru-RU" sz="2800" dirty="0" smtClean="0"/>
-              <a:t>системы</a:t>
-            </a:r>
-            <a:endParaRPr lang="ru-RU" sz="2800" dirty="0"/>
-          </a:p>
-        </p:txBody>
-      </p:sp>
-    </p:spTree>
-    <p:extLst>
-      <p:ext uri="{BB962C8B-B14F-4D97-AF65-F5344CB8AC3E}">
-        <p14:creationId xmlns:p14="http://schemas.microsoft.com/office/powerpoint/2010/main" val="2095294556"/>
-      </p:ext>
-    </p:extLst>
-  </p:cSld>
-  <p:clrMapOvr>
-    <a:masterClrMapping/>
-  </p:clrMapOvr>
-  <p:timing>
-    <p:tnLst>
-      <p:par>
-        <p:cTn id="1" dur="indefinite" restart="never" nodeType="tmRoot"/>
-      </p:par>
-    </p:tnLst>
-  </p:timing>
-</p:sld>
-</file>
-
-<file path=ppt/slides/slide6.xml><?xml version="1.0" encoding="utf-8"?>
+<file path=ppt/slides/slide4.xml><?xml version="1.0" encoding="utf-8"?>
 <p:sld xmlns:a="http://schemas.openxmlformats.org/drawingml/2006/main" xmlns:r="http://schemas.openxmlformats.org/officeDocument/2006/relationships" xmlns:p="http://schemas.openxmlformats.org/presentationml/2006/main">
   <p:cSld>
     <p:spTree>
@@ -23775,7 +24009,11 @@
             <a:pPr algn="ctr"/>
             <a:r>
               <a:rPr lang="ru-RU" dirty="0" smtClean="0"/>
-              <a:t>Справочники Издателей</a:t>
+              <a:t>Справочник </a:t>
+            </a:r>
+            <a:r>
+              <a:rPr lang="ru-RU" dirty="0" smtClean="0"/>
+              <a:t>Издателей</a:t>
             </a:r>
             <a:endParaRPr lang="ru-RU" dirty="0"/>
           </a:p>
@@ -23855,7 +24093,7 @@
 </p:sld>
 </file>
 
-<file path=ppt/slides/slide7.xml><?xml version="1.0" encoding="utf-8"?>
+<file path=ppt/slides/slide5.xml><?xml version="1.0" encoding="utf-8"?>
 <p:sld xmlns:a="http://schemas.openxmlformats.org/drawingml/2006/main" xmlns:r="http://schemas.openxmlformats.org/officeDocument/2006/relationships" xmlns:p="http://schemas.openxmlformats.org/presentationml/2006/main">
   <p:cSld>
     <p:spTree>
@@ -24394,7 +24632,7 @@
 </p:sld>
 </file>
 
-<file path=ppt/slides/slide8.xml><?xml version="1.0" encoding="utf-8"?>
+<file path=ppt/slides/slide6.xml><?xml version="1.0" encoding="utf-8"?>
 <p:sld xmlns:a="http://schemas.openxmlformats.org/drawingml/2006/main" xmlns:r="http://schemas.openxmlformats.org/officeDocument/2006/relationships" xmlns:p="http://schemas.openxmlformats.org/presentationml/2006/main">
   <p:cSld>
     <p:spTree>
@@ -25500,6 +25738,522 @@
 </p:sld>
 </file>
 
+<file path=ppt/slides/slide7.xml><?xml version="1.0" encoding="utf-8"?>
+<p:sld xmlns:a="http://schemas.openxmlformats.org/drawingml/2006/main" xmlns:r="http://schemas.openxmlformats.org/officeDocument/2006/relationships" xmlns:p="http://schemas.openxmlformats.org/presentationml/2006/main">
+  <p:cSld>
+    <p:spTree>
+      <p:nvGrpSpPr>
+        <p:cNvPr id="1" name=""/>
+        <p:cNvGrpSpPr/>
+        <p:nvPr/>
+      </p:nvGrpSpPr>
+      <p:grpSpPr>
+        <a:xfrm>
+          <a:off x="0" y="0"/>
+          <a:ext cx="0" cy="0"/>
+          <a:chOff x="0" y="0"/>
+          <a:chExt cx="0" cy="0"/>
+        </a:xfrm>
+      </p:grpSpPr>
+      <p:sp>
+        <p:nvSpPr>
+          <p:cNvPr id="4" name="Text Placeholder 3"/>
+          <p:cNvSpPr>
+            <a:spLocks noGrp="1"/>
+          </p:cNvSpPr>
+          <p:nvPr>
+            <p:ph type="body" sz="quarter" idx="10"/>
+          </p:nvPr>
+        </p:nvSpPr>
+        <p:spPr/>
+        <p:txBody>
+          <a:bodyPr>
+            <a:normAutofit/>
+          </a:bodyPr>
+          <a:lstStyle/>
+          <a:p>
+            <a:pPr algn="ctr"/>
+            <a:r>
+              <a:rPr lang="ru-RU" sz="2800" dirty="0"/>
+              <a:t>За и Против</a:t>
+            </a:r>
+            <a:endParaRPr lang="en-US" sz="2800" dirty="0"/>
+          </a:p>
+        </p:txBody>
+      </p:sp>
+      <p:sp>
+        <p:nvSpPr>
+          <p:cNvPr id="14" name="TextBox 13"/>
+          <p:cNvSpPr txBox="1"/>
+          <p:nvPr/>
+        </p:nvSpPr>
+        <p:spPr>
+          <a:xfrm>
+            <a:off x="395535" y="1271042"/>
+            <a:ext cx="4033589" cy="4616648"/>
+          </a:xfrm>
+          <a:prstGeom prst="rect">
+            <a:avLst/>
+          </a:prstGeom>
+          <a:noFill/>
+        </p:spPr>
+        <p:txBody>
+          <a:bodyPr wrap="square" rtlCol="0">
+            <a:spAutoFit/>
+          </a:bodyPr>
+          <a:lstStyle/>
+          <a:p>
+            <a:pPr>
+              <a:lnSpc>
+                <a:spcPct val="150000"/>
+              </a:lnSpc>
+            </a:pPr>
+            <a:r>
+              <a:rPr lang="ru-RU" sz="2800" dirty="0" smtClean="0">
+                <a:solidFill>
+                  <a:srgbClr val="FF0000"/>
+                </a:solidFill>
+              </a:rPr>
+              <a:t>+</a:t>
+            </a:r>
+            <a:r>
+              <a:rPr lang="ru-RU" sz="2800" dirty="0" smtClean="0"/>
+              <a:t> Протокол</a:t>
+            </a:r>
+          </a:p>
+          <a:p>
+            <a:pPr>
+              <a:lnSpc>
+                <a:spcPct val="150000"/>
+              </a:lnSpc>
+            </a:pPr>
+            <a:r>
+              <a:rPr lang="ru-RU" sz="2800" dirty="0" smtClean="0">
+                <a:solidFill>
+                  <a:srgbClr val="FF0000"/>
+                </a:solidFill>
+              </a:rPr>
+              <a:t>+</a:t>
+            </a:r>
+            <a:r>
+              <a:rPr lang="ru-RU" sz="2800" dirty="0" smtClean="0"/>
+              <a:t> Простота модуля</a:t>
+            </a:r>
+          </a:p>
+          <a:p>
+            <a:pPr>
+              <a:lnSpc>
+                <a:spcPct val="150000"/>
+              </a:lnSpc>
+            </a:pPr>
+            <a:r>
+              <a:rPr lang="ru-RU" sz="2800" dirty="0" smtClean="0">
+                <a:solidFill>
+                  <a:srgbClr val="FF0000"/>
+                </a:solidFill>
+              </a:rPr>
+              <a:t>+</a:t>
+            </a:r>
+            <a:r>
+              <a:rPr lang="ru-RU" sz="2800" dirty="0" smtClean="0"/>
+              <a:t> Скорость разработки</a:t>
+            </a:r>
+          </a:p>
+          <a:p>
+            <a:pPr>
+              <a:lnSpc>
+                <a:spcPct val="150000"/>
+              </a:lnSpc>
+            </a:pPr>
+            <a:r>
+              <a:rPr lang="ru-RU" sz="2800" dirty="0" smtClean="0">
+                <a:solidFill>
+                  <a:srgbClr val="FF0000"/>
+                </a:solidFill>
+              </a:rPr>
+              <a:t>+</a:t>
+            </a:r>
+            <a:r>
+              <a:rPr lang="ru-RU" sz="2800" dirty="0" smtClean="0"/>
+              <a:t> Независимость</a:t>
+            </a:r>
+          </a:p>
+          <a:p>
+            <a:pPr>
+              <a:lnSpc>
+                <a:spcPct val="150000"/>
+              </a:lnSpc>
+            </a:pPr>
+            <a:r>
+              <a:rPr lang="ru-RU" sz="2800" dirty="0"/>
+              <a:t> </a:t>
+            </a:r>
+            <a:r>
+              <a:rPr lang="ru-RU" sz="2800" dirty="0" smtClean="0"/>
+              <a:t>      команд</a:t>
+            </a:r>
+          </a:p>
+          <a:p>
+            <a:pPr>
+              <a:lnSpc>
+                <a:spcPct val="150000"/>
+              </a:lnSpc>
+            </a:pPr>
+            <a:r>
+              <a:rPr lang="ru-RU" sz="2800" dirty="0" smtClean="0"/>
+              <a:t>       технологий</a:t>
+            </a:r>
+          </a:p>
+          <a:p>
+            <a:pPr>
+              <a:lnSpc>
+                <a:spcPct val="150000"/>
+              </a:lnSpc>
+            </a:pPr>
+            <a:endParaRPr lang="ru-RU" sz="2800" dirty="0"/>
+          </a:p>
+        </p:txBody>
+      </p:sp>
+      <p:sp>
+        <p:nvSpPr>
+          <p:cNvPr id="15" name="TextBox 14"/>
+          <p:cNvSpPr txBox="1"/>
+          <p:nvPr/>
+        </p:nvSpPr>
+        <p:spPr>
+          <a:xfrm>
+            <a:off x="4371975" y="1271042"/>
+            <a:ext cx="5038725" cy="3970318"/>
+          </a:xfrm>
+          <a:prstGeom prst="rect">
+            <a:avLst/>
+          </a:prstGeom>
+          <a:noFill/>
+        </p:spPr>
+        <p:txBody>
+          <a:bodyPr wrap="square" rtlCol="0">
+            <a:spAutoFit/>
+          </a:bodyPr>
+          <a:lstStyle/>
+          <a:p>
+            <a:pPr>
+              <a:lnSpc>
+                <a:spcPct val="150000"/>
+              </a:lnSpc>
+            </a:pPr>
+            <a:r>
+              <a:rPr lang="ru-RU" sz="2800" b="1" dirty="0" smtClean="0">
+                <a:solidFill>
+                  <a:srgbClr val="FF0000"/>
+                </a:solidFill>
+              </a:rPr>
+              <a:t>-</a:t>
+            </a:r>
+            <a:r>
+              <a:rPr lang="ru-RU" sz="2800" dirty="0" smtClean="0"/>
+              <a:t> Подверженность ошибкам</a:t>
+            </a:r>
+          </a:p>
+          <a:p>
+            <a:pPr>
+              <a:lnSpc>
+                <a:spcPct val="150000"/>
+              </a:lnSpc>
+            </a:pPr>
+            <a:r>
+              <a:rPr lang="ru-RU" sz="2800" b="1" dirty="0" smtClean="0">
+                <a:solidFill>
+                  <a:srgbClr val="FF0000"/>
+                </a:solidFill>
+              </a:rPr>
+              <a:t>-</a:t>
+            </a:r>
+            <a:r>
+              <a:rPr lang="ru-RU" sz="2800" dirty="0" smtClean="0"/>
+              <a:t> Сложность </a:t>
+            </a:r>
+          </a:p>
+          <a:p>
+            <a:pPr>
+              <a:lnSpc>
+                <a:spcPct val="150000"/>
+              </a:lnSpc>
+            </a:pPr>
+            <a:r>
+              <a:rPr lang="ru-RU" sz="2800" dirty="0" smtClean="0"/>
+              <a:t>		системы</a:t>
+            </a:r>
+          </a:p>
+          <a:p>
+            <a:pPr>
+              <a:lnSpc>
+                <a:spcPct val="150000"/>
+              </a:lnSpc>
+            </a:pPr>
+            <a:r>
+              <a:rPr lang="ru-RU" sz="2800" dirty="0" smtClean="0"/>
+              <a:t>	    разработки</a:t>
+            </a:r>
+          </a:p>
+          <a:p>
+            <a:pPr marL="0" lvl="1">
+              <a:lnSpc>
+                <a:spcPct val="150000"/>
+              </a:lnSpc>
+            </a:pPr>
+            <a:r>
+              <a:rPr lang="ru-RU" sz="2800" b="1" dirty="0" smtClean="0">
+                <a:solidFill>
+                  <a:srgbClr val="FF0000"/>
+                </a:solidFill>
+              </a:rPr>
+              <a:t>-</a:t>
+            </a:r>
+            <a:r>
+              <a:rPr lang="ru-RU" sz="2800" dirty="0" smtClean="0"/>
+              <a:t> Практики </a:t>
+            </a:r>
+            <a:r>
+              <a:rPr lang="en-US" sz="2800" dirty="0" err="1"/>
+              <a:t>DevOps</a:t>
+            </a:r>
+            <a:endParaRPr lang="en-US" sz="2800" dirty="0"/>
+          </a:p>
+          <a:p>
+            <a:pPr lvl="1">
+              <a:lnSpc>
+                <a:spcPct val="150000"/>
+              </a:lnSpc>
+            </a:pPr>
+            <a:endParaRPr lang="ru-RU" sz="2800" dirty="0"/>
+          </a:p>
+        </p:txBody>
+      </p:sp>
+    </p:spTree>
+    <p:extLst>
+      <p:ext uri="{BB962C8B-B14F-4D97-AF65-F5344CB8AC3E}">
+        <p14:creationId xmlns:p14="http://schemas.microsoft.com/office/powerpoint/2010/main" val="2095294556"/>
+      </p:ext>
+    </p:extLst>
+  </p:cSld>
+  <p:clrMapOvr>
+    <a:masterClrMapping/>
+  </p:clrMapOvr>
+  <p:timing>
+    <p:tnLst>
+      <p:par>
+        <p:cTn id="1" dur="indefinite" restart="never" nodeType="tmRoot"/>
+      </p:par>
+    </p:tnLst>
+  </p:timing>
+</p:sld>
+</file>
+
+<file path=ppt/slides/slide8.xml><?xml version="1.0" encoding="utf-8"?>
+<p:sld xmlns:a="http://schemas.openxmlformats.org/drawingml/2006/main" xmlns:r="http://schemas.openxmlformats.org/officeDocument/2006/relationships" xmlns:p="http://schemas.openxmlformats.org/presentationml/2006/main">
+  <p:cSld>
+    <p:spTree>
+      <p:nvGrpSpPr>
+        <p:cNvPr id="1" name=""/>
+        <p:cNvGrpSpPr/>
+        <p:nvPr/>
+      </p:nvGrpSpPr>
+      <p:grpSpPr>
+        <a:xfrm>
+          <a:off x="0" y="0"/>
+          <a:ext cx="0" cy="0"/>
+          <a:chOff x="0" y="0"/>
+          <a:chExt cx="0" cy="0"/>
+        </a:xfrm>
+      </p:grpSpPr>
+      <p:sp>
+        <p:nvSpPr>
+          <p:cNvPr id="4" name="Text Placeholder 3"/>
+          <p:cNvSpPr>
+            <a:spLocks noGrp="1"/>
+          </p:cNvSpPr>
+          <p:nvPr>
+            <p:ph type="body" sz="quarter" idx="10"/>
+          </p:nvPr>
+        </p:nvSpPr>
+        <p:spPr/>
+        <p:txBody>
+          <a:bodyPr>
+            <a:normAutofit/>
+          </a:bodyPr>
+          <a:lstStyle/>
+          <a:p>
+            <a:pPr algn="ctr"/>
+            <a:r>
+              <a:rPr lang="ru-RU" sz="3200" u="sng" dirty="0" err="1"/>
+              <a:t>Business</a:t>
+            </a:r>
+            <a:r>
+              <a:rPr lang="ru-RU" sz="3200" u="sng" dirty="0"/>
+              <a:t> </a:t>
+            </a:r>
+            <a:r>
+              <a:rPr lang="ru-RU" sz="3200" u="sng" dirty="0" err="1"/>
+              <a:t>Capabilities</a:t>
+            </a:r>
+            <a:endParaRPr lang="en-US" sz="3200" dirty="0"/>
+          </a:p>
+        </p:txBody>
+      </p:sp>
+      <p:sp>
+        <p:nvSpPr>
+          <p:cNvPr id="50" name="Объект 2"/>
+          <p:cNvSpPr>
+            <a:spLocks noGrp="1"/>
+          </p:cNvSpPr>
+          <p:nvPr>
+            <p:ph idx="1"/>
+          </p:nvPr>
+        </p:nvSpPr>
+        <p:spPr>
+          <a:xfrm>
+            <a:off x="457200" y="1600200"/>
+            <a:ext cx="8229600" cy="4525963"/>
+          </a:xfrm>
+        </p:spPr>
+        <p:txBody>
+          <a:bodyPr>
+            <a:normAutofit fontScale="92500"/>
+          </a:bodyPr>
+          <a:lstStyle/>
+          <a:p>
+            <a:pPr marL="0" indent="0">
+              <a:buNone/>
+            </a:pPr>
+            <a:r>
+              <a:rPr lang="ru-RU" sz="3200" u="sng" dirty="0" smtClean="0"/>
+              <a:t>Организация </a:t>
+            </a:r>
+            <a:r>
+              <a:rPr lang="ru-RU" sz="3200" u="sng" dirty="0"/>
+              <a:t>вокруг </a:t>
+            </a:r>
+            <a:r>
+              <a:rPr lang="ru-RU" sz="3200" u="sng" dirty="0" smtClean="0"/>
+              <a:t>потребностей бизнеса</a:t>
+            </a:r>
+            <a:endParaRPr lang="en-US" sz="3200" u="sng" dirty="0" smtClean="0"/>
+          </a:p>
+          <a:p>
+            <a:pPr marL="0" indent="0">
+              <a:buNone/>
+            </a:pPr>
+            <a:r>
+              <a:rPr lang="en-US" sz="3200" dirty="0" smtClean="0"/>
+              <a:t>- </a:t>
+            </a:r>
+            <a:r>
+              <a:rPr lang="ru-RU" sz="3200" dirty="0" smtClean="0"/>
+              <a:t>Разные </a:t>
+            </a:r>
+            <a:r>
+              <a:rPr lang="ru-RU" sz="3200" dirty="0" smtClean="0"/>
+              <a:t>сервисы </a:t>
+            </a:r>
+            <a:r>
+              <a:rPr lang="ru-RU" sz="3200" dirty="0" smtClean="0"/>
+              <a:t>под разные нужды</a:t>
+            </a:r>
+            <a:endParaRPr lang="en-US" sz="3200" dirty="0" smtClean="0"/>
+          </a:p>
+          <a:p>
+            <a:pPr marL="0" indent="0">
+              <a:buNone/>
+            </a:pPr>
+            <a:r>
+              <a:rPr lang="en-US" sz="2800" dirty="0"/>
+              <a:t>	</a:t>
+            </a:r>
+            <a:r>
+              <a:rPr lang="en-US" sz="2800" dirty="0" smtClean="0"/>
+              <a:t>- </a:t>
+            </a:r>
+            <a:r>
+              <a:rPr lang="ru-RU" sz="2800" dirty="0" smtClean="0"/>
+              <a:t>отчеты</a:t>
+            </a:r>
+            <a:endParaRPr lang="en-US" sz="2800" dirty="0" smtClean="0"/>
+          </a:p>
+          <a:p>
+            <a:pPr marL="0" indent="0">
+              <a:buNone/>
+            </a:pPr>
+            <a:r>
+              <a:rPr lang="en-US" sz="2800" dirty="0"/>
+              <a:t>	</a:t>
+            </a:r>
+            <a:r>
+              <a:rPr lang="en-US" sz="2800" dirty="0" smtClean="0"/>
+              <a:t>- </a:t>
+            </a:r>
+            <a:r>
+              <a:rPr lang="ru-RU" sz="2800" dirty="0" smtClean="0"/>
+              <a:t>кредитки</a:t>
+            </a:r>
+          </a:p>
+          <a:p>
+            <a:pPr>
+              <a:buFontTx/>
+              <a:buChar char="-"/>
+            </a:pPr>
+            <a:r>
+              <a:rPr lang="ru-RU" sz="3200" dirty="0" smtClean="0"/>
+              <a:t>Отдельные команды</a:t>
+            </a:r>
+          </a:p>
+          <a:p>
+            <a:pPr lvl="1">
+              <a:buFontTx/>
+              <a:buChar char="-"/>
+            </a:pPr>
+            <a:r>
+              <a:rPr lang="ru-RU" sz="2400" dirty="0" smtClean="0"/>
+              <a:t>Поддержка на </a:t>
+            </a:r>
+            <a:r>
+              <a:rPr lang="ru-RU" sz="2400" dirty="0" err="1" smtClean="0"/>
+              <a:t>продакшене</a:t>
+            </a:r>
+            <a:endParaRPr lang="ru-RU" sz="2400" dirty="0" smtClean="0"/>
+          </a:p>
+          <a:p>
+            <a:pPr lvl="2">
+              <a:buFontTx/>
+              <a:buChar char="-"/>
+            </a:pPr>
+            <a:r>
+              <a:rPr lang="ru-RU" sz="2400" dirty="0" smtClean="0"/>
+              <a:t>Создание вспомогательных утилит</a:t>
+            </a:r>
+            <a:endParaRPr lang="en-US" sz="2400" dirty="0" smtClean="0"/>
+          </a:p>
+        </p:txBody>
+      </p:sp>
+    </p:spTree>
+    <p:extLst>
+      <p:ext uri="{BB962C8B-B14F-4D97-AF65-F5344CB8AC3E}">
+        <p14:creationId xmlns:p14="http://schemas.microsoft.com/office/powerpoint/2010/main" val="1308326633"/>
+      </p:ext>
+    </p:extLst>
+  </p:cSld>
+  <p:clrMapOvr>
+    <a:masterClrMapping/>
+  </p:clrMapOvr>
+  <p:timing>
+    <p:tnLst>
+      <p:par>
+        <p:cTn id="1" dur="indefinite" restart="never" nodeType="tmRoot"/>
+      </p:par>
+    </p:tnLst>
+  </p:timing>
+</p:sld>
+</file>
+
 <file path=ppt/slides/slide9.xml><?xml version="1.0" encoding="utf-8"?>
 <p:sld xmlns:a="http://schemas.openxmlformats.org/drawingml/2006/main" xmlns:r="http://schemas.openxmlformats.org/officeDocument/2006/relationships" xmlns:p="http://schemas.openxmlformats.org/presentationml/2006/main">
   <p:cSld>
@@ -25529,158 +26283,227 @@
         </p:nvSpPr>
         <p:spPr/>
         <p:txBody>
-          <a:bodyPr>
-            <a:normAutofit/>
-          </a:bodyPr>
+          <a:bodyPr/>
           <a:lstStyle/>
           <a:p>
             <a:pPr algn="ctr"/>
             <a:r>
-              <a:rPr lang="ru-RU" sz="3200" u="sng" dirty="0" err="1"/>
-              <a:t>Business</a:t>
-            </a:r>
-            <a:r>
-              <a:rPr lang="ru-RU" sz="3200" u="sng" dirty="0"/>
-              <a:t> </a:t>
-            </a:r>
-            <a:r>
-              <a:rPr lang="ru-RU" sz="3200" u="sng" dirty="0" err="1"/>
-              <a:t>Capabilities</a:t>
-            </a:r>
-            <a:endParaRPr lang="en-US" sz="3200" dirty="0"/>
+              <a:rPr lang="en-US" sz="3200" dirty="0"/>
+              <a:t>Infrastructure</a:t>
+            </a:r>
+            <a:endParaRPr lang="en-US" dirty="0"/>
           </a:p>
         </p:txBody>
       </p:sp>
       <p:sp>
         <p:nvSpPr>
-          <p:cNvPr id="50" name="Объект 2"/>
-          <p:cNvSpPr>
-            <a:spLocks noGrp="1"/>
+          <p:cNvPr id="5" name="Объект 2"/>
+          <p:cNvSpPr txBox="1">
+            <a:spLocks/>
           </p:cNvSpPr>
-          <p:nvPr>
-            <p:ph idx="1"/>
-          </p:nvPr>
+          <p:nvPr/>
         </p:nvSpPr>
         <p:spPr>
           <a:xfrm>
             <a:off x="457200" y="1600200"/>
             <a:ext cx="8229600" cy="4525963"/>
           </a:xfrm>
+          <a:prstGeom prst="rect">
+            <a:avLst/>
+          </a:prstGeom>
         </p:spPr>
         <p:txBody>
-          <a:bodyPr>
-            <a:normAutofit fontScale="92500"/>
+          <a:bodyPr vert="horz" lIns="91440" tIns="45720" rIns="91440" bIns="45720" rtlCol="0">
+            <a:noAutofit/>
           </a:bodyPr>
-          <a:lstStyle/>
-          <a:p>
-            <a:pPr marL="0" indent="0">
-              <a:buNone/>
-            </a:pPr>
-            <a:r>
-              <a:rPr lang="ru-RU" sz="3200" u="sng" dirty="0" smtClean="0"/>
-              <a:t>Организация </a:t>
-            </a:r>
-            <a:r>
-              <a:rPr lang="ru-RU" sz="3200" u="sng" dirty="0"/>
-              <a:t>вокруг </a:t>
-            </a:r>
-            <a:r>
-              <a:rPr lang="ru-RU" sz="3200" u="sng" dirty="0" smtClean="0"/>
-              <a:t>потребностей бизнеса</a:t>
-            </a:r>
-            <a:endParaRPr lang="en-US" sz="3200" u="sng" dirty="0" smtClean="0"/>
-          </a:p>
-          <a:p>
-            <a:pPr marL="0" indent="0">
-              <a:buNone/>
-            </a:pPr>
-            <a:r>
-              <a:rPr lang="en-US" sz="3200" dirty="0" smtClean="0"/>
-              <a:t>- </a:t>
-            </a:r>
-            <a:r>
-              <a:rPr lang="ru-RU" sz="3200" dirty="0" smtClean="0"/>
-              <a:t>Разные компоненты под разные нужды</a:t>
-            </a:r>
-            <a:endParaRPr lang="en-US" sz="3200" dirty="0" smtClean="0"/>
-          </a:p>
-          <a:p>
-            <a:pPr marL="0" indent="0">
-              <a:buNone/>
-            </a:pPr>
-            <a:r>
-              <a:rPr lang="en-US" sz="2800" dirty="0"/>
-              <a:t>	</a:t>
-            </a:r>
-            <a:r>
-              <a:rPr lang="en-US" sz="2800" dirty="0" smtClean="0"/>
-              <a:t>- </a:t>
-            </a:r>
-            <a:r>
-              <a:rPr lang="ru-RU" sz="2800" dirty="0" smtClean="0"/>
-              <a:t>отчеты</a:t>
-            </a:r>
-            <a:endParaRPr lang="en-US" sz="2800" dirty="0" smtClean="0"/>
-          </a:p>
-          <a:p>
-            <a:pPr marL="0" indent="0">
-              <a:buNone/>
-            </a:pPr>
-            <a:r>
-              <a:rPr lang="en-US" sz="2800" dirty="0"/>
-              <a:t>	</a:t>
-            </a:r>
-            <a:r>
-              <a:rPr lang="en-US" sz="2800" dirty="0" smtClean="0"/>
-              <a:t>- </a:t>
-            </a:r>
-            <a:r>
-              <a:rPr lang="ru-RU" sz="2800" dirty="0" smtClean="0"/>
-              <a:t>кредитки</a:t>
-            </a:r>
-          </a:p>
-          <a:p>
-            <a:pPr>
-              <a:buFontTx/>
-              <a:buChar char="-"/>
-            </a:pPr>
-            <a:r>
-              <a:rPr lang="ru-RU" sz="3200" dirty="0" smtClean="0"/>
-              <a:t>Отдельные команды</a:t>
-            </a:r>
-          </a:p>
-          <a:p>
-            <a:pPr lvl="1">
-              <a:buFontTx/>
-              <a:buChar char="-"/>
-            </a:pPr>
+          <a:lstStyle>
+            <a:lvl1pPr marL="173736" marR="0" indent="-173736" algn="l" defTabSz="457200" rtl="0" eaLnBrk="1" fontAlgn="auto" latinLnBrk="0" hangingPunct="1">
+              <a:lnSpc>
+                <a:spcPct val="120000"/>
+              </a:lnSpc>
+              <a:spcBef>
+                <a:spcPts val="0"/>
+              </a:spcBef>
+              <a:spcAft>
+                <a:spcPts val="1000"/>
+              </a:spcAft>
+              <a:buClr>
+                <a:schemeClr val="accent2"/>
+              </a:buClr>
+              <a:buSzTx/>
+              <a:buFont typeface="Arial"/>
+              <a:buChar char="•"/>
+              <a:tabLst/>
+              <a:defRPr sz="1600" kern="1200" baseline="0">
+                <a:solidFill>
+                  <a:schemeClr val="tx1"/>
+                </a:solidFill>
+                <a:latin typeface="Trebuchet MS"/>
+                <a:ea typeface="+mn-ea"/>
+                <a:cs typeface="Trebuchet MS"/>
+              </a:defRPr>
+            </a:lvl1pPr>
+            <a:lvl2pPr marL="742950" indent="-285750" algn="l" defTabSz="457200" rtl="0" eaLnBrk="1" latinLnBrk="0" hangingPunct="1">
+              <a:spcBef>
+                <a:spcPct val="20000"/>
+              </a:spcBef>
+              <a:buFont typeface="Arial"/>
+              <a:buChar char="–"/>
+              <a:defRPr sz="1600" kern="1200">
+                <a:solidFill>
+                  <a:schemeClr val="tx1"/>
+                </a:solidFill>
+                <a:latin typeface="Trebuchet MS"/>
+                <a:ea typeface="+mn-ea"/>
+                <a:cs typeface="Trebuchet MS"/>
+              </a:defRPr>
+            </a:lvl2pPr>
+            <a:lvl3pPr marL="1143000" indent="-228600" algn="l" defTabSz="457200" rtl="0" eaLnBrk="1" latinLnBrk="0" hangingPunct="1">
+              <a:spcBef>
+                <a:spcPct val="20000"/>
+              </a:spcBef>
+              <a:buFont typeface="Arial"/>
+              <a:buChar char="•"/>
+              <a:defRPr sz="1600" kern="1200">
+                <a:solidFill>
+                  <a:schemeClr val="tx1"/>
+                </a:solidFill>
+                <a:latin typeface="Trebuchet MS"/>
+                <a:ea typeface="+mn-ea"/>
+                <a:cs typeface="Trebuchet MS"/>
+              </a:defRPr>
+            </a:lvl3pPr>
+            <a:lvl4pPr marL="1600200" indent="-228600" algn="l" defTabSz="457200" rtl="0" eaLnBrk="1" latinLnBrk="0" hangingPunct="1">
+              <a:spcBef>
+                <a:spcPct val="20000"/>
+              </a:spcBef>
+              <a:buFont typeface="Arial"/>
+              <a:buChar char="–"/>
+              <a:defRPr sz="1600" kern="1200">
+                <a:solidFill>
+                  <a:schemeClr val="tx1"/>
+                </a:solidFill>
+                <a:latin typeface="Trebuchet MS"/>
+                <a:ea typeface="+mn-ea"/>
+                <a:cs typeface="Trebuchet MS"/>
+              </a:defRPr>
+            </a:lvl4pPr>
+            <a:lvl5pPr marL="2057400" indent="-228600" algn="l" defTabSz="457200" rtl="0" eaLnBrk="1" latinLnBrk="0" hangingPunct="1">
+              <a:spcBef>
+                <a:spcPct val="20000"/>
+              </a:spcBef>
+              <a:buFont typeface="Arial"/>
+              <a:buChar char="»"/>
+              <a:defRPr sz="1600" kern="1200">
+                <a:solidFill>
+                  <a:schemeClr val="tx1"/>
+                </a:solidFill>
+                <a:latin typeface="Trebuchet MS"/>
+                <a:ea typeface="+mn-ea"/>
+                <a:cs typeface="Trebuchet MS"/>
+              </a:defRPr>
+            </a:lvl5pPr>
+            <a:lvl6pPr marL="2514600" indent="-228600" algn="l" defTabSz="457200" rtl="0" eaLnBrk="1" latinLnBrk="0" hangingPunct="1">
+              <a:spcBef>
+                <a:spcPct val="20000"/>
+              </a:spcBef>
+              <a:buFont typeface="Arial"/>
+              <a:buChar char="•"/>
+              <a:defRPr sz="2000" kern="1200">
+                <a:solidFill>
+                  <a:schemeClr val="tx1"/>
+                </a:solidFill>
+                <a:latin typeface="+mn-lt"/>
+                <a:ea typeface="+mn-ea"/>
+                <a:cs typeface="+mn-cs"/>
+              </a:defRPr>
+            </a:lvl6pPr>
+            <a:lvl7pPr marL="2971800" indent="-228600" algn="l" defTabSz="457200" rtl="0" eaLnBrk="1" latinLnBrk="0" hangingPunct="1">
+              <a:spcBef>
+                <a:spcPct val="20000"/>
+              </a:spcBef>
+              <a:buFont typeface="Arial"/>
+              <a:buChar char="•"/>
+              <a:defRPr sz="2000" kern="1200">
+                <a:solidFill>
+                  <a:schemeClr val="tx1"/>
+                </a:solidFill>
+                <a:latin typeface="+mn-lt"/>
+                <a:ea typeface="+mn-ea"/>
+                <a:cs typeface="+mn-cs"/>
+              </a:defRPr>
+            </a:lvl7pPr>
+            <a:lvl8pPr marL="3429000" indent="-228600" algn="l" defTabSz="457200" rtl="0" eaLnBrk="1" latinLnBrk="0" hangingPunct="1">
+              <a:spcBef>
+                <a:spcPct val="20000"/>
+              </a:spcBef>
+              <a:buFont typeface="Arial"/>
+              <a:buChar char="•"/>
+              <a:defRPr sz="2000" kern="1200">
+                <a:solidFill>
+                  <a:schemeClr val="tx1"/>
+                </a:solidFill>
+                <a:latin typeface="+mn-lt"/>
+                <a:ea typeface="+mn-ea"/>
+                <a:cs typeface="+mn-cs"/>
+              </a:defRPr>
+            </a:lvl8pPr>
+            <a:lvl9pPr marL="3886200" indent="-228600" algn="l" defTabSz="457200" rtl="0" eaLnBrk="1" latinLnBrk="0" hangingPunct="1">
+              <a:spcBef>
+                <a:spcPct val="20000"/>
+              </a:spcBef>
+              <a:buFont typeface="Arial"/>
+              <a:buChar char="•"/>
+              <a:defRPr sz="2000" kern="1200">
+                <a:solidFill>
+                  <a:schemeClr val="tx1"/>
+                </a:solidFill>
+                <a:latin typeface="+mn-lt"/>
+                <a:ea typeface="+mn-ea"/>
+                <a:cs typeface="+mn-cs"/>
+              </a:defRPr>
+            </a:lvl9pPr>
+          </a:lstStyle>
+          <a:p>
+            <a:r>
+              <a:rPr lang="ru-RU" sz="2800" b="1" dirty="0" smtClean="0"/>
+              <a:t>Абстрагироваться от инфраструктуры</a:t>
+            </a:r>
+          </a:p>
+          <a:p>
+            <a:r>
+              <a:rPr lang="ru-RU" sz="2800" b="1" dirty="0" smtClean="0"/>
+              <a:t>Выровнять инфраструктуру окружений</a:t>
+            </a:r>
+            <a:endParaRPr lang="en-US" sz="2800" b="1" dirty="0" smtClean="0"/>
+          </a:p>
+          <a:p>
+            <a:pPr lvl="1"/>
             <a:r>
               <a:rPr lang="ru-RU" sz="2400" dirty="0" smtClean="0"/>
-              <a:t>Поддержка на </a:t>
-            </a:r>
-            <a:r>
-              <a:rPr lang="ru-RU" sz="2400" dirty="0" err="1" smtClean="0"/>
-              <a:t>продакшене</a:t>
-            </a:r>
+              <a:t>Отдельные окружения (</a:t>
+            </a:r>
+            <a:r>
+              <a:rPr lang="en-US" sz="2400" dirty="0" smtClean="0"/>
+              <a:t>DEV/QA/PS/PROD)</a:t>
+            </a:r>
+          </a:p>
+          <a:p>
+            <a:pPr lvl="1"/>
             <a:endParaRPr lang="ru-RU" sz="2400" dirty="0" smtClean="0"/>
           </a:p>
           <a:p>
-            <a:pPr lvl="2">
-              <a:buFontTx/>
-              <a:buChar char="-"/>
-            </a:pPr>
-            <a:r>
-              <a:rPr lang="ru-RU" sz="2400" dirty="0" smtClean="0"/>
-              <a:t>Создание вспомогательных утилит</a:t>
-            </a:r>
-            <a:endParaRPr lang="en-US" sz="2400" dirty="0" smtClean="0"/>
+            <a:r>
+              <a:rPr lang="ru-RU" sz="2800" b="1" dirty="0" smtClean="0"/>
+              <a:t>Автоматизация</a:t>
+            </a:r>
           </a:p>
         </p:txBody>
       </p:sp>
     </p:spTree>
     <p:extLst>
       <p:ext uri="{BB962C8B-B14F-4D97-AF65-F5344CB8AC3E}">
-        <p14:creationId xmlns:p14="http://schemas.microsoft.com/office/powerpoint/2010/main" val="1308326633"/>
+        <p14:creationId xmlns:p14="http://schemas.microsoft.com/office/powerpoint/2010/main" val="1575188768"/>
       </p:ext>
     </p:extLst>
   </p:cSld>
@@ -26946,24 +27769,6 @@
 </file>
 
 <file path=customXml/item1.xml><?xml version="1.0" encoding="utf-8"?>
-<p:properties xmlns:p="http://schemas.microsoft.com/office/2006/metadata/properties" xmlns:xsi="http://www.w3.org/2001/XMLSchema-instance" xmlns:pc="http://schemas.microsoft.com/office/infopath/2007/PartnerControls">
-  <documentManagement>
-    <PublishingExpirationDate xmlns="http://schemas.microsoft.com/sharepoint/v3" xsi:nil="true"/>
-    <PublishingStartDate xmlns="http://schemas.microsoft.com/sharepoint/v3" xsi:nil="true"/>
-  </documentManagement>
-</p:properties>
-</file>
-
-<file path=customXml/item2.xml><?xml version="1.0" encoding="utf-8"?>
-<?mso-contentType ?>
-<FormTemplates xmlns="http://schemas.microsoft.com/sharepoint/v3/contenttype/forms">
-  <Display>DocumentLibraryForm</Display>
-  <Edit>DocumentLibraryForm</Edit>
-  <New>DocumentLibraryForm</New>
-</FormTemplates>
-</file>
-
-<file path=customXml/item3.xml><?xml version="1.0" encoding="utf-8"?>
 <ct:contentTypeSchema xmlns:ct="http://schemas.microsoft.com/office/2006/metadata/contentType" xmlns:ma="http://schemas.microsoft.com/office/2006/metadata/properties/metaAttributes" ct:_="" ma:_="" ma:contentTypeName="Document" ma:contentTypeID="0x010100B0E9A4A7D20EA84CAA39F80EA2A19865" ma:contentTypeVersion="1" ma:contentTypeDescription="Create a new document." ma:contentTypeScope="" ma:versionID="4ed0c655cf5595f31b06ef1418ca28bf">
   <xsd:schema xmlns:xsd="http://www.w3.org/2001/XMLSchema" xmlns:xs="http://www.w3.org/2001/XMLSchema" xmlns:p="http://schemas.microsoft.com/office/2006/metadata/properties" xmlns:ns1="http://schemas.microsoft.com/sharepoint/v3" targetNamespace="http://schemas.microsoft.com/office/2006/metadata/properties" ma:root="true" ma:fieldsID="4dcce58c87e9fcebab8021569449a8d0" ns1:_="">
     <xsd:import namespace="http://schemas.microsoft.com/sharepoint/v3"/>
@@ -27095,31 +27900,25 @@
 </ct:contentTypeSchema>
 </file>
 
-<file path=customXml/itemProps1.xml><?xml version="1.0" encoding="utf-8"?>
-<ds:datastoreItem xmlns:ds="http://schemas.openxmlformats.org/officeDocument/2006/customXml" ds:itemID="{D5E3C081-4081-47AD-A9A6-9F18F525DA1D}">
-  <ds:schemaRefs>
-    <ds:schemaRef ds:uri="http://purl.org/dc/terms/"/>
-    <ds:schemaRef ds:uri="http://purl.org/dc/dcmitype/"/>
-    <ds:schemaRef ds:uri="http://www.w3.org/XML/1998/namespace"/>
-    <ds:schemaRef ds:uri="http://schemas.openxmlformats.org/package/2006/metadata/core-properties"/>
-    <ds:schemaRef ds:uri="http://purl.org/dc/elements/1.1/"/>
-    <ds:schemaRef ds:uri="http://schemas.microsoft.com/office/2006/documentManagement/types"/>
-    <ds:schemaRef ds:uri="http://schemas.microsoft.com/office/infopath/2007/PartnerControls"/>
-    <ds:schemaRef ds:uri="http://schemas.microsoft.com/sharepoint/v3"/>
-    <ds:schemaRef ds:uri="http://schemas.microsoft.com/office/2006/metadata/properties"/>
-  </ds:schemaRefs>
-</ds:datastoreItem>
+<file path=customXml/item2.xml><?xml version="1.0" encoding="utf-8"?>
+<?mso-contentType ?>
+<FormTemplates xmlns="http://schemas.microsoft.com/sharepoint/v3/contenttype/forms">
+  <Display>DocumentLibraryForm</Display>
+  <Edit>DocumentLibraryForm</Edit>
+  <New>DocumentLibraryForm</New>
+</FormTemplates>
 </file>
 
-<file path=customXml/itemProps2.xml><?xml version="1.0" encoding="utf-8"?>
-<ds:datastoreItem xmlns:ds="http://schemas.openxmlformats.org/officeDocument/2006/customXml" ds:itemID="{14883F0F-DE57-4ECA-B9BB-F22E8C5B5D82}">
-  <ds:schemaRefs>
-    <ds:schemaRef ds:uri="http://schemas.microsoft.com/sharepoint/v3/contenttype/forms"/>
-  </ds:schemaRefs>
-</ds:datastoreItem>
+<file path=customXml/item3.xml><?xml version="1.0" encoding="utf-8"?>
+<p:properties xmlns:p="http://schemas.microsoft.com/office/2006/metadata/properties" xmlns:xsi="http://www.w3.org/2001/XMLSchema-instance" xmlns:pc="http://schemas.microsoft.com/office/infopath/2007/PartnerControls">
+  <documentManagement>
+    <PublishingExpirationDate xmlns="http://schemas.microsoft.com/sharepoint/v3" xsi:nil="true"/>
+    <PublishingStartDate xmlns="http://schemas.microsoft.com/sharepoint/v3" xsi:nil="true"/>
+  </documentManagement>
+</p:properties>
 </file>
 
-<file path=customXml/itemProps3.xml><?xml version="1.0" encoding="utf-8"?>
+<file path=customXml/itemProps1.xml><?xml version="1.0" encoding="utf-8"?>
 <ds:datastoreItem xmlns:ds="http://schemas.openxmlformats.org/officeDocument/2006/customXml" ds:itemID="{C3A1A37E-F8E3-427A-BCE9-B1DDB8B96CDF}">
   <ds:schemaRefs>
     <ds:schemaRef ds:uri="http://schemas.microsoft.com/office/2006/metadata/contentType"/>
@@ -27135,4 +27934,28 @@
     <ds:schemaRef ds:uri="http://schemas.microsoft.com/internal/obd"/>
   </ds:schemaRefs>
 </ds:datastoreItem>
+</file>
+
+<file path=customXml/itemProps2.xml><?xml version="1.0" encoding="utf-8"?>
+<ds:datastoreItem xmlns:ds="http://schemas.openxmlformats.org/officeDocument/2006/customXml" ds:itemID="{14883F0F-DE57-4ECA-B9BB-F22E8C5B5D82}">
+  <ds:schemaRefs>
+    <ds:schemaRef ds:uri="http://schemas.microsoft.com/sharepoint/v3/contenttype/forms"/>
+  </ds:schemaRefs>
+</ds:datastoreItem>
+</file>
+
+<file path=customXml/itemProps3.xml><?xml version="1.0" encoding="utf-8"?>
+<ds:datastoreItem xmlns:ds="http://schemas.openxmlformats.org/officeDocument/2006/customXml" ds:itemID="{D5E3C081-4081-47AD-A9A6-9F18F525DA1D}">
+  <ds:schemaRefs>
+    <ds:schemaRef ds:uri="http://purl.org/dc/terms/"/>
+    <ds:schemaRef ds:uri="http://purl.org/dc/dcmitype/"/>
+    <ds:schemaRef ds:uri="http://www.w3.org/XML/1998/namespace"/>
+    <ds:schemaRef ds:uri="http://schemas.openxmlformats.org/package/2006/metadata/core-properties"/>
+    <ds:schemaRef ds:uri="http://purl.org/dc/elements/1.1/"/>
+    <ds:schemaRef ds:uri="http://schemas.microsoft.com/office/2006/documentManagement/types"/>
+    <ds:schemaRef ds:uri="http://schemas.microsoft.com/office/infopath/2007/PartnerControls"/>
+    <ds:schemaRef ds:uri="http://schemas.microsoft.com/sharepoint/v3"/>
+    <ds:schemaRef ds:uri="http://schemas.microsoft.com/office/2006/metadata/properties"/>
+  </ds:schemaRefs>
+</ds:datastoreItem>
 </file>
--- a/Microservices_Template.pptx
+++ b/Microservices_Template.pptx
@@ -6,10 +6,10 @@
     <p:sldMasterId id="2147483730" r:id="rId5"/>
   </p:sldMasterIdLst>
   <p:notesMasterIdLst>
-    <p:notesMasterId r:id="rId30"/>
+    <p:notesMasterId r:id="rId33"/>
   </p:notesMasterIdLst>
   <p:handoutMasterIdLst>
-    <p:handoutMasterId r:id="rId31"/>
+    <p:handoutMasterId r:id="rId34"/>
   </p:handoutMasterIdLst>
   <p:sldIdLst>
     <p:sldId id="452" r:id="rId6"/>
@@ -34,8 +34,11 @@
     <p:sldId id="475" r:id="rId25"/>
     <p:sldId id="476" r:id="rId26"/>
     <p:sldId id="477" r:id="rId27"/>
-    <p:sldId id="478" r:id="rId28"/>
-    <p:sldId id="479" r:id="rId29"/>
+    <p:sldId id="480" r:id="rId28"/>
+    <p:sldId id="478" r:id="rId29"/>
+    <p:sldId id="479" r:id="rId30"/>
+    <p:sldId id="481" r:id="rId31"/>
+    <p:sldId id="482" r:id="rId32"/>
   </p:sldIdLst>
   <p:sldSz cx="9144000" cy="6858000" type="screen4x3"/>
   <p:notesSz cx="6858000" cy="9144000"/>
@@ -136,7 +139,7 @@
   </p:defaultTextStyle>
   <p:extLst>
     <p:ext uri="{EFAFB233-063F-42B5-8137-9DF3F51BA10A}">
-      <p15:sldGuideLst xmlns="" xmlns:p15="http://schemas.microsoft.com/office/powerpoint/2012/main">
+      <p15:sldGuideLst xmlns:p15="http://schemas.microsoft.com/office/powerpoint/2012/main" xmlns="">
         <p15:guide id="1" orient="horz" pos="373">
           <p15:clr>
             <a:srgbClr val="A4A3A4"/>
@@ -327,7 +330,7 @@
           <a:p>
             <a:fld id="{7F5E9BF7-95E4-A242-BA1D-05FDCF603BE6}" type="datetime1">
               <a:rPr lang="en-US" smtClean="0"/>
-              <a:t>10/20/2015</a:t>
+              <a:t>10/21/2015</a:t>
             </a:fld>
             <a:endParaRPr lang="en-US"/>
           </a:p>
@@ -493,7 +496,7 @@
           <a:p>
             <a:fld id="{165DBCB1-0306-AD41-9452-11E7C08D5C04}" type="datetime1">
               <a:rPr lang="en-US" smtClean="0"/>
-              <a:t>10/20/2015</a:t>
+              <a:t>10/21/2015</a:t>
             </a:fld>
             <a:endParaRPr lang="en-US"/>
           </a:p>
@@ -1409,8 +1412,12 @@
           <a:lstStyle/>
           <a:p>
             <a:r>
-              <a:rPr lang="en-US" dirty="0" smtClean="0"/>
-              <a:t>P37 – divide into 2 slides</a:t>
+              <a:rPr lang="ru-RU" dirty="0" smtClean="0"/>
+              <a:t>Второй</a:t>
+            </a:r>
+            <a:r>
+              <a:rPr lang="ru-RU" baseline="0" dirty="0" smtClean="0"/>
+              <a:t> подход – это децентрализация данных</a:t>
             </a:r>
             <a:endParaRPr lang="en-US" dirty="0"/>
           </a:p>
@@ -1497,10 +1504,75 @@
           <a:lstStyle/>
           <a:p>
             <a:r>
-              <a:rPr lang="en-US" dirty="0" smtClean="0"/>
-              <a:t>P37 – divide into 2 slides</a:t>
-            </a:r>
-            <a:endParaRPr lang="en-US" dirty="0"/>
+              <a:rPr lang="ru-RU" dirty="0" smtClean="0"/>
+              <a:t>Каждый</a:t>
+            </a:r>
+            <a:r>
+              <a:rPr lang="ru-RU" baseline="0" dirty="0" smtClean="0"/>
+              <a:t> </a:t>
+            </a:r>
+            <a:r>
+              <a:rPr lang="ru-RU" baseline="0" dirty="0" err="1" smtClean="0"/>
+              <a:t>микросервис</a:t>
+            </a:r>
+            <a:r>
+              <a:rPr lang="ru-RU" baseline="0" dirty="0" smtClean="0"/>
+              <a:t> может использовать свою базу данных, ту, которая лучше всего подходит под его нужды. Также приветствуется то что называется </a:t>
+            </a:r>
+            <a:r>
+              <a:rPr lang="en-US" baseline="0" dirty="0" smtClean="0"/>
+              <a:t>Polyglot persistence, </a:t>
+            </a:r>
+            <a:r>
+              <a:rPr lang="ru-RU" baseline="0" dirty="0" smtClean="0"/>
+              <a:t>когда отдельные части информации распределены по разным базам данных. В случае нашего приложения статьи авторов (которые представляют собой сложные документы) мы храним в </a:t>
+            </a:r>
+            <a:r>
+              <a:rPr lang="ru-RU" baseline="0" dirty="0" err="1" smtClean="0"/>
+              <a:t>монго</a:t>
+            </a:r>
+            <a:r>
+              <a:rPr lang="ru-RU" baseline="0" dirty="0" smtClean="0"/>
+              <a:t>, а заказы в реляционной БД.</a:t>
+            </a:r>
+          </a:p>
+          <a:p>
+            <a:r>
+              <a:rPr lang="ru-RU" baseline="0" dirty="0" smtClean="0"/>
+              <a:t>Важнейший принцип, показанный на рисунке – клиент </a:t>
+            </a:r>
+            <a:r>
+              <a:rPr lang="ru-RU" baseline="0" dirty="0" err="1" smtClean="0"/>
+              <a:t>микросервиса</a:t>
+            </a:r>
+            <a:r>
+              <a:rPr lang="ru-RU" baseline="0" dirty="0" smtClean="0"/>
+              <a:t> никогда не получает доступ к БД напрямую, вместо этого он использует </a:t>
+            </a:r>
+            <a:r>
+              <a:rPr lang="en-US" baseline="0" dirty="0" smtClean="0"/>
+              <a:t>API </a:t>
+            </a:r>
+            <a:r>
+              <a:rPr lang="ru-RU" baseline="0" dirty="0" smtClean="0"/>
+              <a:t>предоставляемый </a:t>
+            </a:r>
+            <a:r>
+              <a:rPr lang="ru-RU" baseline="0" dirty="0" err="1" smtClean="0"/>
+              <a:t>микросервисом</a:t>
+            </a:r>
+            <a:r>
+              <a:rPr lang="ru-RU" baseline="0" dirty="0" smtClean="0"/>
+              <a:t> (чаще всего в виде </a:t>
+            </a:r>
+            <a:r>
+              <a:rPr lang="ru-RU" baseline="0" dirty="0" err="1" smtClean="0"/>
+              <a:t>РЕСТа</a:t>
+            </a:r>
+            <a:r>
+              <a:rPr lang="ru-RU" baseline="0" dirty="0" smtClean="0"/>
+              <a:t>)</a:t>
+            </a:r>
           </a:p>
         </p:txBody>
       </p:sp>
@@ -1585,8 +1657,16 @@
           <a:lstStyle/>
           <a:p>
             <a:r>
-              <a:rPr lang="en-US" dirty="0" smtClean="0"/>
-              <a:t>P37 – divide into 2 slides</a:t>
+              <a:rPr lang="ru-RU" dirty="0" smtClean="0"/>
+              <a:t>Как же взаимодействуют </a:t>
+            </a:r>
+            <a:r>
+              <a:rPr lang="ru-RU" dirty="0" err="1" smtClean="0"/>
+              <a:t>микросервисы</a:t>
+            </a:r>
+            <a:r>
+              <a:rPr lang="ru-RU" baseline="0" dirty="0" smtClean="0"/>
+              <a:t> друг с другом?</a:t>
             </a:r>
             <a:endParaRPr lang="en-US" dirty="0"/>
           </a:p>
@@ -1673,10 +1753,145 @@
           <a:lstStyle/>
           <a:p>
             <a:r>
-              <a:rPr lang="en-US" dirty="0" smtClean="0"/>
-              <a:t>P37 – divide into 2 slides</a:t>
-            </a:r>
-            <a:endParaRPr lang="en-US" dirty="0"/>
+              <a:rPr lang="ru-RU" dirty="0" smtClean="0"/>
+              <a:t>В принципе, протокол, по которому они взаимодействуют, может быть любым,</a:t>
+            </a:r>
+            <a:r>
+              <a:rPr lang="ru-RU" baseline="0" dirty="0" smtClean="0"/>
+              <a:t> но наиболее распространенными являются </a:t>
+            </a:r>
+          </a:p>
+          <a:p>
+            <a:pPr marL="171450" marR="0" indent="-171450" algn="l" defTabSz="457200" rtl="0" eaLnBrk="1" fontAlgn="auto" latinLnBrk="0" hangingPunct="1">
+              <a:lnSpc>
+                <a:spcPct val="100000"/>
+              </a:lnSpc>
+              <a:spcBef>
+                <a:spcPts val="0"/>
+              </a:spcBef>
+              <a:spcAft>
+                <a:spcPts val="0"/>
+              </a:spcAft>
+              <a:buClrTx/>
+              <a:buSzTx/>
+              <a:buFontTx/>
+              <a:buChar char="-"/>
+              <a:tabLst/>
+              <a:defRPr/>
+            </a:pPr>
+            <a:r>
+              <a:rPr lang="ru-RU" baseline="0" dirty="0" smtClean="0"/>
+              <a:t>Выставление РЕСТ АПИ</a:t>
+            </a:r>
+          </a:p>
+          <a:p>
+            <a:pPr marL="171450" marR="0" indent="-171450" algn="l" defTabSz="457200" rtl="0" eaLnBrk="1" fontAlgn="auto" latinLnBrk="0" hangingPunct="1">
+              <a:lnSpc>
+                <a:spcPct val="100000"/>
+              </a:lnSpc>
+              <a:spcBef>
+                <a:spcPts val="0"/>
+              </a:spcBef>
+              <a:spcAft>
+                <a:spcPts val="0"/>
+              </a:spcAft>
+              <a:buClrTx/>
+              <a:buSzTx/>
+              <a:buFontTx/>
+              <a:buChar char="-"/>
+              <a:tabLst/>
+              <a:defRPr/>
+            </a:pPr>
+            <a:r>
+              <a:rPr lang="ru-RU" baseline="0" dirty="0" smtClean="0"/>
+              <a:t>И обмен асинхронными сообщениями (в случае </a:t>
+            </a:r>
+            <a:r>
+              <a:rPr lang="en-US" baseline="0" dirty="0" smtClean="0"/>
+              <a:t>Java </a:t>
+            </a:r>
+            <a:r>
+              <a:rPr lang="ru-RU" baseline="0" dirty="0" smtClean="0"/>
+              <a:t>платформы чаще всего это </a:t>
+            </a:r>
+            <a:r>
+              <a:rPr lang="en-US" baseline="0" dirty="0" smtClean="0"/>
+              <a:t>JMS </a:t>
+            </a:r>
+            <a:r>
+              <a:rPr lang="ru-RU" baseline="0" dirty="0" smtClean="0"/>
+              <a:t>сообщения)</a:t>
+            </a:r>
+          </a:p>
+          <a:p>
+            <a:pPr marL="0" marR="0" indent="0" algn="l" defTabSz="457200" rtl="0" eaLnBrk="1" fontAlgn="auto" latinLnBrk="0" hangingPunct="1">
+              <a:lnSpc>
+                <a:spcPct val="100000"/>
+              </a:lnSpc>
+              <a:spcBef>
+                <a:spcPts val="0"/>
+              </a:spcBef>
+              <a:spcAft>
+                <a:spcPts val="0"/>
+              </a:spcAft>
+              <a:buClrTx/>
+              <a:buSzTx/>
+              <a:buFontTx/>
+              <a:buNone/>
+              <a:tabLst/>
+              <a:defRPr/>
+            </a:pPr>
+            <a:r>
+              <a:rPr lang="ru-RU" baseline="0" dirty="0" smtClean="0"/>
+              <a:t>При проектировании РЕСТ АПИ важно соблюдать </a:t>
+            </a:r>
+            <a:r>
+              <a:rPr lang="ru-RU" baseline="0" dirty="0" err="1" smtClean="0"/>
+              <a:t>версионирование</a:t>
+            </a:r>
+            <a:r>
+              <a:rPr lang="ru-RU" baseline="0" dirty="0" smtClean="0"/>
+              <a:t>, чтобы разработчики приложений использующих ваш </a:t>
+            </a:r>
+            <a:r>
+              <a:rPr lang="ru-RU" baseline="0" dirty="0" err="1" smtClean="0"/>
+              <a:t>микросервис</a:t>
+            </a:r>
+            <a:r>
+              <a:rPr lang="ru-RU" baseline="0" dirty="0" smtClean="0"/>
+              <a:t> узнали, изменился ли он, остался ли обратно совместимым или необходимо пересмотреть правила его использования</a:t>
+            </a:r>
+          </a:p>
+          <a:p>
+            <a:pPr marL="0" marR="0" indent="0" algn="l" defTabSz="457200" rtl="0" eaLnBrk="1" fontAlgn="auto" latinLnBrk="0" hangingPunct="1">
+              <a:lnSpc>
+                <a:spcPct val="100000"/>
+              </a:lnSpc>
+              <a:spcBef>
+                <a:spcPts val="0"/>
+              </a:spcBef>
+              <a:spcAft>
+                <a:spcPts val="0"/>
+              </a:spcAft>
+              <a:buClrTx/>
+              <a:buSzTx/>
+              <a:buFontTx/>
+              <a:buNone/>
+              <a:tabLst/>
+              <a:defRPr/>
+            </a:pPr>
+            <a:r>
+              <a:rPr lang="ru-RU" baseline="0" dirty="0" smtClean="0"/>
+              <a:t>Также важное правило при проектировании РЕСТ АПИ – состояние клиента (сессии) не хранятся на сервере. Каждый вызов РЕСТ сервиса самодостаточен и может быть перенаправлен на совсем другой сервер чем предыдущий вызов. Таким образом </a:t>
+            </a:r>
+            <a:r>
+              <a:rPr lang="ru-RU" baseline="0" dirty="0" err="1" smtClean="0"/>
+              <a:t>микросервисы</a:t>
+            </a:r>
+            <a:r>
+              <a:rPr lang="ru-RU" baseline="0" dirty="0" smtClean="0"/>
+              <a:t> позволяют горизонтально масштабироваться</a:t>
+            </a:r>
           </a:p>
         </p:txBody>
       </p:sp>
@@ -1761,8 +1976,28 @@
           <a:lstStyle/>
           <a:p>
             <a:r>
-              <a:rPr lang="en-US" dirty="0" smtClean="0"/>
-              <a:t>P37 – divide into 2 slides</a:t>
+              <a:rPr lang="ru-RU" dirty="0" smtClean="0"/>
+              <a:t>Поскольку</a:t>
+            </a:r>
+            <a:r>
+              <a:rPr lang="ru-RU" baseline="0" dirty="0" smtClean="0"/>
+              <a:t> система из составленная из </a:t>
+            </a:r>
+            <a:r>
+              <a:rPr lang="ru-RU" baseline="0" dirty="0" err="1" smtClean="0"/>
+              <a:t>микросервисов</a:t>
+            </a:r>
+            <a:r>
+              <a:rPr lang="ru-RU" baseline="0" dirty="0" smtClean="0"/>
+              <a:t> по сравнению с монолитным приложением более хрупкая, отказы отдельных </a:t>
+            </a:r>
+            <a:r>
+              <a:rPr lang="ru-RU" baseline="0" dirty="0" err="1" smtClean="0"/>
+              <a:t>микросервисов</a:t>
+            </a:r>
+            <a:r>
+              <a:rPr lang="ru-RU" baseline="0" dirty="0" smtClean="0"/>
+              <a:t> (из-за проблем сети, серверов, баз данных) это неизбежное зло, которое нужно учитывать при проектировании</a:t>
             </a:r>
             <a:endParaRPr lang="en-US" dirty="0"/>
           </a:p>
@@ -1849,10 +2084,100 @@
           <a:lstStyle/>
           <a:p>
             <a:r>
-              <a:rPr lang="en-US" dirty="0" smtClean="0"/>
-              <a:t>P37 – divide into 2 slides</a:t>
-            </a:r>
-            <a:endParaRPr lang="en-US" dirty="0"/>
+              <a:rPr lang="ru-RU" dirty="0" smtClean="0"/>
+              <a:t>В таком случае необходимо</a:t>
+            </a:r>
+            <a:r>
+              <a:rPr lang="ru-RU" baseline="0" dirty="0" smtClean="0"/>
+              <a:t> для начала найти отказ. Для определения, все ли части приложения корректно работают, во всех модулях у нас используется подробное </a:t>
+            </a:r>
+            <a:r>
+              <a:rPr lang="ru-RU" baseline="0" dirty="0" err="1" smtClean="0"/>
+              <a:t>логгирование</a:t>
+            </a:r>
+            <a:r>
+              <a:rPr lang="ru-RU" baseline="0" dirty="0" smtClean="0"/>
+              <a:t> с использованием библиотеки </a:t>
+            </a:r>
+            <a:r>
+              <a:rPr lang="en-US" baseline="0" dirty="0" err="1" smtClean="0"/>
+              <a:t>logback</a:t>
+            </a:r>
+            <a:r>
+              <a:rPr lang="en-US" baseline="0" dirty="0" smtClean="0"/>
+              <a:t>, </a:t>
+            </a:r>
+            <a:r>
+              <a:rPr lang="ru-RU" baseline="0" dirty="0" smtClean="0"/>
+              <a:t>а события с уровнем </a:t>
+            </a:r>
+            <a:r>
+              <a:rPr lang="en-US" baseline="0" dirty="0" smtClean="0"/>
+              <a:t>warn </a:t>
+            </a:r>
+            <a:r>
+              <a:rPr lang="ru-RU" baseline="0" dirty="0" smtClean="0"/>
+              <a:t>или</a:t>
+            </a:r>
+            <a:r>
+              <a:rPr lang="en-US" baseline="0" dirty="0" smtClean="0"/>
+              <a:t> error</a:t>
+            </a:r>
+            <a:r>
+              <a:rPr lang="ru-RU" baseline="0" dirty="0" smtClean="0"/>
+              <a:t> отслеживаются </a:t>
+            </a:r>
+            <a:r>
+              <a:rPr lang="ru-RU" baseline="0" dirty="0" err="1" smtClean="0"/>
+              <a:t>спланком</a:t>
+            </a:r>
+            <a:r>
+              <a:rPr lang="ru-RU" baseline="0" dirty="0" smtClean="0"/>
+              <a:t>, который рассылает команде разработки и поддержки письма со </a:t>
+            </a:r>
+            <a:r>
+              <a:rPr lang="ru-RU" baseline="0" dirty="0" err="1" smtClean="0"/>
+              <a:t>стектрейсами</a:t>
+            </a:r>
+            <a:endParaRPr lang="ru-RU" baseline="0" dirty="0" smtClean="0"/>
+          </a:p>
+          <a:p>
+            <a:r>
+              <a:rPr lang="ru-RU" baseline="0" dirty="0" smtClean="0"/>
+              <a:t>После того как проблема найдена, ее необходимо исправить и чем быстрее, тем лучше. Тут есть два подхода:</a:t>
+            </a:r>
+          </a:p>
+          <a:p>
+            <a:r>
+              <a:rPr lang="ru-RU" baseline="0" dirty="0" smtClean="0"/>
+              <a:t>Автоматическое исправление и ручное. </a:t>
+            </a:r>
+          </a:p>
+          <a:p>
+            <a:r>
+              <a:rPr lang="ru-RU" baseline="0" dirty="0" smtClean="0"/>
+              <a:t>Автоматическое исправление исправляет большую часть ошибок.</a:t>
+            </a:r>
+          </a:p>
+          <a:p>
+            <a:r>
+              <a:rPr lang="ru-RU" baseline="0" dirty="0" smtClean="0"/>
+              <a:t>Так, автоматическая повторная попытка (когда мы просто еще раз повторяем действие) позволяет исправить ошибки связанные с временными проблемами сети или недоступностью БД. А </a:t>
+            </a:r>
+            <a:r>
+              <a:rPr lang="en-US" baseline="0" dirty="0" smtClean="0"/>
+              <a:t>High Availability </a:t>
+            </a:r>
+            <a:r>
+              <a:rPr lang="ru-RU" baseline="0" dirty="0" smtClean="0"/>
+              <a:t>позволяет спрятать падение сервера, перекинув запрос на другой сервер проблему от </a:t>
+            </a:r>
+          </a:p>
+          <a:p>
+            <a:r>
+              <a:rPr lang="ru-RU" baseline="0" dirty="0" smtClean="0"/>
+              <a:t>Ручное исправление требует участия человека и отдельного внимания к каждой найденной ошибке, когда автоматическое исправление ничем помочь не может</a:t>
+            </a:r>
           </a:p>
         </p:txBody>
       </p:sp>
@@ -1937,8 +2262,16 @@
           <a:lstStyle/>
           <a:p>
             <a:r>
-              <a:rPr lang="en-US" dirty="0" smtClean="0"/>
-              <a:t>P37 – divide into 2 slides</a:t>
+              <a:rPr lang="ru-RU" dirty="0" smtClean="0"/>
+              <a:t>При проектировании </a:t>
+            </a:r>
+            <a:r>
+              <a:rPr lang="ru-RU" dirty="0" err="1" smtClean="0"/>
+              <a:t>микросервиса</a:t>
+            </a:r>
+            <a:r>
+              <a:rPr lang="ru-RU" baseline="0" dirty="0" smtClean="0"/>
+              <a:t> важно выбрать тип его взаимодействия с другими сервисами.</a:t>
             </a:r>
             <a:endParaRPr lang="en-US" dirty="0"/>
           </a:p>
@@ -2310,8 +2643,38 @@
           <a:lstStyle/>
           <a:p>
             <a:r>
-              <a:rPr lang="en-US" dirty="0" smtClean="0"/>
-              <a:t>P37 – divide into 2 slides</a:t>
+              <a:rPr lang="ru-RU" dirty="0" smtClean="0"/>
+              <a:t>Оно может быть либо синхронным, когда клиент ожидает что запрашиваемые</a:t>
+            </a:r>
+            <a:r>
+              <a:rPr lang="ru-RU" baseline="0" dirty="0" smtClean="0"/>
+              <a:t> </a:t>
+            </a:r>
+            <a:r>
+              <a:rPr lang="ru-RU" dirty="0" smtClean="0"/>
+              <a:t>данные будут возвращены тут же, в цикле создание-чтение-обновление-удаление</a:t>
+            </a:r>
+            <a:r>
+              <a:rPr lang="ru-RU" baseline="0" dirty="0" smtClean="0"/>
+              <a:t> это обычно чтение. Например, просмотр заказа – клиент ожидает что все детали заказа будут возвращены тут же</a:t>
+            </a:r>
+          </a:p>
+          <a:p>
+            <a:r>
+              <a:rPr lang="ru-RU" baseline="0" dirty="0" smtClean="0"/>
+              <a:t>Либо асинхронным, когда выполнение действия прямо сейчас клиенту не так и важно, главное что запрос принят на обработку. Например, когда клиент заказывает электронную отсканированную копию документа, он не ждет пока документ </a:t>
+            </a:r>
+            <a:r>
+              <a:rPr lang="ru-RU" baseline="0" dirty="0" err="1" smtClean="0"/>
+              <a:t>отсканируется</a:t>
+            </a:r>
+            <a:r>
+              <a:rPr lang="ru-RU" baseline="0" dirty="0" smtClean="0"/>
+              <a:t>, а продолжает работу. А отсканированная копия позже будет прислана по </a:t>
+            </a:r>
+            <a:r>
+              <a:rPr lang="ru-RU" baseline="0" dirty="0" err="1" smtClean="0"/>
+              <a:t>емейлу</a:t>
             </a:r>
             <a:endParaRPr lang="en-US" dirty="0"/>
           </a:p>
@@ -2398,10 +2761,106 @@
           <a:lstStyle/>
           <a:p>
             <a:r>
-              <a:rPr lang="en-US" dirty="0" smtClean="0"/>
-              <a:t>P37 – divide into 2 slides</a:t>
-            </a:r>
-            <a:endParaRPr lang="en-US" dirty="0"/>
+              <a:rPr lang="ru-RU" dirty="0" smtClean="0"/>
+              <a:t>При синхронном взаимодействии сам запрос должен обрабатываться</a:t>
+            </a:r>
+            <a:r>
+              <a:rPr lang="ru-RU" baseline="0" dirty="0" smtClean="0"/>
+              <a:t> максимально быстро. Если он длится больше 2-3 секунд, имеет смысл сделать его асинхронным</a:t>
+            </a:r>
+          </a:p>
+          <a:p>
+            <a:r>
+              <a:rPr lang="ru-RU" baseline="0" dirty="0" smtClean="0"/>
+              <a:t>Например, в нашей системе создание заказа состоит из 3 шагов:</a:t>
+            </a:r>
+          </a:p>
+          <a:p>
+            <a:pPr marL="171450" indent="-171450">
+              <a:buFontTx/>
+              <a:buChar char="-"/>
+            </a:pPr>
+            <a:r>
+              <a:rPr lang="ru-RU" baseline="0" dirty="0" smtClean="0"/>
+              <a:t>Сохранение заказа в БД </a:t>
+            </a:r>
+            <a:r>
+              <a:rPr lang="ru-RU" baseline="0" dirty="0" err="1" smtClean="0"/>
+              <a:t>микросервиса</a:t>
+            </a:r>
+            <a:endParaRPr lang="ru-RU" baseline="0" dirty="0" smtClean="0"/>
+          </a:p>
+          <a:p>
+            <a:pPr marL="171450" indent="-171450">
+              <a:buFontTx/>
+              <a:buChar char="-"/>
+            </a:pPr>
+            <a:r>
+              <a:rPr lang="ru-RU" baseline="0" dirty="0" smtClean="0"/>
+              <a:t>Снятие денег с карточки за заказ</a:t>
+            </a:r>
+          </a:p>
+          <a:p>
+            <a:pPr marL="171450" indent="-171450">
+              <a:buFontTx/>
+              <a:buChar char="-"/>
+            </a:pPr>
+            <a:r>
+              <a:rPr lang="ru-RU" baseline="0" dirty="0" smtClean="0"/>
+              <a:t>Создание лицензии в финансовой системе</a:t>
+            </a:r>
+            <a:endParaRPr lang="ru-RU" baseline="0" dirty="0"/>
+          </a:p>
+          <a:p>
+            <a:pPr marL="0" indent="0">
+              <a:buFontTx/>
+              <a:buNone/>
+            </a:pPr>
+            <a:r>
+              <a:rPr lang="ru-RU" baseline="0" dirty="0" smtClean="0"/>
+              <a:t>Из этих действий первые 2 по архитектуре мы сделать асинхронными никак не можем, потому что они требуют внимания пользователя. Последнее (создание лицензии) вполне можно сделать асинхронным, так как оно довольно тяжеловесно, а в случае ошибки пользователь все равно никак это не исправит</a:t>
+            </a:r>
+          </a:p>
+          <a:p>
+            <a:pPr marL="0" indent="0">
+              <a:buFontTx/>
+              <a:buNone/>
+            </a:pPr>
+            <a:endParaRPr lang="ru-RU" baseline="0" dirty="0" smtClean="0"/>
+          </a:p>
+          <a:p>
+            <a:pPr marL="0" indent="0">
+              <a:buFontTx/>
+              <a:buNone/>
+            </a:pPr>
+            <a:r>
+              <a:rPr lang="ru-RU" baseline="0" dirty="0" smtClean="0"/>
+              <a:t>Также при получении данных от </a:t>
+            </a:r>
+            <a:r>
+              <a:rPr lang="ru-RU" baseline="0" dirty="0" err="1" smtClean="0"/>
+              <a:t>микросервисов</a:t>
+            </a:r>
+            <a:r>
+              <a:rPr lang="ru-RU" baseline="0" dirty="0" smtClean="0"/>
+              <a:t> имеет смысл использовать кэширование. Если объем данных небольшой, можно использовать </a:t>
+            </a:r>
+            <a:r>
+              <a:rPr lang="ru-RU" baseline="0" dirty="0" err="1" smtClean="0"/>
+              <a:t>внутрипроцессный</a:t>
+            </a:r>
+            <a:r>
+              <a:rPr lang="ru-RU" baseline="0" dirty="0" smtClean="0"/>
+              <a:t> </a:t>
+            </a:r>
+            <a:r>
+              <a:rPr lang="en-US" baseline="0" dirty="0" smtClean="0"/>
+              <a:t>Guava</a:t>
+            </a:r>
+            <a:r>
+              <a:rPr lang="ru-RU" baseline="0" dirty="0" smtClean="0"/>
+              <a:t> кэш как одно из самых легких и быстрых решений</a:t>
+            </a:r>
           </a:p>
         </p:txBody>
       </p:sp>
@@ -2486,8 +2945,8 @@
           <a:lstStyle/>
           <a:p>
             <a:r>
-              <a:rPr lang="en-US" dirty="0" smtClean="0"/>
-              <a:t>P37 – divide into 2 slides</a:t>
+              <a:rPr lang="ru-RU" dirty="0" smtClean="0"/>
+              <a:t>При асинхронном взаимодействии</a:t>
             </a:r>
             <a:endParaRPr lang="en-US" dirty="0"/>
           </a:p>
@@ -2548,7 +3007,7 @@
       </p:grpSpPr>
       <p:sp>
         <p:nvSpPr>
-          <p:cNvPr id="2" name="Slide Image Placeholder 1"/>
+          <p:cNvPr id="2" name="Образ слайда 1"/>
           <p:cNvSpPr>
             <a:spLocks noGrp="1" noRot="1" noChangeAspect="1"/>
           </p:cNvSpPr>
@@ -2560,7 +3019,7 @@
       </p:sp>
       <p:sp>
         <p:nvSpPr>
-          <p:cNvPr id="3" name="Notes Placeholder 2"/>
+          <p:cNvPr id="3" name="Заметки 2"/>
           <p:cNvSpPr>
             <a:spLocks noGrp="1"/>
           </p:cNvSpPr>
@@ -2574,8 +3033,42 @@
           <a:lstStyle/>
           <a:p>
             <a:r>
-              <a:rPr lang="en-US" dirty="0" smtClean="0"/>
-              <a:t>P37 – divide into 2 slides</a:t>
+              <a:rPr lang="ru-RU" dirty="0" smtClean="0"/>
+              <a:t>При асинхронном взаимодействии запрос клиента принимается</a:t>
+            </a:r>
+            <a:r>
+              <a:rPr lang="ru-RU" baseline="0" dirty="0" smtClean="0"/>
+              <a:t> </a:t>
+            </a:r>
+            <a:r>
+              <a:rPr lang="ru-RU" baseline="0" dirty="0" err="1" smtClean="0"/>
+              <a:t>микросервисом</a:t>
+            </a:r>
+            <a:r>
+              <a:rPr lang="ru-RU" baseline="0" dirty="0" smtClean="0"/>
+              <a:t>, сохраняется, клиенту возвращается идентификатор принятого запроса, а в фоне запускается обработка.</a:t>
+            </a:r>
+          </a:p>
+          <a:p>
+            <a:r>
+              <a:rPr lang="ru-RU" baseline="0" dirty="0" smtClean="0"/>
+              <a:t>Клиент сохраняет на своей стороне идентификатор запроса и занимается своими делами. Позже по идентификатору он может периодически проверять статус работы.</a:t>
+            </a:r>
+          </a:p>
+          <a:p>
+            <a:r>
+              <a:rPr lang="ru-RU" baseline="0" dirty="0" err="1" smtClean="0"/>
+              <a:t>Микросервис</a:t>
+            </a:r>
+            <a:r>
+              <a:rPr lang="ru-RU" baseline="0" dirty="0" smtClean="0"/>
+              <a:t> же, когда фоновая обработка завершена, обновляет статус запроса в БД и может уведомить клиента асинхронным сообщением о том, что работа выполнена.</a:t>
+            </a:r>
+          </a:p>
+          <a:p>
+            <a:r>
+              <a:rPr lang="ru-RU" baseline="0" dirty="0" smtClean="0"/>
+              <a:t>Как правило, некоторые данные (статус обработки запроса, идентификатор и так далее) сохраняются как в БД клиента так и в БД сервиса, что приводит к некоторой избыточности, но она необходима для диагностики отказов</a:t>
             </a:r>
             <a:endParaRPr lang="en-US" dirty="0"/>
           </a:p>
@@ -2583,7 +3076,7 @@
       </p:sp>
       <p:sp>
         <p:nvSpPr>
-          <p:cNvPr id="4" name="Slide Number Placeholder 3"/>
+          <p:cNvPr id="4" name="Номер слайда 3"/>
           <p:cNvSpPr>
             <a:spLocks noGrp="1"/>
           </p:cNvSpPr>
@@ -2607,7 +3100,7 @@
     </p:spTree>
     <p:extLst>
       <p:ext uri="{BB962C8B-B14F-4D97-AF65-F5344CB8AC3E}">
-        <p14:creationId xmlns:p14="http://schemas.microsoft.com/office/powerpoint/2010/main" val="2860688175"/>
+        <p14:creationId xmlns:p14="http://schemas.microsoft.com/office/powerpoint/2010/main" val="2545347378"/>
       </p:ext>
     </p:extLst>
   </p:cSld>
@@ -2662,8 +3155,108 @@
           <a:lstStyle/>
           <a:p>
             <a:r>
-              <a:rPr lang="en-US" dirty="0" smtClean="0"/>
-              <a:t>P37 – divide into 2 slides</a:t>
+              <a:rPr lang="ru-RU" dirty="0" smtClean="0"/>
+              <a:t>Возвращаясь к теме отказов на примере этих двух</a:t>
+            </a:r>
+            <a:r>
+              <a:rPr lang="ru-RU" baseline="0" dirty="0" smtClean="0"/>
+              <a:t> типов взаимодействия (синхронного и асинхронного):</a:t>
+            </a:r>
+          </a:p>
+          <a:p>
+            <a:r>
+              <a:rPr lang="ru-RU" baseline="0" dirty="0" smtClean="0"/>
+              <a:t>Необходимо быть готовым к отказу и проектировать приложения, считая что если в этом месте что-то может отказать, то это случится. Асинхронная обработка в предыдущем примере может не быть закончена из-за падения сервера</a:t>
+            </a:r>
+          </a:p>
+          <a:p>
+            <a:r>
+              <a:rPr lang="ru-RU" baseline="0" dirty="0" smtClean="0"/>
+              <a:t>Быть готовым к восстановлению данных или состояния. Например, если в предыдущем примере асинхронная обработка упала, что должна делать служба поддержки</a:t>
+            </a:r>
+          </a:p>
+          <a:p>
+            <a:r>
+              <a:rPr lang="ru-RU" baseline="0" dirty="0" smtClean="0"/>
+              <a:t>Найти точки отказа. В предыдущем примере их более чем достаточно:</a:t>
+            </a:r>
+          </a:p>
+          <a:p>
+            <a:pPr marL="171450" indent="-171450">
+              <a:buFontTx/>
+              <a:buChar char="-"/>
+            </a:pPr>
+            <a:r>
+              <a:rPr lang="ru-RU" baseline="0" dirty="0" smtClean="0"/>
+              <a:t>БД </a:t>
+            </a:r>
+            <a:r>
+              <a:rPr lang="ru-RU" baseline="0" dirty="0" err="1" smtClean="0"/>
+              <a:t>микросервиса</a:t>
+            </a:r>
+            <a:r>
+              <a:rPr lang="ru-RU" baseline="0" dirty="0" smtClean="0"/>
+              <a:t> может быть недоступна</a:t>
+            </a:r>
+          </a:p>
+          <a:p>
+            <a:pPr marL="171450" indent="-171450">
+              <a:buFontTx/>
+              <a:buChar char="-"/>
+            </a:pPr>
+            <a:r>
+              <a:rPr lang="ru-RU" baseline="0" dirty="0" smtClean="0"/>
+              <a:t>БД клиента может быть недоступна</a:t>
+            </a:r>
+          </a:p>
+          <a:p>
+            <a:pPr marL="171450" indent="-171450">
+              <a:buFontTx/>
+              <a:buChar char="-"/>
+            </a:pPr>
+            <a:r>
+              <a:rPr lang="ru-RU" baseline="0" dirty="0" smtClean="0"/>
+              <a:t>Асинхронная обработка упала</a:t>
+            </a:r>
+          </a:p>
+          <a:p>
+            <a:pPr marL="171450" indent="-171450">
+              <a:buFontTx/>
+              <a:buChar char="-"/>
+            </a:pPr>
+            <a:r>
+              <a:rPr lang="ru-RU" baseline="0" dirty="0" smtClean="0"/>
+              <a:t>Отсылка асинхронного сообщения не удалась</a:t>
+            </a:r>
+          </a:p>
+          <a:p>
+            <a:pPr marL="0" indent="0">
+              <a:buFontTx/>
+              <a:buNone/>
+            </a:pPr>
+            <a:r>
+              <a:rPr lang="ru-RU" baseline="0" dirty="0" smtClean="0"/>
+              <a:t>Определить как восстанавливать: </a:t>
+            </a:r>
+          </a:p>
+          <a:p>
+            <a:pPr marL="0" indent="0">
+              <a:buFontTx/>
+              <a:buNone/>
+            </a:pPr>
+            <a:r>
+              <a:rPr lang="ru-RU" baseline="0" dirty="0" smtClean="0"/>
+              <a:t>Синхронное взаимодействие – на стороне клиента, показать пользователю ошибку и попросить выполнить действие еще раз</a:t>
+            </a:r>
+          </a:p>
+          <a:p>
+            <a:pPr marL="0" indent="0">
+              <a:buFontTx/>
+              <a:buNone/>
+            </a:pPr>
+            <a:r>
+              <a:rPr lang="ru-RU" baseline="0" dirty="0" smtClean="0"/>
+              <a:t>Асинхронное- на стороне сервера обработка не удалась, автоматически попробовать выполнить ее еще раз</a:t>
             </a:r>
             <a:endParaRPr lang="en-US" dirty="0"/>
           </a:p>
@@ -2687,6 +3280,156 @@
             <a:fld id="{7AE90029-A909-AD4E-9775-A0D64990AD22}" type="slidenum">
               <a:rPr lang="en-US" smtClean="0"/>
               <a:t>24</a:t>
+            </a:fld>
+            <a:endParaRPr lang="en-US"/>
+          </a:p>
+        </p:txBody>
+      </p:sp>
+    </p:spTree>
+    <p:extLst>
+      <p:ext uri="{BB962C8B-B14F-4D97-AF65-F5344CB8AC3E}">
+        <p14:creationId xmlns:p14="http://schemas.microsoft.com/office/powerpoint/2010/main" val="2860688175"/>
+      </p:ext>
+    </p:extLst>
+  </p:cSld>
+  <p:clrMapOvr>
+    <a:masterClrMapping/>
+  </p:clrMapOvr>
+</p:notes>
+</file>
+
+<file path=ppt/notesSlides/notesSlide25.xml><?xml version="1.0" encoding="utf-8"?>
+<p:notes xmlns:a="http://schemas.openxmlformats.org/drawingml/2006/main" xmlns:r="http://schemas.openxmlformats.org/officeDocument/2006/relationships" xmlns:p="http://schemas.openxmlformats.org/presentationml/2006/main">
+  <p:cSld>
+    <p:spTree>
+      <p:nvGrpSpPr>
+        <p:cNvPr id="1" name=""/>
+        <p:cNvGrpSpPr/>
+        <p:nvPr/>
+      </p:nvGrpSpPr>
+      <p:grpSpPr>
+        <a:xfrm>
+          <a:off x="0" y="0"/>
+          <a:ext cx="0" cy="0"/>
+          <a:chOff x="0" y="0"/>
+          <a:chExt cx="0" cy="0"/>
+        </a:xfrm>
+      </p:grpSpPr>
+      <p:sp>
+        <p:nvSpPr>
+          <p:cNvPr id="2" name="Slide Image Placeholder 1"/>
+          <p:cNvSpPr>
+            <a:spLocks noGrp="1" noRot="1" noChangeAspect="1"/>
+          </p:cNvSpPr>
+          <p:nvPr>
+            <p:ph type="sldImg"/>
+          </p:nvPr>
+        </p:nvSpPr>
+        <p:spPr/>
+      </p:sp>
+      <p:sp>
+        <p:nvSpPr>
+          <p:cNvPr id="3" name="Notes Placeholder 2"/>
+          <p:cNvSpPr>
+            <a:spLocks noGrp="1"/>
+          </p:cNvSpPr>
+          <p:nvPr>
+            <p:ph type="body" idx="1"/>
+          </p:nvPr>
+        </p:nvSpPr>
+        <p:spPr/>
+        <p:txBody>
+          <a:bodyPr/>
+          <a:lstStyle/>
+          <a:p>
+            <a:r>
+              <a:rPr lang="ru-RU" dirty="0" smtClean="0"/>
+              <a:t>Автоматическая повторная доставка на самом деле довольно мощный инструмент.</a:t>
+            </a:r>
+          </a:p>
+          <a:p>
+            <a:r>
+              <a:rPr lang="ru-RU" dirty="0" smtClean="0"/>
+              <a:t>Лучше всего она подходит</a:t>
+            </a:r>
+            <a:r>
+              <a:rPr lang="ru-RU" baseline="0" dirty="0" smtClean="0"/>
+              <a:t> для асинхронных сообщений. В этом случае на промежуточное хранилище для сообщений (так называемый брокер) приходит запрос от клиента, который помещается в очередь </a:t>
+            </a:r>
+            <a:r>
+              <a:rPr lang="en-US" baseline="0" dirty="0" smtClean="0"/>
+              <a:t>Queue 1</a:t>
+            </a:r>
+            <a:r>
+              <a:rPr lang="ru-RU" baseline="0" dirty="0" smtClean="0"/>
+              <a:t>. </a:t>
+            </a:r>
+            <a:r>
+              <a:rPr lang="ru-RU" baseline="0" dirty="0" err="1" smtClean="0"/>
+              <a:t>Консьюмер</a:t>
+            </a:r>
+            <a:r>
+              <a:rPr lang="ru-RU" baseline="0" dirty="0" smtClean="0"/>
+              <a:t> читает сообщение и выполняет обработку сообщения. Если она неудачна, обработка повторяется еще раз. Если в течении нескольких попыток обработать </a:t>
+            </a:r>
+            <a:r>
+              <a:rPr lang="ru-RU" baseline="0" dirty="0" err="1" smtClean="0"/>
+              <a:t>сообшение</a:t>
+            </a:r>
+            <a:r>
+              <a:rPr lang="ru-RU" baseline="0" dirty="0" smtClean="0"/>
+              <a:t> автоматически корректно не получилось, оно перемещается в специальную очередь </a:t>
+            </a:r>
+            <a:r>
+              <a:rPr lang="en-US" baseline="0" dirty="0" smtClean="0"/>
+              <a:t>DLQ</a:t>
+            </a:r>
+            <a:r>
+              <a:rPr lang="ru-RU" baseline="0" dirty="0" smtClean="0"/>
+              <a:t> (</a:t>
+            </a:r>
+            <a:r>
+              <a:rPr lang="en-US" baseline="0" dirty="0" smtClean="0"/>
+              <a:t>Dead Letter Queue). </a:t>
+            </a:r>
+            <a:r>
+              <a:rPr lang="ru-RU" baseline="0" dirty="0" smtClean="0"/>
+              <a:t>Эту очередь периодически просматривает служба поддержки и пытается исправить проблему (либо изменяет само сообщение либо состояние системы и пересылает сообщение обратно в очередь </a:t>
+            </a:r>
+            <a:r>
+              <a:rPr lang="en-US" baseline="0" dirty="0" smtClean="0"/>
+              <a:t>Queue 1, </a:t>
+            </a:r>
+            <a:r>
+              <a:rPr lang="ru-RU" baseline="0" dirty="0" smtClean="0"/>
+              <a:t>откуда снова </a:t>
+            </a:r>
+            <a:r>
+              <a:rPr lang="ru-RU" baseline="0" smtClean="0"/>
+              <a:t>начинается цикл)</a:t>
+            </a:r>
+            <a:endParaRPr lang="en-US" dirty="0"/>
+          </a:p>
+        </p:txBody>
+      </p:sp>
+      <p:sp>
+        <p:nvSpPr>
+          <p:cNvPr id="4" name="Slide Number Placeholder 3"/>
+          <p:cNvSpPr>
+            <a:spLocks noGrp="1"/>
+          </p:cNvSpPr>
+          <p:nvPr>
+            <p:ph type="sldNum" sz="quarter" idx="10"/>
+          </p:nvPr>
+        </p:nvSpPr>
+        <p:spPr/>
+        <p:txBody>
+          <a:bodyPr/>
+          <a:lstStyle/>
+          <a:p>
+            <a:fld id="{7AE90029-A909-AD4E-9775-A0D64990AD22}" type="slidenum">
+              <a:rPr lang="en-US" smtClean="0"/>
+              <a:t>25</a:t>
             </a:fld>
             <a:endParaRPr lang="en-US"/>
           </a:p>
@@ -19227,6 +19970,133 @@
       </p:grpSpPr>
       <p:sp>
         <p:nvSpPr>
+          <p:cNvPr id="7" name="Объект 2"/>
+          <p:cNvSpPr>
+            <a:spLocks noGrp="1"/>
+          </p:cNvSpPr>
+          <p:nvPr>
+            <p:ph idx="1"/>
+          </p:nvPr>
+        </p:nvSpPr>
+        <p:spPr>
+          <a:xfrm>
+            <a:off x="457200" y="980728"/>
+            <a:ext cx="8229600" cy="5386908"/>
+          </a:xfrm>
+        </p:spPr>
+        <p:txBody>
+          <a:bodyPr>
+            <a:normAutofit fontScale="92500" lnSpcReduction="10000"/>
+          </a:bodyPr>
+          <a:lstStyle/>
+          <a:p>
+            <a:pPr marL="0" indent="0">
+              <a:buNone/>
+            </a:pPr>
+            <a:r>
+              <a:rPr lang="ru-RU" sz="4100" u="sng" dirty="0" smtClean="0"/>
+              <a:t>Проектирование </a:t>
+            </a:r>
+            <a:r>
+              <a:rPr lang="ru-RU" sz="4100" u="sng" dirty="0"/>
+              <a:t>под </a:t>
+            </a:r>
+            <a:r>
+              <a:rPr lang="ru-RU" sz="4100" u="sng" dirty="0" smtClean="0"/>
+              <a:t>отказ</a:t>
+            </a:r>
+            <a:endParaRPr lang="en-US" sz="4100" u="sng" dirty="0" smtClean="0"/>
+          </a:p>
+          <a:p>
+            <a:r>
+              <a:rPr lang="ru-RU" sz="3400" dirty="0" smtClean="0"/>
+              <a:t>Найти отказ</a:t>
+            </a:r>
+            <a:endParaRPr lang="en-US" sz="3400" dirty="0" smtClean="0"/>
+          </a:p>
+          <a:p>
+            <a:pPr lvl="1"/>
+            <a:r>
+              <a:rPr lang="ru-RU" sz="3000" dirty="0" smtClean="0"/>
+              <a:t>Мониторинг</a:t>
+            </a:r>
+            <a:endParaRPr lang="en-US" sz="3000" dirty="0" smtClean="0"/>
+          </a:p>
+          <a:p>
+            <a:pPr lvl="1"/>
+            <a:r>
+              <a:rPr lang="ru-RU" sz="3000" dirty="0" smtClean="0"/>
+              <a:t>Исчерпывающее </a:t>
+            </a:r>
+            <a:r>
+              <a:rPr lang="ru-RU" sz="3000" dirty="0" err="1" smtClean="0"/>
+              <a:t>логгирование</a:t>
+            </a:r>
+            <a:endParaRPr lang="en-US" sz="3000" dirty="0" smtClean="0"/>
+          </a:p>
+          <a:p>
+            <a:r>
+              <a:rPr lang="ru-RU" sz="3400" dirty="0" smtClean="0"/>
+              <a:t>Быстрое исправление</a:t>
+            </a:r>
+            <a:endParaRPr lang="en-US" sz="3400" dirty="0" smtClean="0"/>
+          </a:p>
+          <a:p>
+            <a:pPr lvl="1"/>
+            <a:r>
+              <a:rPr lang="ru-RU" sz="3000" dirty="0"/>
+              <a:t>Автоматическое</a:t>
+            </a:r>
+            <a:endParaRPr lang="en-US" sz="3000" dirty="0"/>
+          </a:p>
+          <a:p>
+            <a:pPr lvl="2"/>
+            <a:r>
+              <a:rPr lang="ru-RU" sz="2600" dirty="0"/>
+              <a:t>Автоматическая повторная попытка (</a:t>
+            </a:r>
+            <a:r>
+              <a:rPr lang="en-US" sz="2600" dirty="0"/>
+              <a:t>Redelivery)</a:t>
+            </a:r>
+          </a:p>
+          <a:p>
+            <a:pPr lvl="2"/>
+            <a:r>
+              <a:rPr lang="en-US" sz="2600" dirty="0" smtClean="0"/>
+              <a:t>High </a:t>
+            </a:r>
+            <a:r>
+              <a:rPr lang="en-US" sz="2600" dirty="0"/>
+              <a:t>Availability (Load balancing)</a:t>
+            </a:r>
+          </a:p>
+          <a:p>
+            <a:pPr lvl="1"/>
+            <a:r>
+              <a:rPr lang="ru-RU" sz="3000" dirty="0" smtClean="0"/>
+              <a:t>Ручное</a:t>
+            </a:r>
+            <a:endParaRPr lang="ru-RU" sz="3000" dirty="0" smtClean="0"/>
+          </a:p>
+          <a:p>
+            <a:pPr lvl="2"/>
+            <a:r>
+              <a:rPr lang="ru-RU" sz="2600" dirty="0" smtClean="0"/>
+              <a:t>Проверка </a:t>
+            </a:r>
+            <a:r>
+              <a:rPr lang="en-US" sz="2600" dirty="0" smtClean="0"/>
+              <a:t>email</a:t>
+            </a:r>
+          </a:p>
+          <a:p>
+            <a:endParaRPr lang="ru-RU" sz="3400" u="sng" dirty="0"/>
+          </a:p>
+        </p:txBody>
+      </p:sp>
+      <p:sp>
+        <p:nvSpPr>
           <p:cNvPr id="4" name="Text Placeholder 3"/>
           <p:cNvSpPr>
             <a:spLocks noGrp="1"/>
@@ -19288,8 +20158,8 @@
         </p:blipFill>
         <p:spPr bwMode="auto">
           <a:xfrm>
-            <a:off x="7491550" y="5877272"/>
-            <a:ext cx="1652450" cy="980728"/>
+            <a:off x="7168357" y="4888246"/>
+            <a:ext cx="1498600" cy="889418"/>
           </a:xfrm>
           <a:prstGeom prst="rect">
             <a:avLst/>
@@ -19329,128 +20199,6 @@
           </a:extLst>
         </p:spPr>
       </p:pic>
-      <p:sp>
-        <p:nvSpPr>
-          <p:cNvPr id="7" name="Объект 2"/>
-          <p:cNvSpPr>
-            <a:spLocks noGrp="1"/>
-          </p:cNvSpPr>
-          <p:nvPr>
-            <p:ph idx="1"/>
-          </p:nvPr>
-        </p:nvSpPr>
-        <p:spPr>
-          <a:xfrm>
-            <a:off x="457200" y="980728"/>
-            <a:ext cx="8229600" cy="5386908"/>
-          </a:xfrm>
-        </p:spPr>
-        <p:txBody>
-          <a:bodyPr>
-            <a:normAutofit fontScale="92500" lnSpcReduction="10000"/>
-          </a:bodyPr>
-          <a:lstStyle/>
-          <a:p>
-            <a:pPr marL="0" indent="0">
-              <a:buNone/>
-            </a:pPr>
-            <a:r>
-              <a:rPr lang="ru-RU" sz="4100" u="sng" dirty="0" smtClean="0"/>
-              <a:t>Проектирование </a:t>
-            </a:r>
-            <a:r>
-              <a:rPr lang="ru-RU" sz="4100" u="sng" dirty="0"/>
-              <a:t>под </a:t>
-            </a:r>
-            <a:r>
-              <a:rPr lang="ru-RU" sz="4100" u="sng" dirty="0" smtClean="0"/>
-              <a:t>отказ</a:t>
-            </a:r>
-            <a:endParaRPr lang="en-US" sz="4100" u="sng" dirty="0" smtClean="0"/>
-          </a:p>
-          <a:p>
-            <a:r>
-              <a:rPr lang="ru-RU" sz="3400" dirty="0" smtClean="0"/>
-              <a:t>Найти отказ</a:t>
-            </a:r>
-            <a:endParaRPr lang="en-US" sz="3400" dirty="0" smtClean="0"/>
-          </a:p>
-          <a:p>
-            <a:pPr lvl="1"/>
-            <a:r>
-              <a:rPr lang="ru-RU" sz="3000" dirty="0" smtClean="0"/>
-              <a:t>Мониторинг</a:t>
-            </a:r>
-            <a:endParaRPr lang="en-US" sz="3000" dirty="0" smtClean="0"/>
-          </a:p>
-          <a:p>
-            <a:pPr lvl="1"/>
-            <a:r>
-              <a:rPr lang="ru-RU" sz="3000" dirty="0" smtClean="0"/>
-              <a:t>Исчерпывающее </a:t>
-            </a:r>
-            <a:r>
-              <a:rPr lang="ru-RU" sz="3000" dirty="0" err="1" smtClean="0"/>
-              <a:t>логирование</a:t>
-            </a:r>
-            <a:endParaRPr lang="en-US" sz="3000" dirty="0" smtClean="0"/>
-          </a:p>
-          <a:p>
-            <a:r>
-              <a:rPr lang="ru-RU" sz="3400" dirty="0" smtClean="0"/>
-              <a:t>Быстрое исправление</a:t>
-            </a:r>
-            <a:endParaRPr lang="en-US" sz="3400" dirty="0" smtClean="0"/>
-          </a:p>
-          <a:p>
-            <a:pPr lvl="1"/>
-            <a:r>
-              <a:rPr lang="ru-RU" sz="3000" dirty="0" smtClean="0"/>
-              <a:t>Ручное</a:t>
-            </a:r>
-          </a:p>
-          <a:p>
-            <a:pPr lvl="2"/>
-            <a:r>
-              <a:rPr lang="ru-RU" sz="2600" dirty="0" smtClean="0"/>
-              <a:t>Проверка </a:t>
-            </a:r>
-            <a:r>
-              <a:rPr lang="en-US" sz="2600" dirty="0" smtClean="0"/>
-              <a:t>email</a:t>
-            </a:r>
-          </a:p>
-          <a:p>
-            <a:pPr lvl="1"/>
-            <a:r>
-              <a:rPr lang="ru-RU" sz="3000" dirty="0" smtClean="0"/>
-              <a:t>Автоматическое</a:t>
-            </a:r>
-            <a:endParaRPr lang="en-US" sz="3000" dirty="0" smtClean="0"/>
-          </a:p>
-          <a:p>
-            <a:pPr lvl="2"/>
-            <a:r>
-              <a:rPr lang="en-US" sz="2600" dirty="0" smtClean="0"/>
-              <a:t>High Availability (Load balancing)</a:t>
-            </a:r>
-          </a:p>
-          <a:p>
-            <a:pPr lvl="2"/>
-            <a:r>
-              <a:rPr lang="ru-RU" sz="2600" dirty="0" smtClean="0"/>
-              <a:t>Автоматическая повторная попытка (</a:t>
-            </a:r>
-            <a:r>
-              <a:rPr lang="en-US" sz="2600" dirty="0" smtClean="0"/>
-              <a:t>Redelivery)</a:t>
-            </a:r>
-          </a:p>
-          <a:p>
-            <a:endParaRPr lang="ru-RU" sz="3400" u="sng" dirty="0"/>
-          </a:p>
-        </p:txBody>
-      </p:sp>
       <p:pic>
         <p:nvPicPr>
           <p:cNvPr id="8" name="Picture 7"/>
@@ -19538,7 +20286,7 @@
         </p:blipFill>
         <p:spPr bwMode="auto">
           <a:xfrm>
-            <a:off x="6329661" y="2726922"/>
+            <a:off x="6393161" y="2726922"/>
             <a:ext cx="1728192" cy="774086"/>
           </a:xfrm>
           <a:prstGeom prst="rect">
@@ -20125,14 +20873,14 @@
               </a:lnSpc>
             </a:pPr>
             <a:r>
-              <a:rPr lang="ru-RU" sz="4000" dirty="0" smtClean="0"/>
-              <a:t>Асинхронное</a:t>
-            </a:r>
-            <a:r>
-              <a:rPr lang="en-US" sz="4000" dirty="0" smtClean="0"/>
+              <a:rPr lang="ru-RU" sz="4000" dirty="0"/>
+              <a:t>Синхронное</a:t>
+            </a:r>
+            <a:r>
+              <a:rPr lang="en-US" sz="4000" dirty="0"/>
               <a:t> </a:t>
             </a:r>
-            <a:endParaRPr lang="ru-RU" sz="4000" dirty="0" smtClean="0"/>
+            <a:endParaRPr lang="ru-RU" sz="4000" dirty="0"/>
           </a:p>
           <a:p>
             <a:pPr lvl="2">
@@ -20141,19 +20889,19 @@
               </a:lnSpc>
             </a:pPr>
             <a:r>
-              <a:rPr lang="ru-RU" sz="3600" dirty="0" smtClean="0"/>
+              <a:rPr lang="ru-RU" sz="3600" dirty="0"/>
               <a:t>обычно</a:t>
             </a:r>
             <a:r>
-              <a:rPr lang="en-US" sz="3600" dirty="0" smtClean="0"/>
-              <a:t> CUD </a:t>
-            </a:r>
-            <a:r>
-              <a:rPr lang="ru-RU" sz="3600" dirty="0" smtClean="0"/>
+              <a:rPr lang="en-US" sz="3600" dirty="0"/>
+              <a:t> R </a:t>
+            </a:r>
+            <a:r>
+              <a:rPr lang="ru-RU" sz="3600" dirty="0"/>
               <a:t>в</a:t>
             </a:r>
             <a:r>
-              <a:rPr lang="en-US" sz="3600" dirty="0" smtClean="0"/>
+              <a:rPr lang="en-US" sz="3600" dirty="0"/>
               <a:t> CRUD</a:t>
             </a:r>
           </a:p>
@@ -20165,7 +20913,7 @@
             </a:pPr>
             <a:r>
               <a:rPr lang="ru-RU" sz="4000" dirty="0" smtClean="0"/>
-              <a:t>Синхронное</a:t>
+              <a:t>Асинхронное</a:t>
             </a:r>
             <a:r>
               <a:rPr lang="en-US" sz="4000" dirty="0" smtClean="0"/>
@@ -20181,11 +20929,11 @@
             </a:pPr>
             <a:r>
               <a:rPr lang="ru-RU" sz="3600" dirty="0" smtClean="0"/>
-              <a:t>обычно</a:t>
+              <a:t>может быть </a:t>
             </a:r>
             <a:r>
               <a:rPr lang="en-US" sz="3600" dirty="0" smtClean="0"/>
-              <a:t> R </a:t>
+              <a:t>CUD </a:t>
             </a:r>
             <a:r>
               <a:rPr lang="ru-RU" sz="3600" dirty="0" smtClean="0"/>
@@ -20209,7 +20957,7 @@
         </p:nvSpPr>
         <p:spPr>
           <a:xfrm>
-            <a:off x="6876256" y="2790126"/>
+            <a:off x="7117553" y="4479226"/>
             <a:ext cx="1656184" cy="679477"/>
           </a:xfrm>
           <a:prstGeom prst="roundRect">
@@ -20256,7 +21004,7 @@
         </p:nvCxnSpPr>
         <p:spPr>
           <a:xfrm>
-            <a:off x="5796136" y="3140968"/>
+            <a:off x="6037433" y="4830068"/>
             <a:ext cx="1080120" cy="0"/>
           </a:xfrm>
           <a:prstGeom prst="straightConnector1">
@@ -20293,7 +21041,7 @@
         </p:nvSpPr>
         <p:spPr>
           <a:xfrm>
-            <a:off x="6021045" y="2608443"/>
+            <a:off x="6262342" y="4297543"/>
             <a:ext cx="740908" cy="369332"/>
           </a:xfrm>
           <a:prstGeom prst="rect">
@@ -20323,7 +21071,7 @@
         </p:nvSpPr>
         <p:spPr>
           <a:xfrm>
-            <a:off x="4355976" y="2790125"/>
+            <a:off x="4597273" y="4479225"/>
             <a:ext cx="1440160" cy="679477"/>
           </a:xfrm>
           <a:prstGeom prst="roundRect">
@@ -20370,7 +21118,7 @@
         </p:nvSpPr>
         <p:spPr>
           <a:xfrm>
-            <a:off x="6876256" y="4365104"/>
+            <a:off x="7101165" y="2752204"/>
             <a:ext cx="1656184" cy="679477"/>
           </a:xfrm>
           <a:prstGeom prst="roundRect">
@@ -20417,7 +21165,7 @@
         </p:nvCxnSpPr>
         <p:spPr>
           <a:xfrm>
-            <a:off x="5796136" y="4543508"/>
+            <a:off x="6021045" y="2930608"/>
             <a:ext cx="1080120" cy="0"/>
           </a:xfrm>
           <a:prstGeom prst="straightConnector1">
@@ -20453,7 +21201,7 @@
         </p:nvCxnSpPr>
         <p:spPr>
           <a:xfrm>
-            <a:off x="5796136" y="4831540"/>
+            <a:off x="6021045" y="3218640"/>
             <a:ext cx="1080120" cy="0"/>
           </a:xfrm>
           <a:prstGeom prst="straightConnector1">
@@ -20490,7 +21238,7 @@
         </p:nvSpPr>
         <p:spPr>
           <a:xfrm>
-            <a:off x="6021045" y="4183421"/>
+            <a:off x="6245954" y="2570521"/>
             <a:ext cx="630301" cy="369332"/>
           </a:xfrm>
           <a:prstGeom prst="rect">
@@ -20520,7 +21268,7 @@
         </p:nvSpPr>
         <p:spPr>
           <a:xfrm>
-            <a:off x="4355976" y="4365103"/>
+            <a:off x="4580885" y="2752203"/>
             <a:ext cx="1440160" cy="679477"/>
           </a:xfrm>
           <a:prstGeom prst="roundRect">
@@ -21385,7 +22133,7 @@
 </file>
 
 <file path=ppt/slides/slide22.xml><?xml version="1.0" encoding="utf-8"?>
-<p:sld xmlns:a="http://schemas.openxmlformats.org/drawingml/2006/main" xmlns:r="http://schemas.openxmlformats.org/officeDocument/2006/relationships" xmlns:p="http://schemas.openxmlformats.org/presentationml/2006/main">
+<p:sld xmlns:a="http://schemas.openxmlformats.org/drawingml/2006/main" xmlns:r="http://schemas.openxmlformats.org/officeDocument/2006/relationships" xmlns:p="http://schemas.openxmlformats.org/presentationml/2006/main" show="0">
   <p:cSld>
     <p:spTree>
       <p:nvGrpSpPr>
@@ -21589,6 +22337,14 @@
   <p:clrMapOvr>
     <a:masterClrMapping/>
   </p:clrMapOvr>
+  <mc:AlternateContent xmlns:mc="http://schemas.openxmlformats.org/markup-compatibility/2006">
+    <mc:Choice xmlns:p14="http://schemas.microsoft.com/office/powerpoint/2010/main" Requires="p14">
+      <p:transition spd="slow" p14:dur="2000"/>
+    </mc:Choice>
+    <mc:Fallback>
+      <p:transition spd="slow"/>
+    </mc:Fallback>
+  </mc:AlternateContent>
   <p:timing>
     <p:tnLst>
       <p:par>
@@ -21618,6 +22374,101 @@
       </p:grpSpPr>
       <p:sp>
         <p:nvSpPr>
+          <p:cNvPr id="4" name="Текст 3"/>
+          <p:cNvSpPr>
+            <a:spLocks noGrp="1"/>
+          </p:cNvSpPr>
+          <p:nvPr>
+            <p:ph type="body" sz="quarter" idx="10"/>
+          </p:nvPr>
+        </p:nvSpPr>
+        <p:spPr/>
+        <p:txBody>
+          <a:bodyPr/>
+          <a:lstStyle/>
+          <a:p>
+            <a:pPr algn="ctr"/>
+            <a:r>
+              <a:rPr lang="ru-RU" sz="2800" dirty="0"/>
+              <a:t>Асинхронное</a:t>
+            </a:r>
+            <a:endParaRPr lang="ru-RU" dirty="0"/>
+          </a:p>
+        </p:txBody>
+      </p:sp>
+      <p:pic>
+        <p:nvPicPr>
+          <p:cNvPr id="1029" name="Picture 5" descr="F:\projects\github\personal\interaction.png"/>
+          <p:cNvPicPr>
+            <a:picLocks noChangeAspect="1" noChangeArrowheads="1"/>
+          </p:cNvPicPr>
+          <p:nvPr/>
+        </p:nvPicPr>
+        <p:blipFill>
+          <a:blip r:embed="rId3">
+            <a:extLst>
+              <a:ext uri="{28A0092B-C50C-407E-A947-70E740481C1C}">
+                <a14:useLocalDpi xmlns:a14="http://schemas.microsoft.com/office/drawing/2010/main" val="0"/>
+              </a:ext>
+            </a:extLst>
+          </a:blip>
+          <a:srcRect/>
+          <a:stretch>
+            <a:fillRect/>
+          </a:stretch>
+        </p:blipFill>
+        <p:spPr bwMode="auto">
+          <a:xfrm>
+            <a:off x="420112" y="1038857"/>
+            <a:ext cx="8088888" cy="5327360"/>
+          </a:xfrm>
+          <a:prstGeom prst="rect">
+            <a:avLst/>
+          </a:prstGeom>
+          <a:noFill/>
+          <a:extLst>
+            <a:ext uri="{909E8E84-426E-40DD-AFC4-6F175D3DCCD1}">
+              <a14:hiddenFill xmlns:a14="http://schemas.microsoft.com/office/drawing/2010/main">
+                <a:solidFill>
+                  <a:srgbClr val="FFFFFF"/>
+                </a:solidFill>
+              </a14:hiddenFill>
+            </a:ext>
+          </a:extLst>
+        </p:spPr>
+      </p:pic>
+    </p:spTree>
+    <p:extLst>
+      <p:ext uri="{BB962C8B-B14F-4D97-AF65-F5344CB8AC3E}">
+        <p14:creationId xmlns:p14="http://schemas.microsoft.com/office/powerpoint/2010/main" val="875886773"/>
+      </p:ext>
+    </p:extLst>
+  </p:cSld>
+  <p:clrMapOvr>
+    <a:masterClrMapping/>
+  </p:clrMapOvr>
+</p:sld>
+</file>
+
+<file path=ppt/slides/slide24.xml><?xml version="1.0" encoding="utf-8"?>
+<p:sld xmlns:a="http://schemas.openxmlformats.org/drawingml/2006/main" xmlns:r="http://schemas.openxmlformats.org/officeDocument/2006/relationships" xmlns:p="http://schemas.openxmlformats.org/presentationml/2006/main">
+  <p:cSld>
+    <p:spTree>
+      <p:nvGrpSpPr>
+        <p:cNvPr id="1" name=""/>
+        <p:cNvGrpSpPr/>
+        <p:nvPr/>
+      </p:nvGrpSpPr>
+      <p:grpSpPr>
+        <a:xfrm>
+          <a:off x="0" y="0"/>
+          <a:ext cx="0" cy="0"/>
+          <a:chOff x="0" y="0"/>
+          <a:chExt cx="0" cy="0"/>
+        </a:xfrm>
+      </p:grpSpPr>
+      <p:sp>
+        <p:nvSpPr>
           <p:cNvPr id="4" name="Text Placeholder 3"/>
           <p:cNvSpPr>
             <a:spLocks noGrp="1"/>
@@ -21653,7 +22504,7 @@
         <p:spPr>
           <a:xfrm>
             <a:off x="292100" y="1330335"/>
-            <a:ext cx="8623300" cy="5238357"/>
+            <a:ext cx="8623300" cy="4721292"/>
           </a:xfrm>
           <a:prstGeom prst="rect">
             <a:avLst/>
@@ -21694,7 +22545,13 @@
               <a:rPr lang="ru-RU" sz="3200" dirty="0">
                 <a:latin typeface="Trebuchet MS" pitchFamily="34" charset="0"/>
               </a:rPr>
-              <a:t>Быть готовым к восстановлению данных</a:t>
+              <a:t>Быть готовым к </a:t>
+            </a:r>
+            <a:r>
+              <a:rPr lang="ru-RU" sz="3200" dirty="0" smtClean="0">
+                <a:latin typeface="Trebuchet MS" pitchFamily="34" charset="0"/>
+              </a:rPr>
+              <a:t>восстановлению</a:t>
             </a:r>
             <a:endParaRPr lang="en-US" sz="3200" dirty="0">
               <a:latin typeface="Trebuchet MS" pitchFamily="34" charset="0"/>
@@ -21719,21 +22576,6 @@
             </a:endParaRPr>
           </a:p>
           <a:p>
-            <a:pPr marL="742950" lvl="1" indent="-285750" defTabSz="914400">
-              <a:spcBef>
-                <a:spcPct val="20000"/>
-              </a:spcBef>
-              <a:buFont typeface="Arial" pitchFamily="34" charset="0"/>
-              <a:buChar char="–"/>
-            </a:pPr>
-            <a:r>
-              <a:rPr lang="en-US" sz="2800" u="sng" dirty="0">
-                <a:latin typeface="Trebuchet MS" pitchFamily="34" charset="0"/>
-              </a:rPr>
-              <a:t>Show on our application</a:t>
-            </a:r>
-          </a:p>
-          <a:p>
             <a:pPr marL="342900" lvl="0" indent="-342900" defTabSz="914400">
               <a:spcBef>
                 <a:spcPct val="20000"/>
@@ -21742,10 +22584,22 @@
               <a:buChar char="•"/>
             </a:pPr>
             <a:r>
+              <a:rPr lang="ru-RU" sz="3200" dirty="0" smtClean="0">
+                <a:latin typeface="Trebuchet MS" pitchFamily="34" charset="0"/>
+              </a:rPr>
+              <a:t>Определить </a:t>
+            </a:r>
+            <a:r>
               <a:rPr lang="ru-RU" sz="3200" dirty="0">
                 <a:latin typeface="Trebuchet MS" pitchFamily="34" charset="0"/>
               </a:rPr>
-              <a:t>Определить как восстанавливать данные</a:t>
+              <a:t>как </a:t>
+            </a:r>
+            <a:r>
+              <a:rPr lang="ru-RU" sz="3200" dirty="0" smtClean="0">
+                <a:latin typeface="Trebuchet MS" pitchFamily="34" charset="0"/>
+              </a:rPr>
+              <a:t>восстанавливать</a:t>
             </a:r>
             <a:endParaRPr lang="en-US" sz="3200" dirty="0">
               <a:latin typeface="Trebuchet MS" pitchFamily="34" charset="0"/>
@@ -21905,7 +22759,7 @@
 </p:sld>
 </file>
 
-<file path=ppt/slides/slide24.xml><?xml version="1.0" encoding="utf-8"?>
+<file path=ppt/slides/slide25.xml><?xml version="1.0" encoding="utf-8"?>
 <p:sld xmlns:a="http://schemas.openxmlformats.org/drawingml/2006/main" xmlns:r="http://schemas.openxmlformats.org/officeDocument/2006/relationships" xmlns:p="http://schemas.openxmlformats.org/presentationml/2006/main">
   <p:cSld>
     <p:spTree>
@@ -21954,7 +22808,7 @@
         </p:nvSpPr>
         <p:spPr>
           <a:xfrm>
-            <a:off x="611560" y="1484784"/>
+            <a:off x="1195760" y="1484784"/>
             <a:ext cx="2340260" cy="3600400"/>
           </a:xfrm>
           <a:prstGeom prst="rect">
@@ -22021,7 +22875,7 @@
         </p:nvSpPr>
         <p:spPr>
           <a:xfrm>
-            <a:off x="1115616" y="2276872"/>
+            <a:off x="1699816" y="2276872"/>
             <a:ext cx="1080120" cy="792088"/>
           </a:xfrm>
           <a:prstGeom prst="flowChartMagneticDisk">
@@ -22103,7 +22957,7 @@
         </p:nvSpPr>
         <p:spPr>
           <a:xfrm>
-            <a:off x="4572000" y="2402596"/>
+            <a:off x="5156200" y="2402596"/>
             <a:ext cx="1512168" cy="540640"/>
           </a:xfrm>
           <a:prstGeom prst="rect">
@@ -22188,7 +23042,7 @@
         </p:nvCxnSpPr>
         <p:spPr>
           <a:xfrm>
-            <a:off x="2195736" y="2672916"/>
+            <a:off x="2779936" y="2672916"/>
             <a:ext cx="2376264" cy="0"/>
           </a:xfrm>
           <a:prstGeom prst="straightConnector1">
@@ -22219,7 +23073,7 @@
         </p:nvCxnSpPr>
         <p:spPr>
           <a:xfrm flipH="1">
-            <a:off x="5328084" y="2672916"/>
+            <a:off x="5912284" y="2672916"/>
             <a:ext cx="756084" cy="270320"/>
           </a:xfrm>
           <a:prstGeom prst="curvedConnector4">
@@ -22250,7 +23104,7 @@
         </p:nvSpPr>
         <p:spPr>
           <a:xfrm>
-            <a:off x="6732241" y="2808076"/>
+            <a:off x="7316441" y="2808076"/>
             <a:ext cx="1512167" cy="923330"/>
           </a:xfrm>
           <a:prstGeom prst="rect">
@@ -22378,7 +23232,7 @@
         </p:nvSpPr>
         <p:spPr>
           <a:xfrm>
-            <a:off x="3347864" y="2276872"/>
+            <a:off x="3932064" y="2276872"/>
             <a:ext cx="860685" cy="369332"/>
           </a:xfrm>
           <a:prstGeom prst="rect">
@@ -22459,7 +23313,7 @@
         </p:nvSpPr>
         <p:spPr>
           <a:xfrm>
-            <a:off x="611560" y="1484784"/>
+            <a:off x="1195760" y="1484784"/>
             <a:ext cx="2340260" cy="648072"/>
           </a:xfrm>
           <a:prstGeom prst="rect">
@@ -22579,7 +23433,7 @@
         </p:nvSpPr>
         <p:spPr>
           <a:xfrm>
-            <a:off x="1148541" y="3731406"/>
+            <a:off x="1732741" y="3731406"/>
             <a:ext cx="1080120" cy="792088"/>
           </a:xfrm>
           <a:prstGeom prst="flowChartMagneticDisk">
@@ -22663,7 +23517,7 @@
         </p:nvCxnSpPr>
         <p:spPr>
           <a:xfrm flipH="1">
-            <a:off x="2228661" y="3284984"/>
+            <a:off x="2812861" y="3284984"/>
             <a:ext cx="3207435" cy="842466"/>
           </a:xfrm>
           <a:prstGeom prst="straightConnector1">
@@ -22691,7 +23545,7 @@
         </p:nvSpPr>
         <p:spPr>
           <a:xfrm>
-            <a:off x="3451851" y="3573016"/>
+            <a:off x="4036051" y="3573016"/>
             <a:ext cx="1577420" cy="369332"/>
           </a:xfrm>
           <a:prstGeom prst="rect">
@@ -22758,7 +23612,7 @@
         </p:nvGrpSpPr>
         <p:grpSpPr>
           <a:xfrm>
-            <a:off x="4612614" y="4725144"/>
+            <a:off x="5196814" y="4725144"/>
             <a:ext cx="558062" cy="1142836"/>
             <a:chOff x="4427984" y="3942348"/>
             <a:chExt cx="792088" cy="1718900"/>
@@ -22944,7 +23798,7 @@
         </p:nvSpPr>
         <p:spPr>
           <a:xfrm>
-            <a:off x="4283968" y="5877272"/>
+            <a:off x="4868168" y="5877272"/>
             <a:ext cx="1307153" cy="646331"/>
           </a:xfrm>
           <a:prstGeom prst="rect">
@@ -23046,7 +23900,7 @@
         </p:nvCxnSpPr>
         <p:spPr>
           <a:xfrm rot="16200000" flipH="1">
-            <a:off x="2669435" y="3542659"/>
+            <a:off x="3253635" y="3542659"/>
             <a:ext cx="921730" cy="2883399"/>
           </a:xfrm>
           <a:prstGeom prst="curvedConnector2">
@@ -23074,7 +23928,7 @@
         </p:nvSpPr>
         <p:spPr>
           <a:xfrm>
-            <a:off x="2771800" y="5278376"/>
+            <a:off x="3356000" y="5278376"/>
             <a:ext cx="1133580" cy="369332"/>
           </a:xfrm>
           <a:prstGeom prst="rect">
@@ -23143,7 +23997,7 @@
         </p:nvCxnSpPr>
         <p:spPr>
           <a:xfrm rot="16200000" flipV="1">
-            <a:off x="881591" y="2906941"/>
+            <a:off x="1465791" y="2906941"/>
             <a:ext cx="3420380" cy="2952330"/>
           </a:xfrm>
           <a:prstGeom prst="curvedConnector4">
@@ -23174,7 +24028,7 @@
         </p:nvSpPr>
         <p:spPr>
           <a:xfrm>
-            <a:off x="2771800" y="6109243"/>
+            <a:off x="3356000" y="6109243"/>
             <a:ext cx="1465016" cy="369332"/>
           </a:xfrm>
           <a:prstGeom prst="rect">
@@ -23233,6 +24087,101 @@
           </a:p>
         </p:txBody>
       </p:sp>
+      <p:cxnSp>
+        <p:nvCxnSpPr>
+          <p:cNvPr id="50" name="Прямая со стрелкой 49"/>
+          <p:cNvCxnSpPr/>
+          <p:nvPr/>
+        </p:nvCxnSpPr>
+        <p:spPr>
+          <a:xfrm>
+            <a:off x="381000" y="2646204"/>
+            <a:ext cx="1318816" cy="0"/>
+          </a:xfrm>
+          <a:prstGeom prst="straightConnector1">
+            <a:avLst/>
+          </a:prstGeom>
+          <a:noFill/>
+          <a:ln w="9525" cap="flat" cmpd="sng" algn="ctr">
+            <a:solidFill>
+              <a:srgbClr val="4F81BD">
+                <a:shade val="95000"/>
+                <a:satMod val="105000"/>
+              </a:srgbClr>
+            </a:solidFill>
+            <a:prstDash val="solid"/>
+            <a:tailEnd type="arrow"/>
+          </a:ln>
+          <a:effectLst/>
+        </p:spPr>
+      </p:cxnSp>
+      <p:sp>
+        <p:nvSpPr>
+          <p:cNvPr id="51" name="TextBox 50"/>
+          <p:cNvSpPr txBox="1"/>
+          <p:nvPr/>
+        </p:nvSpPr>
+        <p:spPr>
+          <a:xfrm>
+            <a:off x="179723" y="2093582"/>
+            <a:ext cx="901209" cy="369332"/>
+          </a:xfrm>
+          <a:prstGeom prst="rect">
+            <a:avLst/>
+          </a:prstGeom>
+          <a:noFill/>
+        </p:spPr>
+        <p:txBody>
+          <a:bodyPr wrap="none" rtlCol="0">
+            <a:spAutoFit/>
+          </a:bodyPr>
+          <a:lstStyle/>
+          <a:p>
+            <a:pPr marL="0" marR="0" lvl="0" indent="0" defTabSz="914400" eaLnBrk="1" fontAlgn="auto" latinLnBrk="0" hangingPunct="1">
+              <a:lnSpc>
+                <a:spcPct val="100000"/>
+              </a:lnSpc>
+              <a:spcBef>
+                <a:spcPts val="0"/>
+              </a:spcBef>
+              <a:spcAft>
+                <a:spcPts val="0"/>
+              </a:spcAft>
+              <a:buClrTx/>
+              <a:buSzTx/>
+              <a:buFontTx/>
+              <a:buNone/>
+              <a:tabLst/>
+              <a:defRPr/>
+            </a:pPr>
+            <a:r>
+              <a:rPr kumimoji="0" lang="ru-RU" sz="1800" b="0" i="0" u="none" strike="noStrike" kern="0" cap="none" spc="0" normalizeH="0" baseline="0" noProof="0" dirty="0" smtClean="0">
+                <a:ln>
+                  <a:noFill/>
+                </a:ln>
+                <a:solidFill>
+                  <a:sysClr val="windowText" lastClr="000000"/>
+                </a:solidFill>
+                <a:effectLst/>
+                <a:uLnTx/>
+                <a:uFillTx/>
+              </a:rPr>
+              <a:t>запрос</a:t>
+            </a:r>
+            <a:endParaRPr kumimoji="0" lang="ru-RU" sz="1800" b="0" i="0" u="none" strike="noStrike" kern="0" cap="none" spc="0" normalizeH="0" baseline="0" noProof="0" dirty="0">
+              <a:ln>
+                <a:noFill/>
+              </a:ln>
+              <a:solidFill>
+                <a:sysClr val="windowText" lastClr="000000"/>
+              </a:solidFill>
+              <a:effectLst/>
+              <a:uLnTx/>
+              <a:uFillTx/>
+            </a:endParaRPr>
+          </a:p>
+        </p:txBody>
+      </p:sp>
     </p:spTree>
     <p:extLst>
       <p:ext uri="{BB962C8B-B14F-4D97-AF65-F5344CB8AC3E}">
@@ -23250,6 +24199,124 @@
       </p:par>
     </p:tnLst>
   </p:timing>
+</p:sld>
+</file>
+
+<file path=ppt/slides/slide26.xml><?xml version="1.0" encoding="utf-8"?>
+<p:sld xmlns:a="http://schemas.openxmlformats.org/drawingml/2006/main" xmlns:r="http://schemas.openxmlformats.org/officeDocument/2006/relationships" xmlns:p="http://schemas.openxmlformats.org/presentationml/2006/main">
+  <p:cSld>
+    <p:spTree>
+      <p:nvGrpSpPr>
+        <p:cNvPr id="1" name=""/>
+        <p:cNvGrpSpPr/>
+        <p:nvPr/>
+      </p:nvGrpSpPr>
+      <p:grpSpPr>
+        <a:xfrm>
+          <a:off x="0" y="0"/>
+          <a:ext cx="0" cy="0"/>
+          <a:chOff x="0" y="0"/>
+          <a:chExt cx="0" cy="0"/>
+        </a:xfrm>
+      </p:grpSpPr>
+      <p:sp>
+        <p:nvSpPr>
+          <p:cNvPr id="4" name="Текст 3"/>
+          <p:cNvSpPr>
+            <a:spLocks noGrp="1"/>
+          </p:cNvSpPr>
+          <p:nvPr>
+            <p:ph type="body" sz="quarter" idx="10"/>
+          </p:nvPr>
+        </p:nvSpPr>
+        <p:spPr>
+          <a:xfrm>
+            <a:off x="2222500" y="2082800"/>
+            <a:ext cx="4165600" cy="1739900"/>
+          </a:xfrm>
+        </p:spPr>
+        <p:txBody>
+          <a:bodyPr/>
+          <a:lstStyle/>
+          <a:p>
+            <a:pPr algn="ctr"/>
+            <a:r>
+              <a:rPr lang="en-US" dirty="0" smtClean="0"/>
+              <a:t>Q&amp;A   </a:t>
+            </a:r>
+            <a:endParaRPr lang="ru-RU" dirty="0"/>
+          </a:p>
+        </p:txBody>
+      </p:sp>
+    </p:spTree>
+    <p:extLst>
+      <p:ext uri="{BB962C8B-B14F-4D97-AF65-F5344CB8AC3E}">
+        <p14:creationId xmlns:p14="http://schemas.microsoft.com/office/powerpoint/2010/main" val="3965024869"/>
+      </p:ext>
+    </p:extLst>
+  </p:cSld>
+  <p:clrMapOvr>
+    <a:masterClrMapping/>
+  </p:clrMapOvr>
+</p:sld>
+</file>
+
+<file path=ppt/slides/slide27.xml><?xml version="1.0" encoding="utf-8"?>
+<p:sld xmlns:a="http://schemas.openxmlformats.org/drawingml/2006/main" xmlns:r="http://schemas.openxmlformats.org/officeDocument/2006/relationships" xmlns:p="http://schemas.openxmlformats.org/presentationml/2006/main">
+  <p:cSld>
+    <p:spTree>
+      <p:nvGrpSpPr>
+        <p:cNvPr id="1" name=""/>
+        <p:cNvGrpSpPr/>
+        <p:nvPr/>
+      </p:nvGrpSpPr>
+      <p:grpSpPr>
+        <a:xfrm>
+          <a:off x="0" y="0"/>
+          <a:ext cx="0" cy="0"/>
+          <a:chOff x="0" y="0"/>
+          <a:chExt cx="0" cy="0"/>
+        </a:xfrm>
+      </p:grpSpPr>
+      <p:sp>
+        <p:nvSpPr>
+          <p:cNvPr id="4" name="Текст 3"/>
+          <p:cNvSpPr>
+            <a:spLocks noGrp="1"/>
+          </p:cNvSpPr>
+          <p:nvPr>
+            <p:ph type="body" sz="quarter" idx="10"/>
+          </p:nvPr>
+        </p:nvSpPr>
+        <p:spPr>
+          <a:xfrm>
+            <a:off x="0" y="2730500"/>
+            <a:ext cx="9144000" cy="932688"/>
+          </a:xfrm>
+        </p:spPr>
+        <p:txBody>
+          <a:bodyPr/>
+          <a:lstStyle/>
+          <a:p>
+            <a:pPr algn="ctr"/>
+            <a:r>
+              <a:rPr lang="ru-RU" dirty="0" smtClean="0"/>
+              <a:t>Спасибо за внимание</a:t>
+            </a:r>
+            <a:endParaRPr lang="ru-RU" dirty="0"/>
+          </a:p>
+        </p:txBody>
+      </p:sp>
+    </p:spTree>
+    <p:extLst>
+      <p:ext uri="{BB962C8B-B14F-4D97-AF65-F5344CB8AC3E}">
+        <p14:creationId xmlns:p14="http://schemas.microsoft.com/office/powerpoint/2010/main" val="4215061883"/>
+      </p:ext>
+    </p:extLst>
+  </p:cSld>
+  <p:clrMapOvr>
+    <a:masterClrMapping/>
+  </p:clrMapOvr>
 </p:sld>
 </file>
 
@@ -24009,11 +25076,7 @@
             <a:pPr algn="ctr"/>
             <a:r>
               <a:rPr lang="ru-RU" dirty="0" smtClean="0"/>
-              <a:t>Справочник </a:t>
-            </a:r>
-            <a:r>
-              <a:rPr lang="ru-RU" dirty="0" smtClean="0"/>
-              <a:t>Издателей</a:t>
+              <a:t>Справочник Издателей</a:t>
             </a:r>
             <a:endParaRPr lang="ru-RU" dirty="0"/>
           </a:p>
@@ -26149,15 +27212,7 @@
             </a:r>
             <a:r>
               <a:rPr lang="ru-RU" sz="3200" dirty="0" smtClean="0"/>
-              <a:t>Разные </a:t>
-            </a:r>
-            <a:r>
-              <a:rPr lang="ru-RU" sz="3200" dirty="0" smtClean="0"/>
-              <a:t>сервисы </a:t>
-            </a:r>
-            <a:r>
-              <a:rPr lang="ru-RU" sz="3200" dirty="0" smtClean="0"/>
-              <a:t>под разные нужды</a:t>
+              <a:t>Разные сервисы под разные нужды</a:t>
             </a:r>
             <a:endParaRPr lang="en-US" sz="3200" dirty="0" smtClean="0"/>
           </a:p>
@@ -27769,6 +28824,24 @@
 </file>
 
 <file path=customXml/item1.xml><?xml version="1.0" encoding="utf-8"?>
+<p:properties xmlns:p="http://schemas.microsoft.com/office/2006/metadata/properties" xmlns:xsi="http://www.w3.org/2001/XMLSchema-instance" xmlns:pc="http://schemas.microsoft.com/office/infopath/2007/PartnerControls">
+  <documentManagement>
+    <PublishingExpirationDate xmlns="http://schemas.microsoft.com/sharepoint/v3" xsi:nil="true"/>
+    <PublishingStartDate xmlns="http://schemas.microsoft.com/sharepoint/v3" xsi:nil="true"/>
+  </documentManagement>
+</p:properties>
+</file>
+
+<file path=customXml/item2.xml><?xml version="1.0" encoding="utf-8"?>
+<?mso-contentType ?>
+<FormTemplates xmlns="http://schemas.microsoft.com/sharepoint/v3/contenttype/forms">
+  <Display>DocumentLibraryForm</Display>
+  <Edit>DocumentLibraryForm</Edit>
+  <New>DocumentLibraryForm</New>
+</FormTemplates>
+</file>
+
+<file path=customXml/item3.xml><?xml version="1.0" encoding="utf-8"?>
 <ct:contentTypeSchema xmlns:ct="http://schemas.microsoft.com/office/2006/metadata/contentType" xmlns:ma="http://schemas.microsoft.com/office/2006/metadata/properties/metaAttributes" ct:_="" ma:_="" ma:contentTypeName="Document" ma:contentTypeID="0x010100B0E9A4A7D20EA84CAA39F80EA2A19865" ma:contentTypeVersion="1" ma:contentTypeDescription="Create a new document." ma:contentTypeScope="" ma:versionID="4ed0c655cf5595f31b06ef1418ca28bf">
   <xsd:schema xmlns:xsd="http://www.w3.org/2001/XMLSchema" xmlns:xs="http://www.w3.org/2001/XMLSchema" xmlns:p="http://schemas.microsoft.com/office/2006/metadata/properties" xmlns:ns1="http://schemas.microsoft.com/sharepoint/v3" targetNamespace="http://schemas.microsoft.com/office/2006/metadata/properties" ma:root="true" ma:fieldsID="4dcce58c87e9fcebab8021569449a8d0" ns1:_="">
     <xsd:import namespace="http://schemas.microsoft.com/sharepoint/v3"/>
@@ -27900,25 +28973,31 @@
 </ct:contentTypeSchema>
 </file>
 
-<file path=customXml/item2.xml><?xml version="1.0" encoding="utf-8"?>
-<?mso-contentType ?>
-<FormTemplates xmlns="http://schemas.microsoft.com/sharepoint/v3/contenttype/forms">
-  <Display>DocumentLibraryForm</Display>
-  <Edit>DocumentLibraryForm</Edit>
-  <New>DocumentLibraryForm</New>
-</FormTemplates>
+<file path=customXml/itemProps1.xml><?xml version="1.0" encoding="utf-8"?>
+<ds:datastoreItem xmlns:ds="http://schemas.openxmlformats.org/officeDocument/2006/customXml" ds:itemID="{D5E3C081-4081-47AD-A9A6-9F18F525DA1D}">
+  <ds:schemaRefs>
+    <ds:schemaRef ds:uri="http://purl.org/dc/terms/"/>
+    <ds:schemaRef ds:uri="http://purl.org/dc/dcmitype/"/>
+    <ds:schemaRef ds:uri="http://www.w3.org/XML/1998/namespace"/>
+    <ds:schemaRef ds:uri="http://schemas.openxmlformats.org/package/2006/metadata/core-properties"/>
+    <ds:schemaRef ds:uri="http://purl.org/dc/elements/1.1/"/>
+    <ds:schemaRef ds:uri="http://schemas.microsoft.com/office/2006/documentManagement/types"/>
+    <ds:schemaRef ds:uri="http://schemas.microsoft.com/office/infopath/2007/PartnerControls"/>
+    <ds:schemaRef ds:uri="http://schemas.microsoft.com/sharepoint/v3"/>
+    <ds:schemaRef ds:uri="http://schemas.microsoft.com/office/2006/metadata/properties"/>
+  </ds:schemaRefs>
+</ds:datastoreItem>
 </file>
 
-<file path=customXml/item3.xml><?xml version="1.0" encoding="utf-8"?>
-<p:properties xmlns:p="http://schemas.microsoft.com/office/2006/metadata/properties" xmlns:xsi="http://www.w3.org/2001/XMLSchema-instance" xmlns:pc="http://schemas.microsoft.com/office/infopath/2007/PartnerControls">
-  <documentManagement>
-    <PublishingExpirationDate xmlns="http://schemas.microsoft.com/sharepoint/v3" xsi:nil="true"/>
-    <PublishingStartDate xmlns="http://schemas.microsoft.com/sharepoint/v3" xsi:nil="true"/>
-  </documentManagement>
-</p:properties>
+<file path=customXml/itemProps2.xml><?xml version="1.0" encoding="utf-8"?>
+<ds:datastoreItem xmlns:ds="http://schemas.openxmlformats.org/officeDocument/2006/customXml" ds:itemID="{14883F0F-DE57-4ECA-B9BB-F22E8C5B5D82}">
+  <ds:schemaRefs>
+    <ds:schemaRef ds:uri="http://schemas.microsoft.com/sharepoint/v3/contenttype/forms"/>
+  </ds:schemaRefs>
+</ds:datastoreItem>
 </file>
 
-<file path=customXml/itemProps1.xml><?xml version="1.0" encoding="utf-8"?>
+<file path=customXml/itemProps3.xml><?xml version="1.0" encoding="utf-8"?>
 <ds:datastoreItem xmlns:ds="http://schemas.openxmlformats.org/officeDocument/2006/customXml" ds:itemID="{C3A1A37E-F8E3-427A-BCE9-B1DDB8B96CDF}">
   <ds:schemaRefs>
     <ds:schemaRef ds:uri="http://schemas.microsoft.com/office/2006/metadata/contentType"/>
@@ -27934,28 +29013,4 @@
     <ds:schemaRef ds:uri="http://schemas.microsoft.com/internal/obd"/>
   </ds:schemaRefs>
 </ds:datastoreItem>
-</file>
-
-<file path=customXml/itemProps2.xml><?xml version="1.0" encoding="utf-8"?>
-<ds:datastoreItem xmlns:ds="http://schemas.openxmlformats.org/officeDocument/2006/customXml" ds:itemID="{14883F0F-DE57-4ECA-B9BB-F22E8C5B5D82}">
-  <ds:schemaRefs>
-    <ds:schemaRef ds:uri="http://schemas.microsoft.com/sharepoint/v3/contenttype/forms"/>
-  </ds:schemaRefs>
-</ds:datastoreItem>
-</file>
-
-<file path=customXml/itemProps3.xml><?xml version="1.0" encoding="utf-8"?>
-<ds:datastoreItem xmlns:ds="http://schemas.openxmlformats.org/officeDocument/2006/customXml" ds:itemID="{D5E3C081-4081-47AD-A9A6-9F18F525DA1D}">
-  <ds:schemaRefs>
-    <ds:schemaRef ds:uri="http://purl.org/dc/terms/"/>
-    <ds:schemaRef ds:uri="http://purl.org/dc/dcmitype/"/>
-    <ds:schemaRef ds:uri="http://www.w3.org/XML/1998/namespace"/>
-    <ds:schemaRef ds:uri="http://schemas.openxmlformats.org/package/2006/metadata/core-properties"/>
-    <ds:schemaRef ds:uri="http://purl.org/dc/elements/1.1/"/>
-    <ds:schemaRef ds:uri="http://schemas.microsoft.com/office/2006/documentManagement/types"/>
-    <ds:schemaRef ds:uri="http://schemas.microsoft.com/office/infopath/2007/PartnerControls"/>
-    <ds:schemaRef ds:uri="http://schemas.microsoft.com/sharepoint/v3"/>
-    <ds:schemaRef ds:uri="http://schemas.microsoft.com/office/2006/metadata/properties"/>
-  </ds:schemaRefs>
-</ds:datastoreItem>
 </file>
--- a/Microservices_Template.pptx
+++ b/Microservices_Template.pptx
@@ -6,10 +6,10 @@
     <p:sldMasterId id="2147483730" r:id="rId5"/>
   </p:sldMasterIdLst>
   <p:notesMasterIdLst>
-    <p:notesMasterId r:id="rId33"/>
+    <p:notesMasterId r:id="rId36"/>
   </p:notesMasterIdLst>
   <p:handoutMasterIdLst>
-    <p:handoutMasterId r:id="rId34"/>
+    <p:handoutMasterId r:id="rId37"/>
   </p:handoutMasterIdLst>
   <p:sldIdLst>
     <p:sldId id="452" r:id="rId6"/>
@@ -37,8 +37,11 @@
     <p:sldId id="480" r:id="rId28"/>
     <p:sldId id="478" r:id="rId29"/>
     <p:sldId id="479" r:id="rId30"/>
-    <p:sldId id="481" r:id="rId31"/>
-    <p:sldId id="482" r:id="rId32"/>
+    <p:sldId id="483" r:id="rId31"/>
+    <p:sldId id="484" r:id="rId32"/>
+    <p:sldId id="485" r:id="rId33"/>
+    <p:sldId id="481" r:id="rId34"/>
+    <p:sldId id="482" r:id="rId35"/>
   </p:sldIdLst>
   <p:sldSz cx="9144000" cy="6858000" type="screen4x3"/>
   <p:notesSz cx="6858000" cy="9144000"/>
@@ -330,7 +333,7 @@
           <a:p>
             <a:fld id="{7F5E9BF7-95E4-A242-BA1D-05FDCF603BE6}" type="datetime1">
               <a:rPr lang="en-US" smtClean="0"/>
-              <a:t>10/21/2015</a:t>
+              <a:t>10/22/2015</a:t>
             </a:fld>
             <a:endParaRPr lang="en-US"/>
           </a:p>
@@ -496,7 +499,7 @@
           <a:p>
             <a:fld id="{165DBCB1-0306-AD41-9452-11E7C08D5C04}" type="datetime1">
               <a:rPr lang="en-US" smtClean="0"/>
-              <a:t>10/21/2015</a:t>
+              <a:t>10/22/2015</a:t>
             </a:fld>
             <a:endParaRPr lang="en-US"/>
           </a:p>
@@ -3439,6 +3442,592 @@
     <p:extLst>
       <p:ext uri="{BB962C8B-B14F-4D97-AF65-F5344CB8AC3E}">
         <p14:creationId xmlns:p14="http://schemas.microsoft.com/office/powerpoint/2010/main" val="2860688175"/>
+      </p:ext>
+    </p:extLst>
+  </p:cSld>
+  <p:clrMapOvr>
+    <a:masterClrMapping/>
+  </p:clrMapOvr>
+</p:notes>
+</file>
+
+<file path=ppt/notesSlides/notesSlide26.xml><?xml version="1.0" encoding="utf-8"?>
+<p:notes xmlns:a="http://schemas.openxmlformats.org/drawingml/2006/main" xmlns:r="http://schemas.openxmlformats.org/officeDocument/2006/relationships" xmlns:p="http://schemas.openxmlformats.org/presentationml/2006/main">
+  <p:cSld>
+    <p:spTree>
+      <p:nvGrpSpPr>
+        <p:cNvPr id="1" name=""/>
+        <p:cNvGrpSpPr/>
+        <p:nvPr/>
+      </p:nvGrpSpPr>
+      <p:grpSpPr>
+        <a:xfrm>
+          <a:off x="0" y="0"/>
+          <a:ext cx="0" cy="0"/>
+          <a:chOff x="0" y="0"/>
+          <a:chExt cx="0" cy="0"/>
+        </a:xfrm>
+      </p:grpSpPr>
+      <p:sp>
+        <p:nvSpPr>
+          <p:cNvPr id="2" name="Образ слайда 1"/>
+          <p:cNvSpPr>
+            <a:spLocks noGrp="1" noRot="1" noChangeAspect="1"/>
+          </p:cNvSpPr>
+          <p:nvPr>
+            <p:ph type="sldImg"/>
+          </p:nvPr>
+        </p:nvSpPr>
+        <p:spPr/>
+      </p:sp>
+      <p:sp>
+        <p:nvSpPr>
+          <p:cNvPr id="3" name="Заметки 2"/>
+          <p:cNvSpPr>
+            <a:spLocks noGrp="1"/>
+          </p:cNvSpPr>
+          <p:nvPr>
+            <p:ph type="body" idx="1"/>
+          </p:nvPr>
+        </p:nvSpPr>
+        <p:spPr/>
+        <p:txBody>
+          <a:bodyPr/>
+          <a:lstStyle/>
+          <a:p>
+            <a:pPr marL="171450" marR="0" indent="-171450" algn="l" defTabSz="457200" rtl="0" eaLnBrk="1" fontAlgn="auto" latinLnBrk="0" hangingPunct="1">
+              <a:lnSpc>
+                <a:spcPct val="100000"/>
+              </a:lnSpc>
+              <a:spcBef>
+                <a:spcPts val="0"/>
+              </a:spcBef>
+              <a:spcAft>
+                <a:spcPts val="0"/>
+              </a:spcAft>
+              <a:buClrTx/>
+              <a:buSzTx/>
+              <a:buFontTx/>
+              <a:buChar char="-"/>
+              <a:tabLst/>
+              <a:defRPr/>
+            </a:pPr>
+            <a:r>
+              <a:rPr lang="ru-RU" sz="1200" dirty="0" smtClean="0">
+                <a:solidFill>
+                  <a:srgbClr val="444444"/>
+                </a:solidFill>
+                <a:latin typeface="Trebuchet MS"/>
+                <a:cs typeface="Trebuchet MS"/>
+              </a:rPr>
+              <a:t>Система достаточно понятна</a:t>
+            </a:r>
+          </a:p>
+          <a:p>
+            <a:pPr marL="628650" marR="0" lvl="1" indent="-171450" algn="l" defTabSz="457200" rtl="0" eaLnBrk="1" fontAlgn="auto" latinLnBrk="0" hangingPunct="1">
+              <a:lnSpc>
+                <a:spcPct val="100000"/>
+              </a:lnSpc>
+              <a:spcBef>
+                <a:spcPts val="0"/>
+              </a:spcBef>
+              <a:spcAft>
+                <a:spcPts val="0"/>
+              </a:spcAft>
+              <a:buClrTx/>
+              <a:buSzTx/>
+              <a:buFontTx/>
+              <a:buChar char="-"/>
+              <a:tabLst/>
+              <a:defRPr/>
+            </a:pPr>
+            <a:r>
+              <a:rPr lang="ru-RU" sz="1200" dirty="0" smtClean="0">
+                <a:solidFill>
+                  <a:srgbClr val="444444"/>
+                </a:solidFill>
+                <a:latin typeface="Trebuchet MS"/>
+                <a:cs typeface="Trebuchet MS"/>
+              </a:rPr>
+              <a:t>Если</a:t>
+            </a:r>
+            <a:r>
+              <a:rPr lang="ru-RU" sz="1200" baseline="0" dirty="0" smtClean="0">
+                <a:solidFill>
+                  <a:srgbClr val="444444"/>
+                </a:solidFill>
+                <a:latin typeface="Trebuchet MS"/>
+                <a:cs typeface="Trebuchet MS"/>
+              </a:rPr>
+              <a:t> вы можете ответить на вопрос, как реализован тот или иной функционал и не возникает вопроса «Что </a:t>
+            </a:r>
+            <a:r>
+              <a:rPr lang="ru-RU" sz="1200" baseline="0" smtClean="0">
+                <a:solidFill>
+                  <a:srgbClr val="444444"/>
+                </a:solidFill>
+                <a:latin typeface="Trebuchet MS"/>
+                <a:cs typeface="Trebuchet MS"/>
+              </a:rPr>
+              <a:t>здесь происходит?»</a:t>
+            </a:r>
+            <a:endParaRPr lang="en-US" sz="1200" dirty="0" smtClean="0">
+              <a:solidFill>
+                <a:srgbClr val="444444"/>
+              </a:solidFill>
+              <a:latin typeface="Trebuchet MS"/>
+              <a:cs typeface="Trebuchet MS"/>
+            </a:endParaRPr>
+          </a:p>
+          <a:p>
+            <a:pPr marL="171450" indent="-171450">
+              <a:buFontTx/>
+              <a:buChar char="-"/>
+            </a:pPr>
+            <a:r>
+              <a:rPr lang="ru-RU" sz="1200" dirty="0" smtClean="0">
+                <a:solidFill>
+                  <a:srgbClr val="444444"/>
+                </a:solidFill>
+                <a:latin typeface="Trebuchet MS"/>
+                <a:cs typeface="Trebuchet MS"/>
+              </a:rPr>
+              <a:t>Система </a:t>
+            </a:r>
+            <a:r>
+              <a:rPr lang="ru-RU" sz="1200" dirty="0" smtClean="0">
+                <a:solidFill>
+                  <a:srgbClr val="444444"/>
+                </a:solidFill>
+                <a:latin typeface="Trebuchet MS"/>
+                <a:cs typeface="Trebuchet MS"/>
+              </a:rPr>
+              <a:t>достаточно размыта</a:t>
+            </a:r>
+          </a:p>
+          <a:p>
+            <a:pPr marL="628650" lvl="1" indent="-171450">
+              <a:buFontTx/>
+              <a:buChar char="-"/>
+            </a:pPr>
+            <a:r>
+              <a:rPr lang="ru-RU" dirty="0" smtClean="0">
+                <a:solidFill>
+                  <a:srgbClr val="444444"/>
+                </a:solidFill>
+                <a:latin typeface="Trebuchet MS"/>
+              </a:rPr>
+              <a:t>Когда сложно</a:t>
+            </a:r>
+            <a:r>
+              <a:rPr lang="ru-RU" baseline="0" dirty="0" smtClean="0">
+                <a:solidFill>
+                  <a:srgbClr val="444444"/>
+                </a:solidFill>
+                <a:latin typeface="Trebuchet MS"/>
+              </a:rPr>
+              <a:t> разбить систему на слабо связанные сервисы с ограниченными доменными областями</a:t>
+            </a:r>
+            <a:endParaRPr lang="ru-RU" dirty="0"/>
+          </a:p>
+        </p:txBody>
+      </p:sp>
+      <p:sp>
+        <p:nvSpPr>
+          <p:cNvPr id="4" name="Номер слайда 3"/>
+          <p:cNvSpPr>
+            <a:spLocks noGrp="1"/>
+          </p:cNvSpPr>
+          <p:nvPr>
+            <p:ph type="sldNum" sz="quarter" idx="10"/>
+          </p:nvPr>
+        </p:nvSpPr>
+        <p:spPr/>
+        <p:txBody>
+          <a:bodyPr/>
+          <a:lstStyle/>
+          <a:p>
+            <a:fld id="{7AE90029-A909-AD4E-9775-A0D64990AD22}" type="slidenum">
+              <a:rPr lang="en-US" smtClean="0"/>
+              <a:t>26</a:t>
+            </a:fld>
+            <a:endParaRPr lang="en-US"/>
+          </a:p>
+        </p:txBody>
+      </p:sp>
+    </p:spTree>
+    <p:extLst>
+      <p:ext uri="{BB962C8B-B14F-4D97-AF65-F5344CB8AC3E}">
+        <p14:creationId xmlns:p14="http://schemas.microsoft.com/office/powerpoint/2010/main" val="1939072022"/>
+      </p:ext>
+    </p:extLst>
+  </p:cSld>
+  <p:clrMapOvr>
+    <a:masterClrMapping/>
+  </p:clrMapOvr>
+</p:notes>
+</file>
+
+<file path=ppt/notesSlides/notesSlide27.xml><?xml version="1.0" encoding="utf-8"?>
+<p:notes xmlns:a="http://schemas.openxmlformats.org/drawingml/2006/main" xmlns:r="http://schemas.openxmlformats.org/officeDocument/2006/relationships" xmlns:p="http://schemas.openxmlformats.org/presentationml/2006/main">
+  <p:cSld>
+    <p:spTree>
+      <p:nvGrpSpPr>
+        <p:cNvPr id="1" name=""/>
+        <p:cNvGrpSpPr/>
+        <p:nvPr/>
+      </p:nvGrpSpPr>
+      <p:grpSpPr>
+        <a:xfrm>
+          <a:off x="0" y="0"/>
+          <a:ext cx="0" cy="0"/>
+          <a:chOff x="0" y="0"/>
+          <a:chExt cx="0" cy="0"/>
+        </a:xfrm>
+      </p:grpSpPr>
+      <p:sp>
+        <p:nvSpPr>
+          <p:cNvPr id="2" name="Образ слайда 1"/>
+          <p:cNvSpPr>
+            <a:spLocks noGrp="1" noRot="1" noChangeAspect="1"/>
+          </p:cNvSpPr>
+          <p:nvPr>
+            <p:ph type="sldImg"/>
+          </p:nvPr>
+        </p:nvSpPr>
+        <p:spPr/>
+      </p:sp>
+      <p:sp>
+        <p:nvSpPr>
+          <p:cNvPr id="3" name="Заметки 2"/>
+          <p:cNvSpPr>
+            <a:spLocks noGrp="1"/>
+          </p:cNvSpPr>
+          <p:nvPr>
+            <p:ph type="body" idx="1"/>
+          </p:nvPr>
+        </p:nvSpPr>
+        <p:spPr/>
+        <p:txBody>
+          <a:bodyPr/>
+          <a:lstStyle/>
+          <a:p>
+            <a:pPr marL="171450" indent="-171450">
+              <a:buFontTx/>
+              <a:buChar char="-"/>
+            </a:pPr>
+            <a:r>
+              <a:rPr lang="ru-RU" dirty="0" smtClean="0"/>
+              <a:t>Система чересчур большая </a:t>
+            </a:r>
+          </a:p>
+          <a:p>
+            <a:pPr marL="628650" lvl="1" indent="-171450">
+              <a:buFontTx/>
+              <a:buChar char="-"/>
+            </a:pPr>
+            <a:r>
+              <a:rPr lang="ru-RU" dirty="0" smtClean="0"/>
+              <a:t>просто не помещается на одном сервере</a:t>
+            </a:r>
+          </a:p>
+          <a:p>
+            <a:pPr marL="171450" lvl="0" indent="-171450">
+              <a:buFontTx/>
+              <a:buChar char="-"/>
+            </a:pPr>
+            <a:r>
+              <a:rPr lang="ru-RU" dirty="0" smtClean="0"/>
+              <a:t>Команда</a:t>
+            </a:r>
+            <a:r>
+              <a:rPr lang="ru-RU" baseline="0" dirty="0" smtClean="0"/>
+              <a:t> чересчур большая</a:t>
+            </a:r>
+          </a:p>
+          <a:p>
+            <a:pPr marL="628650" lvl="1" indent="-171450">
+              <a:buFontTx/>
+              <a:buChar char="-"/>
+            </a:pPr>
+            <a:r>
+              <a:rPr lang="ru-RU" baseline="0" dirty="0" smtClean="0"/>
+              <a:t>И распределенная</a:t>
+            </a:r>
+            <a:endParaRPr lang="ru-RU" dirty="0" smtClean="0"/>
+          </a:p>
+          <a:p>
+            <a:pPr marL="171450" indent="-171450">
+              <a:buFontTx/>
+              <a:buChar char="-"/>
+            </a:pPr>
+            <a:r>
+              <a:rPr lang="ru-RU" dirty="0" smtClean="0"/>
+              <a:t>Система чересчур сложная</a:t>
+            </a:r>
+          </a:p>
+          <a:p>
+            <a:pPr marL="628650" lvl="1" indent="-171450">
+              <a:buFontTx/>
+              <a:buChar char="-"/>
+            </a:pPr>
+            <a:r>
+              <a:rPr lang="ru-RU" dirty="0" smtClean="0"/>
+              <a:t>Сложная в понимании</a:t>
+            </a:r>
+          </a:p>
+          <a:p>
+            <a:pPr marL="628650" lvl="1" indent="-171450">
+              <a:buFontTx/>
+              <a:buChar char="-"/>
+            </a:pPr>
+            <a:r>
+              <a:rPr lang="ru-RU" dirty="0" smtClean="0"/>
+              <a:t>Сложная в разработке</a:t>
+            </a:r>
+          </a:p>
+          <a:p>
+            <a:pPr marL="628650" lvl="1" indent="-171450">
+              <a:buFontTx/>
+              <a:buChar char="-"/>
+            </a:pPr>
+            <a:r>
+              <a:rPr lang="ru-RU" dirty="0" smtClean="0"/>
+              <a:t>Сложная в развертывании</a:t>
+            </a:r>
+          </a:p>
+          <a:p>
+            <a:pPr marL="171450" lvl="0" indent="-171450">
+              <a:buFontTx/>
+              <a:buChar char="-"/>
+            </a:pPr>
+            <a:r>
+              <a:rPr lang="ru-RU" dirty="0" smtClean="0"/>
+              <a:t>Система</a:t>
+            </a:r>
+            <a:r>
+              <a:rPr lang="ru-RU" baseline="0" dirty="0" smtClean="0"/>
+              <a:t> слишком новая</a:t>
+            </a:r>
+          </a:p>
+          <a:p>
+            <a:pPr marL="628650" lvl="1" indent="-171450">
+              <a:buFontTx/>
+              <a:buChar char="-"/>
+            </a:pPr>
+            <a:r>
+              <a:rPr lang="ru-RU" baseline="0" dirty="0" smtClean="0"/>
+              <a:t>Изолировать </a:t>
+            </a:r>
+            <a:r>
+              <a:rPr lang="ru-RU" baseline="0" dirty="0" err="1" smtClean="0"/>
+              <a:t>легаси</a:t>
+            </a:r>
+            <a:r>
+              <a:rPr lang="ru-RU" baseline="0" dirty="0" smtClean="0"/>
+              <a:t> приложения</a:t>
+            </a:r>
+            <a:endParaRPr lang="ru-RU" dirty="0"/>
+          </a:p>
+        </p:txBody>
+      </p:sp>
+      <p:sp>
+        <p:nvSpPr>
+          <p:cNvPr id="4" name="Номер слайда 3"/>
+          <p:cNvSpPr>
+            <a:spLocks noGrp="1"/>
+          </p:cNvSpPr>
+          <p:nvPr>
+            <p:ph type="sldNum" sz="quarter" idx="10"/>
+          </p:nvPr>
+        </p:nvSpPr>
+        <p:spPr/>
+        <p:txBody>
+          <a:bodyPr/>
+          <a:lstStyle/>
+          <a:p>
+            <a:fld id="{7AE90029-A909-AD4E-9775-A0D64990AD22}" type="slidenum">
+              <a:rPr lang="en-US" smtClean="0"/>
+              <a:t>27</a:t>
+            </a:fld>
+            <a:endParaRPr lang="en-US"/>
+          </a:p>
+        </p:txBody>
+      </p:sp>
+    </p:spTree>
+    <p:extLst>
+      <p:ext uri="{BB962C8B-B14F-4D97-AF65-F5344CB8AC3E}">
+        <p14:creationId xmlns:p14="http://schemas.microsoft.com/office/powerpoint/2010/main" val="1939072022"/>
+      </p:ext>
+    </p:extLst>
+  </p:cSld>
+  <p:clrMapOvr>
+    <a:masterClrMapping/>
+  </p:clrMapOvr>
+</p:notes>
+</file>
+
+<file path=ppt/notesSlides/notesSlide28.xml><?xml version="1.0" encoding="utf-8"?>
+<p:notes xmlns:a="http://schemas.openxmlformats.org/drawingml/2006/main" xmlns:r="http://schemas.openxmlformats.org/officeDocument/2006/relationships" xmlns:p="http://schemas.openxmlformats.org/presentationml/2006/main">
+  <p:cSld>
+    <p:spTree>
+      <p:nvGrpSpPr>
+        <p:cNvPr id="1" name=""/>
+        <p:cNvGrpSpPr/>
+        <p:nvPr/>
+      </p:nvGrpSpPr>
+      <p:grpSpPr>
+        <a:xfrm>
+          <a:off x="0" y="0"/>
+          <a:ext cx="0" cy="0"/>
+          <a:chOff x="0" y="0"/>
+          <a:chExt cx="0" cy="0"/>
+        </a:xfrm>
+      </p:grpSpPr>
+      <p:sp>
+        <p:nvSpPr>
+          <p:cNvPr id="2" name="Образ слайда 1"/>
+          <p:cNvSpPr>
+            <a:spLocks noGrp="1" noRot="1" noChangeAspect="1"/>
+          </p:cNvSpPr>
+          <p:nvPr>
+            <p:ph type="sldImg"/>
+          </p:nvPr>
+        </p:nvSpPr>
+        <p:spPr/>
+      </p:sp>
+      <p:sp>
+        <p:nvSpPr>
+          <p:cNvPr id="3" name="Заметки 2"/>
+          <p:cNvSpPr>
+            <a:spLocks noGrp="1"/>
+          </p:cNvSpPr>
+          <p:nvPr>
+            <p:ph type="body" idx="1"/>
+          </p:nvPr>
+        </p:nvSpPr>
+        <p:spPr/>
+        <p:txBody>
+          <a:bodyPr/>
+          <a:lstStyle/>
+          <a:p>
+            <a:r>
+              <a:rPr lang="ru-RU" dirty="0" smtClean="0"/>
+              <a:t>Упрощают понимание – за счет</a:t>
+            </a:r>
+            <a:r>
+              <a:rPr lang="ru-RU" baseline="0" dirty="0" smtClean="0"/>
+              <a:t> необходимости разбиения системы на слабосвязанные сервисы</a:t>
+            </a:r>
+          </a:p>
+          <a:p>
+            <a:pPr marL="0" marR="0" lvl="1" indent="0" algn="l" defTabSz="457200" rtl="0" eaLnBrk="1" fontAlgn="auto" latinLnBrk="0" hangingPunct="1">
+              <a:lnSpc>
+                <a:spcPct val="100000"/>
+              </a:lnSpc>
+              <a:spcBef>
+                <a:spcPts val="0"/>
+              </a:spcBef>
+              <a:spcAft>
+                <a:spcPts val="0"/>
+              </a:spcAft>
+              <a:buClrTx/>
+              <a:buSzTx/>
+              <a:buFontTx/>
+              <a:buNone/>
+              <a:tabLst/>
+              <a:defRPr/>
+            </a:pPr>
+            <a:r>
+              <a:rPr lang="ru-RU" dirty="0" smtClean="0"/>
+              <a:t>Упрощают масштабирование – за</a:t>
+            </a:r>
+            <a:r>
+              <a:rPr lang="ru-RU" baseline="0" dirty="0" smtClean="0"/>
+              <a:t> счет возможности создания множества серверов с развернутыми </a:t>
+            </a:r>
+            <a:r>
+              <a:rPr lang="ru-RU" baseline="0" dirty="0" err="1" smtClean="0"/>
+              <a:t>микросервисами</a:t>
+            </a:r>
+            <a:endParaRPr lang="ru-RU" baseline="0" dirty="0" smtClean="0"/>
+          </a:p>
+          <a:p>
+            <a:pPr marL="0" marR="0" lvl="1" indent="0" algn="l" defTabSz="457200" rtl="0" eaLnBrk="1" fontAlgn="auto" latinLnBrk="0" hangingPunct="1">
+              <a:lnSpc>
+                <a:spcPct val="100000"/>
+              </a:lnSpc>
+              <a:spcBef>
+                <a:spcPts val="0"/>
+              </a:spcBef>
+              <a:spcAft>
+                <a:spcPts val="0"/>
+              </a:spcAft>
+              <a:buClrTx/>
+              <a:buSzTx/>
+              <a:buFontTx/>
+              <a:buNone/>
+              <a:tabLst/>
+              <a:defRPr/>
+            </a:pPr>
+            <a:r>
+              <a:rPr lang="en-US" dirty="0" smtClean="0"/>
+              <a:t>Right Tool For Right Tool</a:t>
+            </a:r>
+            <a:endParaRPr lang="ru-RU" smtClean="0"/>
+          </a:p>
+          <a:p>
+            <a:pPr marL="0" marR="0" lvl="1" indent="0" algn="l" defTabSz="457200" rtl="0" eaLnBrk="1" fontAlgn="auto" latinLnBrk="0" hangingPunct="1">
+              <a:lnSpc>
+                <a:spcPct val="100000"/>
+              </a:lnSpc>
+              <a:spcBef>
+                <a:spcPts val="0"/>
+              </a:spcBef>
+              <a:spcAft>
+                <a:spcPts val="0"/>
+              </a:spcAft>
+              <a:buClrTx/>
+              <a:buSzTx/>
+              <a:buFontTx/>
+              <a:buNone/>
+              <a:tabLst/>
+              <a:defRPr/>
+            </a:pPr>
+            <a:endParaRPr lang="ru-RU" baseline="0" dirty="0" smtClean="0"/>
+          </a:p>
+          <a:p>
+            <a:endParaRPr lang="ru-RU" dirty="0"/>
+          </a:p>
+        </p:txBody>
+      </p:sp>
+      <p:sp>
+        <p:nvSpPr>
+          <p:cNvPr id="4" name="Номер слайда 3"/>
+          <p:cNvSpPr>
+            <a:spLocks noGrp="1"/>
+          </p:cNvSpPr>
+          <p:nvPr>
+            <p:ph type="sldNum" sz="quarter" idx="10"/>
+          </p:nvPr>
+        </p:nvSpPr>
+        <p:spPr/>
+        <p:txBody>
+          <a:bodyPr/>
+          <a:lstStyle/>
+          <a:p>
+            <a:fld id="{7AE90029-A909-AD4E-9775-A0D64990AD22}" type="slidenum">
+              <a:rPr lang="en-US" smtClean="0"/>
+              <a:t>28</a:t>
+            </a:fld>
+            <a:endParaRPr lang="en-US"/>
+          </a:p>
+        </p:txBody>
+      </p:sp>
+    </p:spTree>
+    <p:extLst>
+      <p:ext uri="{BB962C8B-B14F-4D97-AF65-F5344CB8AC3E}">
+        <p14:creationId xmlns:p14="http://schemas.microsoft.com/office/powerpoint/2010/main" val="4199199565"/>
       </p:ext>
     </p:extLst>
   </p:cSld>
@@ -17136,19 +17725,12 @@
   <p:cSld>
     <p:bg>
       <p:bgPr>
-        <a:pattFill prst="pct40">
-          <a:fgClr>
-            <a:schemeClr val="accent1">
-              <a:lumMod val="50000"/>
-            </a:schemeClr>
-          </a:fgClr>
-          <a:bgClr>
-            <a:schemeClr val="accent5">
-              <a:lumMod val="60000"/>
-              <a:lumOff val="40000"/>
-            </a:schemeClr>
-          </a:bgClr>
-        </a:pattFill>
+        <a:solidFill>
+          <a:schemeClr val="accent5">
+            <a:lumMod val="60000"/>
+            <a:lumOff val="40000"/>
+          </a:schemeClr>
+        </a:solidFill>
         <a:effectLst/>
       </p:bgPr>
     </p:bg>
@@ -17372,7 +17954,7 @@
         <p:spPr>
           <a:xfrm>
             <a:off x="457200" y="1204686"/>
-            <a:ext cx="8229600" cy="4921477"/>
+            <a:ext cx="8229600" cy="5208814"/>
           </a:xfrm>
         </p:spPr>
         <p:txBody>
@@ -17397,67 +17979,67 @@
           <a:p>
             <a:pPr lvl="1"/>
             <a:r>
+              <a:rPr lang="en-US" sz="3200" b="1" dirty="0" smtClean="0"/>
+              <a:t>Continuous Integration</a:t>
+            </a:r>
+          </a:p>
+          <a:p>
+            <a:pPr lvl="2"/>
+            <a:r>
+              <a:rPr lang="en-US" sz="2400" dirty="0" smtClean="0"/>
+              <a:t>Jenkins</a:t>
+            </a:r>
+          </a:p>
+          <a:p>
+            <a:pPr lvl="2"/>
+            <a:r>
+              <a:rPr lang="ru-RU" sz="2400" dirty="0" smtClean="0"/>
+              <a:t>Выделенное окружение разработчика</a:t>
+            </a:r>
+            <a:endParaRPr lang="en-US" sz="2400" dirty="0" smtClean="0"/>
+          </a:p>
+          <a:p>
+            <a:pPr lvl="1"/>
+            <a:r>
               <a:rPr lang="en-US" sz="2800" b="1" dirty="0" smtClean="0"/>
-              <a:t>Continuous Integration</a:t>
-            </a:r>
+              <a:t>One-button Deployment</a:t>
+            </a:r>
+          </a:p>
+          <a:p>
+            <a:pPr lvl="1"/>
+            <a:r>
+              <a:rPr lang="en-US" sz="2800" b="1" dirty="0" smtClean="0"/>
+              <a:t>Database Evolution</a:t>
+            </a:r>
+            <a:endParaRPr lang="ru-RU" sz="2800" b="1" dirty="0" smtClean="0"/>
           </a:p>
           <a:p>
             <a:pPr lvl="2"/>
             <a:r>
-              <a:rPr lang="en-US" sz="2000" dirty="0" smtClean="0"/>
-              <a:t>Jenkins</a:t>
-            </a:r>
+              <a:rPr lang="ru-RU" sz="2400" dirty="0" smtClean="0"/>
+              <a:t>Создание структур БД</a:t>
+            </a:r>
+            <a:endParaRPr lang="en-US" sz="2400" dirty="0" smtClean="0"/>
           </a:p>
           <a:p>
             <a:pPr lvl="2"/>
             <a:r>
-              <a:rPr lang="ru-RU" sz="2000" dirty="0" smtClean="0"/>
-              <a:t>Выделенное окружение разработчика</a:t>
-            </a:r>
-            <a:endParaRPr lang="en-US" sz="2000" dirty="0" smtClean="0"/>
+              <a:rPr lang="ru-RU" sz="2400" dirty="0" smtClean="0"/>
+              <a:t>Миграция данных</a:t>
+            </a:r>
+          </a:p>
+          <a:p>
+            <a:pPr lvl="2"/>
+            <a:r>
+              <a:rPr lang="ru-RU" sz="2400" dirty="0" smtClean="0"/>
+              <a:t>Автоматическое выполнение</a:t>
+            </a:r>
+            <a:endParaRPr lang="en-US" sz="2400" dirty="0" smtClean="0"/>
           </a:p>
           <a:p>
             <a:pPr lvl="1"/>
             <a:r>
-              <a:rPr lang="en-US" sz="2400" b="1" dirty="0" smtClean="0"/>
-              <a:t>One-button Deployment</a:t>
-            </a:r>
-          </a:p>
-          <a:p>
-            <a:pPr lvl="1"/>
-            <a:r>
-              <a:rPr lang="en-US" sz="2400" b="1" dirty="0" smtClean="0"/>
-              <a:t>Database Evolution</a:t>
-            </a:r>
-            <a:endParaRPr lang="ru-RU" sz="2400" b="1" dirty="0" smtClean="0"/>
-          </a:p>
-          <a:p>
-            <a:pPr lvl="2"/>
-            <a:r>
-              <a:rPr lang="ru-RU" sz="2000" dirty="0" smtClean="0"/>
-              <a:t>Создание структур БД</a:t>
-            </a:r>
-            <a:endParaRPr lang="en-US" sz="2000" dirty="0" smtClean="0"/>
-          </a:p>
-          <a:p>
-            <a:pPr lvl="2"/>
-            <a:r>
-              <a:rPr lang="ru-RU" sz="2000" dirty="0" smtClean="0"/>
-              <a:t>Миграция данных</a:t>
-            </a:r>
-          </a:p>
-          <a:p>
-            <a:pPr lvl="2"/>
-            <a:r>
-              <a:rPr lang="ru-RU" sz="2000" dirty="0" smtClean="0"/>
-              <a:t>Автоматическое выполнение</a:t>
-            </a:r>
-            <a:endParaRPr lang="en-US" sz="2000" dirty="0" smtClean="0"/>
-          </a:p>
-          <a:p>
-            <a:pPr lvl="1"/>
-            <a:r>
-              <a:rPr lang="en-US" sz="2400" b="1" dirty="0" smtClean="0"/>
+              <a:rPr lang="en-US" sz="2800" b="1" dirty="0" smtClean="0"/>
               <a:t>Chef</a:t>
             </a:r>
           </a:p>
@@ -20077,7 +20659,6 @@
               <a:rPr lang="ru-RU" sz="3000" dirty="0" smtClean="0"/>
               <a:t>Ручное</a:t>
             </a:r>
-            <a:endParaRPr lang="ru-RU" sz="3000" dirty="0" smtClean="0"/>
           </a:p>
           <a:p>
             <a:pPr lvl="2"/>
@@ -22337,11 +22918,11 @@
   <p:clrMapOvr>
     <a:masterClrMapping/>
   </p:clrMapOvr>
-  <mc:AlternateContent xmlns:mc="http://schemas.openxmlformats.org/markup-compatibility/2006">
-    <mc:Choice xmlns:p14="http://schemas.microsoft.com/office/powerpoint/2010/main" Requires="p14">
+  <mc:AlternateContent xmlns:mc="http://schemas.openxmlformats.org/markup-compatibility/2006" xmlns:p14="http://schemas.microsoft.com/office/powerpoint/2010/main">
+    <mc:Choice Requires="p14">
       <p:transition spd="slow" p14:dur="2000"/>
     </mc:Choice>
-    <mc:Fallback>
+    <mc:Fallback xmlns="">
       <p:transition spd="slow"/>
     </mc:Fallback>
   </mc:AlternateContent>
@@ -22447,6 +23028,13 @@
   <p:clrMapOvr>
     <a:masterClrMapping/>
   </p:clrMapOvr>
+  <p:timing>
+    <p:tnLst>
+      <p:par>
+        <p:cTn id="1" dur="indefinite" restart="never" nodeType="tmRoot"/>
+      </p:par>
+    </p:tnLst>
+  </p:timing>
 </p:sld>
 </file>
 
@@ -24229,29 +24817,104 @@
             <p:ph type="body" sz="quarter" idx="10"/>
           </p:nvPr>
         </p:nvSpPr>
-        <p:spPr>
-          <a:xfrm>
-            <a:off x="2222500" y="2082800"/>
-            <a:ext cx="4165600" cy="1739900"/>
-          </a:xfrm>
-        </p:spPr>
+        <p:spPr/>
         <p:txBody>
           <a:bodyPr/>
           <a:lstStyle/>
           <a:p>
             <a:pPr algn="ctr"/>
             <a:r>
-              <a:rPr lang="en-US" dirty="0" smtClean="0"/>
-              <a:t>Q&amp;A   </a:t>
+              <a:rPr lang="ru-RU" dirty="0" smtClean="0"/>
+              <a:t>Когда использовать монолиты?</a:t>
             </a:r>
             <a:endParaRPr lang="ru-RU" dirty="0"/>
+          </a:p>
+        </p:txBody>
+      </p:sp>
+      <p:sp>
+        <p:nvSpPr>
+          <p:cNvPr id="5" name="TextBox 4"/>
+          <p:cNvSpPr txBox="1"/>
+          <p:nvPr/>
+        </p:nvSpPr>
+        <p:spPr>
+          <a:xfrm>
+            <a:off x="342900" y="1188168"/>
+            <a:ext cx="8394700" cy="2308324"/>
+          </a:xfrm>
+          <a:prstGeom prst="rect">
+            <a:avLst/>
+          </a:prstGeom>
+          <a:noFill/>
+        </p:spPr>
+        <p:txBody>
+          <a:bodyPr wrap="square" rtlCol="0">
+            <a:spAutoFit/>
+          </a:bodyPr>
+          <a:lstStyle/>
+          <a:p>
+            <a:pPr marL="571500" indent="-571500">
+              <a:lnSpc>
+                <a:spcPct val="120000"/>
+              </a:lnSpc>
+              <a:buFont typeface="Arial" pitchFamily="34" charset="0"/>
+              <a:buChar char="•"/>
+            </a:pPr>
+            <a:r>
+              <a:rPr lang="ru-RU" sz="4000" dirty="0" smtClean="0">
+                <a:solidFill>
+                  <a:srgbClr val="444444"/>
+                </a:solidFill>
+                <a:latin typeface="Trebuchet MS"/>
+                <a:cs typeface="Trebuchet MS"/>
+              </a:rPr>
+              <a:t>Первая версия</a:t>
+            </a:r>
+          </a:p>
+          <a:p>
+            <a:pPr marL="571500" indent="-571500">
+              <a:lnSpc>
+                <a:spcPct val="120000"/>
+              </a:lnSpc>
+              <a:buFont typeface="Arial" pitchFamily="34" charset="0"/>
+              <a:buChar char="•"/>
+            </a:pPr>
+            <a:r>
+              <a:rPr lang="ru-RU" sz="4000" dirty="0" smtClean="0">
+                <a:solidFill>
+                  <a:srgbClr val="444444"/>
+                </a:solidFill>
+                <a:latin typeface="Trebuchet MS"/>
+                <a:cs typeface="Trebuchet MS"/>
+              </a:rPr>
+              <a:t>Система достаточно понятна</a:t>
+            </a:r>
+          </a:p>
+          <a:p>
+            <a:pPr marL="571500" indent="-571500">
+              <a:lnSpc>
+                <a:spcPct val="120000"/>
+              </a:lnSpc>
+              <a:buFont typeface="Arial" pitchFamily="34" charset="0"/>
+              <a:buChar char="•"/>
+            </a:pPr>
+            <a:r>
+              <a:rPr lang="ru-RU" sz="4000" dirty="0" smtClean="0">
+                <a:solidFill>
+                  <a:srgbClr val="444444"/>
+                </a:solidFill>
+                <a:latin typeface="Trebuchet MS"/>
+                <a:cs typeface="Trebuchet MS"/>
+              </a:rPr>
+              <a:t>Система достаточно размыта</a:t>
+            </a:r>
           </a:p>
         </p:txBody>
       </p:sp>
     </p:spTree>
     <p:extLst>
       <p:ext uri="{BB962C8B-B14F-4D97-AF65-F5344CB8AC3E}">
-        <p14:creationId xmlns:p14="http://schemas.microsoft.com/office/powerpoint/2010/main" val="3965024869"/>
+        <p14:creationId xmlns:p14="http://schemas.microsoft.com/office/powerpoint/2010/main" val="1151815659"/>
       </p:ext>
     </p:extLst>
   </p:cSld>
@@ -24288,12 +24951,7 @@
             <p:ph type="body" sz="quarter" idx="10"/>
           </p:nvPr>
         </p:nvSpPr>
-        <p:spPr>
-          <a:xfrm>
-            <a:off x="0" y="2730500"/>
-            <a:ext cx="9144000" cy="932688"/>
-          </a:xfrm>
-        </p:spPr>
+        <p:spPr/>
         <p:txBody>
           <a:bodyPr/>
           <a:lstStyle/>
@@ -24301,22 +24959,310 @@
             <a:pPr algn="ctr"/>
             <a:r>
               <a:rPr lang="ru-RU" dirty="0" smtClean="0"/>
-              <a:t>Спасибо за внимание</a:t>
+              <a:t>Когда использовать </a:t>
+            </a:r>
+            <a:r>
+              <a:rPr lang="ru-RU" dirty="0" err="1" smtClean="0"/>
+              <a:t>микросервисы</a:t>
+            </a:r>
+            <a:r>
+              <a:rPr lang="ru-RU" dirty="0" smtClean="0"/>
+              <a:t>?</a:t>
             </a:r>
             <a:endParaRPr lang="ru-RU" dirty="0"/>
+          </a:p>
+        </p:txBody>
+      </p:sp>
+      <p:sp>
+        <p:nvSpPr>
+          <p:cNvPr id="5" name="TextBox 4"/>
+          <p:cNvSpPr txBox="1"/>
+          <p:nvPr/>
+        </p:nvSpPr>
+        <p:spPr>
+          <a:xfrm>
+            <a:off x="342900" y="1188168"/>
+            <a:ext cx="8394700" cy="3046988"/>
+          </a:xfrm>
+          <a:prstGeom prst="rect">
+            <a:avLst/>
+          </a:prstGeom>
+          <a:noFill/>
+        </p:spPr>
+        <p:txBody>
+          <a:bodyPr wrap="square" rtlCol="0">
+            <a:spAutoFit/>
+          </a:bodyPr>
+          <a:lstStyle/>
+          <a:p>
+            <a:pPr marL="571500" indent="-571500">
+              <a:lnSpc>
+                <a:spcPct val="120000"/>
+              </a:lnSpc>
+              <a:buFont typeface="Arial" pitchFamily="34" charset="0"/>
+              <a:buChar char="•"/>
+            </a:pPr>
+            <a:r>
+              <a:rPr lang="ru-RU" sz="4000" dirty="0" smtClean="0">
+                <a:solidFill>
+                  <a:srgbClr val="444444"/>
+                </a:solidFill>
+                <a:latin typeface="Trebuchet MS"/>
+                <a:cs typeface="Trebuchet MS"/>
+              </a:rPr>
+              <a:t>Система слишком большая</a:t>
+            </a:r>
+          </a:p>
+          <a:p>
+            <a:pPr marL="571500" indent="-571500">
+              <a:lnSpc>
+                <a:spcPct val="120000"/>
+              </a:lnSpc>
+              <a:buFont typeface="Arial" pitchFamily="34" charset="0"/>
+              <a:buChar char="•"/>
+            </a:pPr>
+            <a:r>
+              <a:rPr lang="ru-RU" sz="4000" dirty="0" smtClean="0">
+                <a:solidFill>
+                  <a:srgbClr val="444444"/>
+                </a:solidFill>
+                <a:latin typeface="Trebuchet MS"/>
+                <a:cs typeface="Trebuchet MS"/>
+              </a:rPr>
+              <a:t>Команда слишком большая</a:t>
+            </a:r>
+          </a:p>
+          <a:p>
+            <a:pPr marL="571500" indent="-571500">
+              <a:lnSpc>
+                <a:spcPct val="120000"/>
+              </a:lnSpc>
+              <a:buFont typeface="Arial" pitchFamily="34" charset="0"/>
+              <a:buChar char="•"/>
+            </a:pPr>
+            <a:r>
+              <a:rPr lang="ru-RU" sz="4000" dirty="0" smtClean="0">
+                <a:solidFill>
+                  <a:srgbClr val="444444"/>
+                </a:solidFill>
+                <a:latin typeface="Trebuchet MS"/>
+                <a:cs typeface="Trebuchet MS"/>
+              </a:rPr>
+              <a:t>Система слишком сложная</a:t>
+            </a:r>
+          </a:p>
+          <a:p>
+            <a:pPr marL="571500" indent="-571500">
+              <a:lnSpc>
+                <a:spcPct val="120000"/>
+              </a:lnSpc>
+              <a:buFont typeface="Arial" pitchFamily="34" charset="0"/>
+              <a:buChar char="•"/>
+            </a:pPr>
+            <a:r>
+              <a:rPr lang="ru-RU" sz="4000" dirty="0" smtClean="0">
+                <a:solidFill>
+                  <a:srgbClr val="444444"/>
+                </a:solidFill>
+                <a:latin typeface="Trebuchet MS"/>
+                <a:cs typeface="Trebuchet MS"/>
+              </a:rPr>
+              <a:t>Система слишком новая</a:t>
+            </a:r>
           </a:p>
         </p:txBody>
       </p:sp>
     </p:spTree>
     <p:extLst>
       <p:ext uri="{BB962C8B-B14F-4D97-AF65-F5344CB8AC3E}">
-        <p14:creationId xmlns:p14="http://schemas.microsoft.com/office/powerpoint/2010/main" val="4215061883"/>
+        <p14:creationId xmlns:p14="http://schemas.microsoft.com/office/powerpoint/2010/main" val="2782563885"/>
       </p:ext>
     </p:extLst>
   </p:cSld>
   <p:clrMapOvr>
     <a:masterClrMapping/>
   </p:clrMapOvr>
+</p:sld>
+</file>
+
+<file path=ppt/slides/slide28.xml><?xml version="1.0" encoding="utf-8"?>
+<p:sld xmlns:a="http://schemas.openxmlformats.org/drawingml/2006/main" xmlns:r="http://schemas.openxmlformats.org/officeDocument/2006/relationships" xmlns:p="http://schemas.openxmlformats.org/presentationml/2006/main">
+  <p:cSld>
+    <p:spTree>
+      <p:nvGrpSpPr>
+        <p:cNvPr id="1" name=""/>
+        <p:cNvGrpSpPr/>
+        <p:nvPr/>
+      </p:nvGrpSpPr>
+      <p:grpSpPr>
+        <a:xfrm>
+          <a:off x="0" y="0"/>
+          <a:ext cx="0" cy="0"/>
+          <a:chOff x="0" y="0"/>
+          <a:chExt cx="0" cy="0"/>
+        </a:xfrm>
+      </p:grpSpPr>
+      <p:sp>
+        <p:nvSpPr>
+          <p:cNvPr id="3" name="Объект 2"/>
+          <p:cNvSpPr>
+            <a:spLocks noGrp="1"/>
+          </p:cNvSpPr>
+          <p:nvPr>
+            <p:ph idx="1"/>
+          </p:nvPr>
+        </p:nvSpPr>
+        <p:spPr>
+          <a:xfrm>
+            <a:off x="360362" y="1439862"/>
+            <a:ext cx="8237537" cy="4572000"/>
+          </a:xfrm>
+        </p:spPr>
+        <p:txBody>
+          <a:bodyPr/>
+          <a:lstStyle/>
+          <a:p>
+            <a:r>
+              <a:rPr lang="ru-RU" sz="3200" dirty="0" err="1" smtClean="0"/>
+              <a:t>Микросервисы</a:t>
+            </a:r>
+            <a:endParaRPr lang="ru-RU" sz="3200" dirty="0" smtClean="0"/>
+          </a:p>
+          <a:p>
+            <a:pPr lvl="1"/>
+            <a:r>
+              <a:rPr lang="ru-RU" sz="3200" dirty="0" smtClean="0"/>
+              <a:t>Не серебряная пуля</a:t>
+            </a:r>
+          </a:p>
+          <a:p>
+            <a:pPr lvl="1"/>
+            <a:r>
+              <a:rPr lang="ru-RU" sz="3200" dirty="0" smtClean="0"/>
+              <a:t>Упрощают понимание</a:t>
+            </a:r>
+          </a:p>
+          <a:p>
+            <a:pPr lvl="1"/>
+            <a:r>
+              <a:rPr lang="ru-RU" sz="3200" dirty="0" smtClean="0"/>
+              <a:t>Упрощают масштабирование</a:t>
+            </a:r>
+            <a:endParaRPr lang="en-US" sz="3200" dirty="0" smtClean="0"/>
+          </a:p>
+          <a:p>
+            <a:pPr lvl="1"/>
+            <a:r>
+              <a:rPr lang="ru-RU" sz="3200" dirty="0" smtClean="0"/>
+              <a:t>Нужный инструмент для каждой цели</a:t>
+            </a:r>
+          </a:p>
+          <a:p>
+            <a:pPr lvl="1"/>
+            <a:endParaRPr lang="ru-RU" dirty="0"/>
+          </a:p>
+        </p:txBody>
+      </p:sp>
+      <p:sp>
+        <p:nvSpPr>
+          <p:cNvPr id="4" name="Текст 3"/>
+          <p:cNvSpPr>
+            <a:spLocks noGrp="1"/>
+          </p:cNvSpPr>
+          <p:nvPr>
+            <p:ph type="body" sz="quarter" idx="10"/>
+          </p:nvPr>
+        </p:nvSpPr>
+        <p:spPr/>
+        <p:txBody>
+          <a:bodyPr/>
+          <a:lstStyle/>
+          <a:p>
+            <a:pPr algn="ctr"/>
+            <a:r>
+              <a:rPr lang="ru-RU" dirty="0" smtClean="0"/>
+              <a:t>ВЫВОДЫ</a:t>
+            </a:r>
+            <a:endParaRPr lang="ru-RU" dirty="0"/>
+          </a:p>
+        </p:txBody>
+      </p:sp>
+    </p:spTree>
+    <p:extLst>
+      <p:ext uri="{BB962C8B-B14F-4D97-AF65-F5344CB8AC3E}">
+        <p14:creationId xmlns:p14="http://schemas.microsoft.com/office/powerpoint/2010/main" val="2288470798"/>
+      </p:ext>
+    </p:extLst>
+  </p:cSld>
+  <p:clrMapOvr>
+    <a:masterClrMapping/>
+  </p:clrMapOvr>
+</p:sld>
+</file>
+
+<file path=ppt/slides/slide29.xml><?xml version="1.0" encoding="utf-8"?>
+<p:sld xmlns:a="http://schemas.openxmlformats.org/drawingml/2006/main" xmlns:r="http://schemas.openxmlformats.org/officeDocument/2006/relationships" xmlns:p="http://schemas.openxmlformats.org/presentationml/2006/main">
+  <p:cSld>
+    <p:spTree>
+      <p:nvGrpSpPr>
+        <p:cNvPr id="1" name=""/>
+        <p:cNvGrpSpPr/>
+        <p:nvPr/>
+      </p:nvGrpSpPr>
+      <p:grpSpPr>
+        <a:xfrm>
+          <a:off x="0" y="0"/>
+          <a:ext cx="0" cy="0"/>
+          <a:chOff x="0" y="0"/>
+          <a:chExt cx="0" cy="0"/>
+        </a:xfrm>
+      </p:grpSpPr>
+      <p:sp>
+        <p:nvSpPr>
+          <p:cNvPr id="4" name="Текст 3"/>
+          <p:cNvSpPr>
+            <a:spLocks noGrp="1"/>
+          </p:cNvSpPr>
+          <p:nvPr>
+            <p:ph type="body" sz="quarter" idx="10"/>
+          </p:nvPr>
+        </p:nvSpPr>
+        <p:spPr>
+          <a:xfrm>
+            <a:off x="2222500" y="2082800"/>
+            <a:ext cx="4165600" cy="1739900"/>
+          </a:xfrm>
+        </p:spPr>
+        <p:txBody>
+          <a:bodyPr/>
+          <a:lstStyle/>
+          <a:p>
+            <a:pPr algn="ctr"/>
+            <a:r>
+              <a:rPr lang="en-US" dirty="0" smtClean="0"/>
+              <a:t>Q&amp;A   </a:t>
+            </a:r>
+            <a:endParaRPr lang="ru-RU" dirty="0"/>
+          </a:p>
+        </p:txBody>
+      </p:sp>
+    </p:spTree>
+    <p:extLst>
+      <p:ext uri="{BB962C8B-B14F-4D97-AF65-F5344CB8AC3E}">
+        <p14:creationId xmlns:p14="http://schemas.microsoft.com/office/powerpoint/2010/main" val="3965024869"/>
+      </p:ext>
+    </p:extLst>
+  </p:cSld>
+  <p:clrMapOvr>
+    <a:masterClrMapping/>
+  </p:clrMapOvr>
+  <p:timing>
+    <p:tnLst>
+      <p:par>
+        <p:cTn id="1" dur="indefinite" restart="never" nodeType="tmRoot"/>
+      </p:par>
+    </p:tnLst>
+  </p:timing>
 </p:sld>
 </file>
 
@@ -24696,6 +25642,72 @@
     <p:extLst>
       <p:ext uri="{BB962C8B-B14F-4D97-AF65-F5344CB8AC3E}">
         <p14:creationId xmlns:p14="http://schemas.microsoft.com/office/powerpoint/2010/main" val="1504602637"/>
+      </p:ext>
+    </p:extLst>
+  </p:cSld>
+  <p:clrMapOvr>
+    <a:masterClrMapping/>
+  </p:clrMapOvr>
+  <p:timing>
+    <p:tnLst>
+      <p:par>
+        <p:cTn id="1" dur="indefinite" restart="never" nodeType="tmRoot"/>
+      </p:par>
+    </p:tnLst>
+  </p:timing>
+</p:sld>
+</file>
+
+<file path=ppt/slides/slide30.xml><?xml version="1.0" encoding="utf-8"?>
+<p:sld xmlns:a="http://schemas.openxmlformats.org/drawingml/2006/main" xmlns:r="http://schemas.openxmlformats.org/officeDocument/2006/relationships" xmlns:p="http://schemas.openxmlformats.org/presentationml/2006/main">
+  <p:cSld>
+    <p:spTree>
+      <p:nvGrpSpPr>
+        <p:cNvPr id="1" name=""/>
+        <p:cNvGrpSpPr/>
+        <p:nvPr/>
+      </p:nvGrpSpPr>
+      <p:grpSpPr>
+        <a:xfrm>
+          <a:off x="0" y="0"/>
+          <a:ext cx="0" cy="0"/>
+          <a:chOff x="0" y="0"/>
+          <a:chExt cx="0" cy="0"/>
+        </a:xfrm>
+      </p:grpSpPr>
+      <p:sp>
+        <p:nvSpPr>
+          <p:cNvPr id="4" name="Текст 3"/>
+          <p:cNvSpPr>
+            <a:spLocks noGrp="1"/>
+          </p:cNvSpPr>
+          <p:nvPr>
+            <p:ph type="body" sz="quarter" idx="10"/>
+          </p:nvPr>
+        </p:nvSpPr>
+        <p:spPr>
+          <a:xfrm>
+            <a:off x="0" y="2730500"/>
+            <a:ext cx="9144000" cy="932688"/>
+          </a:xfrm>
+        </p:spPr>
+        <p:txBody>
+          <a:bodyPr/>
+          <a:lstStyle/>
+          <a:p>
+            <a:pPr algn="ctr"/>
+            <a:r>
+              <a:rPr lang="ru-RU" dirty="0" smtClean="0"/>
+              <a:t>Спасибо за внимание</a:t>
+            </a:r>
+            <a:endParaRPr lang="ru-RU" dirty="0"/>
+          </a:p>
+        </p:txBody>
+      </p:sp>
+    </p:spTree>
+    <p:extLst>
+      <p:ext uri="{BB962C8B-B14F-4D97-AF65-F5344CB8AC3E}">
+        <p14:creationId xmlns:p14="http://schemas.microsoft.com/office/powerpoint/2010/main" val="4215061883"/>
       </p:ext>
     </p:extLst>
   </p:cSld>
@@ -27074,11 +28086,7 @@
             </a:r>
             <a:r>
               <a:rPr lang="ru-RU" sz="2800" dirty="0" smtClean="0"/>
-              <a:t> Практики </a:t>
-            </a:r>
-            <a:r>
-              <a:rPr lang="en-US" sz="2800" dirty="0" err="1"/>
-              <a:t>DevOps</a:t>
+              <a:t> Нужно автоматизировать</a:t>
             </a:r>
             <a:endParaRPr lang="en-US" sz="2800" dirty="0"/>
           </a:p>
@@ -27207,8 +28215,19 @@
               <a:buNone/>
             </a:pPr>
             <a:r>
+              <a:rPr lang="en-US" sz="3200" dirty="0" smtClean="0">
+                <a:solidFill>
+                  <a:schemeClr val="accent2">
+                    <a:lumMod val="60000"/>
+                    <a:lumOff val="40000"/>
+                  </a:schemeClr>
+                </a:solidFill>
+              </a:rPr>
+              <a:t>-</a:t>
+            </a:r>
+            <a:r>
               <a:rPr lang="en-US" sz="3200" dirty="0" smtClean="0"/>
-              <a:t>- </a:t>
+              <a:t> </a:t>
             </a:r>
             <a:r>
               <a:rPr lang="ru-RU" sz="3200" dirty="0" smtClean="0"/>
@@ -27520,12 +28539,22 @@
             </a:lvl9pPr>
           </a:lstStyle>
           <a:p>
+            <a:pPr>
+              <a:lnSpc>
+                <a:spcPct val="200000"/>
+              </a:lnSpc>
+            </a:pPr>
             <a:r>
               <a:rPr lang="ru-RU" sz="2800" b="1" dirty="0" smtClean="0"/>
               <a:t>Абстрагироваться от инфраструктуры</a:t>
             </a:r>
           </a:p>
           <a:p>
+            <a:pPr>
+              <a:lnSpc>
+                <a:spcPct val="200000"/>
+              </a:lnSpc>
+            </a:pPr>
             <a:r>
               <a:rPr lang="ru-RU" sz="2800" b="1" dirty="0" smtClean="0"/>
               <a:t>Выровнять инфраструктуру окружений</a:t>
@@ -27533,7 +28562,11 @@
             <a:endParaRPr lang="en-US" sz="2800" b="1" dirty="0" smtClean="0"/>
           </a:p>
           <a:p>
-            <a:pPr lvl="1"/>
+            <a:pPr lvl="1">
+              <a:lnSpc>
+                <a:spcPct val="200000"/>
+              </a:lnSpc>
+            </a:pPr>
             <a:r>
               <a:rPr lang="ru-RU" sz="2400" dirty="0" smtClean="0"/>
               <a:t>Отдельные окружения (</a:t>
@@ -27542,12 +28575,14 @@
               <a:rPr lang="en-US" sz="2400" dirty="0" smtClean="0"/>
               <a:t>DEV/QA/PS/PROD)</a:t>
             </a:r>
-          </a:p>
-          <a:p>
-            <a:pPr lvl="1"/>
             <a:endParaRPr lang="ru-RU" sz="2400" dirty="0" smtClean="0"/>
           </a:p>
           <a:p>
+            <a:pPr>
+              <a:lnSpc>
+                <a:spcPct val="200000"/>
+              </a:lnSpc>
+            </a:pPr>
             <a:r>
               <a:rPr lang="ru-RU" sz="2800" b="1" dirty="0" smtClean="0"/>
               <a:t>Автоматизация</a:t>
